--- a/THE KC HOUSE PROJECT.pptx
+++ b/THE KC HOUSE PROJECT.pptx
@@ -1,29 +1,48 @@
 
 <file path=ppt/presentation.xml><?xml version="1.0" encoding="utf-8"?>
-<p:presentation xmlns:a="http://schemas.openxmlformats.org/drawingml/2006/main" xmlns:r="http://schemas.openxmlformats.org/officeDocument/2006/relationships" xmlns:mc="http://schemas.openxmlformats.org/markup-compatibility/2006" xmlns:mv="urn:schemas-microsoft-com:mac:vml" xmlns:p="http://schemas.openxmlformats.org/presentationml/2006/main" xmlns:c="http://schemas.openxmlformats.org/drawingml/2006/chart" xmlns:dgm="http://schemas.openxmlformats.org/drawingml/2006/diagram" xmlns:o="urn:schemas-microsoft-com:office:office" xmlns:v="urn:schemas-microsoft-com:vml" xmlns:pvml="urn:schemas-microsoft-com:office:powerpoint" xmlns:com="http://schemas.openxmlformats.org/drawingml/2006/compatibility" xmlns:p14="http://schemas.microsoft.com/office/powerpoint/2010/main" xmlns:p15="http://schemas.microsoft.com/office/powerpoint/2012/main" xmlns:ahyp="http://schemas.microsoft.com/office/drawing/2018/hyperlinkcolor" autoCompressPictures="0" embedTrueTypeFonts="1" strictFirstAndLastChars="0" saveSubsetFonts="1">
+<p:presentation xmlns:a="http://schemas.openxmlformats.org/drawingml/2006/main" xmlns:r="http://schemas.openxmlformats.org/officeDocument/2006/relationships" xmlns:p="http://schemas.openxmlformats.org/presentationml/2006/main" strictFirstAndLastChars="0" embedTrueTypeFonts="1" saveSubsetFonts="1" autoCompressPictures="0">
   <p:sldMasterIdLst>
-    <p:sldMasterId id="2147483659" r:id="rId4"/>
+    <p:sldMasterId id="2147483659" r:id="rId1"/>
   </p:sldMasterIdLst>
   <p:notesMasterIdLst>
-    <p:notesMasterId r:id="rId5"/>
+    <p:notesMasterId r:id="rId9"/>
   </p:notesMasterIdLst>
   <p:sldIdLst>
-    <p:sldId id="256" r:id="rId6"/>
-    <p:sldId id="257" r:id="rId7"/>
+    <p:sldId id="256" r:id="rId2"/>
+    <p:sldId id="257" r:id="rId3"/>
+    <p:sldId id="259" r:id="rId4"/>
+    <p:sldId id="260" r:id="rId5"/>
+    <p:sldId id="261" r:id="rId6"/>
+    <p:sldId id="262" r:id="rId7"/>
+    <p:sldId id="263" r:id="rId8"/>
   </p:sldIdLst>
-  <p:sldSz cy="5143500" cx="9144000"/>
+  <p:sldSz cx="9144000" cy="5143500" type="screen16x9"/>
   <p:notesSz cx="6858000" cy="9144000"/>
   <p:embeddedFontLst>
     <p:embeddedFont>
-      <p:font typeface="Nunito"/>
-      <p:regular r:id="rId8"/>
-      <p:bold r:id="rId9"/>
-      <p:italic r:id="rId10"/>
-      <p:boldItalic r:id="rId11"/>
+      <p:font typeface="Calibri" panose="020F0502020204030204" pitchFamily="34" charset="0"/>
+      <p:regular r:id="rId10"/>
+      <p:bold r:id="rId11"/>
+      <p:italic r:id="rId12"/>
+      <p:boldItalic r:id="rId13"/>
+    </p:embeddedFont>
+    <p:embeddedFont>
+      <p:font typeface="Nunito" pitchFamily="2" charset="0"/>
+      <p:regular r:id="rId14"/>
+      <p:bold r:id="rId15"/>
+      <p:italic r:id="rId16"/>
+      <p:boldItalic r:id="rId17"/>
+    </p:embeddedFont>
+    <p:embeddedFont>
+      <p:font typeface="Trebuchet MS" panose="020B0603020202020204" pitchFamily="34" charset="0"/>
+      <p:regular r:id="rId18"/>
+      <p:bold r:id="rId19"/>
+      <p:italic r:id="rId20"/>
+      <p:boldItalic r:id="rId21"/>
     </p:embeddedFont>
   </p:embeddedFontLst>
   <p:defaultTextStyle>
-    <a:defPPr lvl="0" marR="0" rtl="0" algn="l">
+    <a:defPPr marR="0" lvl="0" algn="l" rtl="0">
       <a:lnSpc>
         <a:spcPct val="100000"/>
       </a:lnSpc>
@@ -34,7 +53,7 @@
         <a:spcPts val="0"/>
       </a:spcAft>
     </a:defPPr>
-    <a:lvl1pPr lvl="0" marR="0" rtl="0" algn="l">
+    <a:lvl1pPr marR="0" lvl="0" algn="l" rtl="0">
       <a:lnSpc>
         <a:spcPct val="100000"/>
       </a:lnSpc>
@@ -48,7 +67,7 @@
         <a:srgbClr val="000000"/>
       </a:buClr>
       <a:buFont typeface="Arial"/>
-      <a:defRPr b="0" i="0" sz="1400" u="none" cap="none" strike="noStrike">
+      <a:defRPr sz="1400" b="0" i="0" u="none" strike="noStrike" cap="none">
         <a:solidFill>
           <a:srgbClr val="000000"/>
         </a:solidFill>
@@ -58,7 +77,7 @@
         <a:sym typeface="Arial"/>
       </a:defRPr>
     </a:lvl1pPr>
-    <a:lvl2pPr lvl="1" marR="0" rtl="0" algn="l">
+    <a:lvl2pPr marR="0" lvl="1" algn="l" rtl="0">
       <a:lnSpc>
         <a:spcPct val="100000"/>
       </a:lnSpc>
@@ -72,7 +91,7 @@
         <a:srgbClr val="000000"/>
       </a:buClr>
       <a:buFont typeface="Arial"/>
-      <a:defRPr b="0" i="0" sz="1400" u="none" cap="none" strike="noStrike">
+      <a:defRPr sz="1400" b="0" i="0" u="none" strike="noStrike" cap="none">
         <a:solidFill>
           <a:srgbClr val="000000"/>
         </a:solidFill>
@@ -82,7 +101,7 @@
         <a:sym typeface="Arial"/>
       </a:defRPr>
     </a:lvl2pPr>
-    <a:lvl3pPr lvl="2" marR="0" rtl="0" algn="l">
+    <a:lvl3pPr marR="0" lvl="2" algn="l" rtl="0">
       <a:lnSpc>
         <a:spcPct val="100000"/>
       </a:lnSpc>
@@ -96,7 +115,7 @@
         <a:srgbClr val="000000"/>
       </a:buClr>
       <a:buFont typeface="Arial"/>
-      <a:defRPr b="0" i="0" sz="1400" u="none" cap="none" strike="noStrike">
+      <a:defRPr sz="1400" b="0" i="0" u="none" strike="noStrike" cap="none">
         <a:solidFill>
           <a:srgbClr val="000000"/>
         </a:solidFill>
@@ -106,7 +125,7 @@
         <a:sym typeface="Arial"/>
       </a:defRPr>
     </a:lvl3pPr>
-    <a:lvl4pPr lvl="3" marR="0" rtl="0" algn="l">
+    <a:lvl4pPr marR="0" lvl="3" algn="l" rtl="0">
       <a:lnSpc>
         <a:spcPct val="100000"/>
       </a:lnSpc>
@@ -120,7 +139,7 @@
         <a:srgbClr val="000000"/>
       </a:buClr>
       <a:buFont typeface="Arial"/>
-      <a:defRPr b="0" i="0" sz="1400" u="none" cap="none" strike="noStrike">
+      <a:defRPr sz="1400" b="0" i="0" u="none" strike="noStrike" cap="none">
         <a:solidFill>
           <a:srgbClr val="000000"/>
         </a:solidFill>
@@ -130,7 +149,7 @@
         <a:sym typeface="Arial"/>
       </a:defRPr>
     </a:lvl4pPr>
-    <a:lvl5pPr lvl="4" marR="0" rtl="0" algn="l">
+    <a:lvl5pPr marR="0" lvl="4" algn="l" rtl="0">
       <a:lnSpc>
         <a:spcPct val="100000"/>
       </a:lnSpc>
@@ -144,7 +163,7 @@
         <a:srgbClr val="000000"/>
       </a:buClr>
       <a:buFont typeface="Arial"/>
-      <a:defRPr b="0" i="0" sz="1400" u="none" cap="none" strike="noStrike">
+      <a:defRPr sz="1400" b="0" i="0" u="none" strike="noStrike" cap="none">
         <a:solidFill>
           <a:srgbClr val="000000"/>
         </a:solidFill>
@@ -154,7 +173,7 @@
         <a:sym typeface="Arial"/>
       </a:defRPr>
     </a:lvl5pPr>
-    <a:lvl6pPr lvl="5" marR="0" rtl="0" algn="l">
+    <a:lvl6pPr marR="0" lvl="5" algn="l" rtl="0">
       <a:lnSpc>
         <a:spcPct val="100000"/>
       </a:lnSpc>
@@ -168,7 +187,7 @@
         <a:srgbClr val="000000"/>
       </a:buClr>
       <a:buFont typeface="Arial"/>
-      <a:defRPr b="0" i="0" sz="1400" u="none" cap="none" strike="noStrike">
+      <a:defRPr sz="1400" b="0" i="0" u="none" strike="noStrike" cap="none">
         <a:solidFill>
           <a:srgbClr val="000000"/>
         </a:solidFill>
@@ -178,7 +197,7 @@
         <a:sym typeface="Arial"/>
       </a:defRPr>
     </a:lvl6pPr>
-    <a:lvl7pPr lvl="6" marR="0" rtl="0" algn="l">
+    <a:lvl7pPr marR="0" lvl="6" algn="l" rtl="0">
       <a:lnSpc>
         <a:spcPct val="100000"/>
       </a:lnSpc>
@@ -192,7 +211,7 @@
         <a:srgbClr val="000000"/>
       </a:buClr>
       <a:buFont typeface="Arial"/>
-      <a:defRPr b="0" i="0" sz="1400" u="none" cap="none" strike="noStrike">
+      <a:defRPr sz="1400" b="0" i="0" u="none" strike="noStrike" cap="none">
         <a:solidFill>
           <a:srgbClr val="000000"/>
         </a:solidFill>
@@ -202,7 +221,7 @@
         <a:sym typeface="Arial"/>
       </a:defRPr>
     </a:lvl7pPr>
-    <a:lvl8pPr lvl="7" marR="0" rtl="0" algn="l">
+    <a:lvl8pPr marR="0" lvl="7" algn="l" rtl="0">
       <a:lnSpc>
         <a:spcPct val="100000"/>
       </a:lnSpc>
@@ -216,7 +235,7 @@
         <a:srgbClr val="000000"/>
       </a:buClr>
       <a:buFont typeface="Arial"/>
-      <a:defRPr b="0" i="0" sz="1400" u="none" cap="none" strike="noStrike">
+      <a:defRPr sz="1400" b="0" i="0" u="none" strike="noStrike" cap="none">
         <a:solidFill>
           <a:srgbClr val="000000"/>
         </a:solidFill>
@@ -226,7 +245,7 @@
         <a:sym typeface="Arial"/>
       </a:defRPr>
     </a:lvl8pPr>
-    <a:lvl9pPr lvl="8" marR="0" rtl="0" algn="l">
+    <a:lvl9pPr marR="0" lvl="8" algn="l" rtl="0">
       <a:lnSpc>
         <a:spcPct val="100000"/>
       </a:lnSpc>
@@ -240,7 +259,7 @@
         <a:srgbClr val="000000"/>
       </a:buClr>
       <a:buFont typeface="Arial"/>
-      <a:defRPr b="0" i="0" sz="1400" u="none" cap="none" strike="noStrike">
+      <a:defRPr sz="1400" b="0" i="0" u="none" strike="noStrike" cap="none">
         <a:solidFill>
           <a:srgbClr val="000000"/>
         </a:solidFill>
@@ -253,7 +272,7 @@
   </p:defaultTextStyle>
   <p:extLst>
     <p:ext uri="{EFAFB233-063F-42B5-8137-9DF3F51BA10A}">
-      <p15:sldGuideLst>
+      <p15:sldGuideLst xmlns:p15="http://schemas.microsoft.com/office/powerpoint/2012/main">
         <p15:guide id="1" orient="horz" pos="1620">
           <p15:clr>
             <a:srgbClr val="747775"/>
@@ -271,11 +290,16 @@
 </file>
 
 <file path=ppt/notesMasters/notesMaster1.xml><?xml version="1.0" encoding="utf-8"?>
-<p:notesMaster xmlns:a="http://schemas.openxmlformats.org/drawingml/2006/main" xmlns:r="http://schemas.openxmlformats.org/officeDocument/2006/relationships" xmlns:mc="http://schemas.openxmlformats.org/markup-compatibility/2006" xmlns:mv="urn:schemas-microsoft-com:mac:vml" xmlns:p="http://schemas.openxmlformats.org/presentationml/2006/main" xmlns:c="http://schemas.openxmlformats.org/drawingml/2006/chart" xmlns:dgm="http://schemas.openxmlformats.org/drawingml/2006/diagram" xmlns:o="urn:schemas-microsoft-com:office:office" xmlns:v="urn:schemas-microsoft-com:vml" xmlns:pvml="urn:schemas-microsoft-com:office:powerpoint" xmlns:com="http://schemas.openxmlformats.org/drawingml/2006/compatibility" xmlns:p14="http://schemas.microsoft.com/office/powerpoint/2010/main" xmlns:p15="http://schemas.microsoft.com/office/powerpoint/2012/main" xmlns:ahyp="http://schemas.microsoft.com/office/drawing/2018/hyperlinkcolor">
+<p:notesMaster xmlns:a="http://schemas.openxmlformats.org/drawingml/2006/main" xmlns:r="http://schemas.openxmlformats.org/officeDocument/2006/relationships" xmlns:p="http://schemas.openxmlformats.org/presentationml/2006/main">
   <p:cSld>
+    <p:bg>
+      <p:bgRef idx="1001">
+        <a:schemeClr val="bg1"/>
+      </p:bgRef>
+    </p:bg>
     <p:spTree>
       <p:nvGrpSpPr>
-        <p:cNvPr id="2" name="Shape 2"/>
+        <p:cNvPr id="1" name="Shape 2"/>
         <p:cNvGrpSpPr/>
         <p:nvPr/>
       </p:nvGrpSpPr>
@@ -290,9 +314,11 @@
       <p:sp>
         <p:nvSpPr>
           <p:cNvPr id="3" name="Google Shape;3;n"/>
-          <p:cNvSpPr/>
+          <p:cNvSpPr>
+            <a:spLocks noGrp="1" noRot="1" noChangeAspect="1"/>
+          </p:cNvSpPr>
           <p:nvPr>
-            <p:ph idx="2" type="sldImg"/>
+            <p:ph type="sldImg" idx="2"/>
           </p:nvPr>
         </p:nvSpPr>
         <p:spPr>
@@ -301,9 +327,13 @@
             <a:ext cx="6096075" cy="3429000"/>
           </a:xfrm>
           <a:custGeom>
-            <a:rect b="b" l="l" r="r" t="t"/>
+            <a:avLst/>
+            <a:gdLst/>
+            <a:ahLst/>
+            <a:cxnLst/>
+            <a:rect l="l" t="t" r="r" b="b"/>
             <a:pathLst>
-              <a:path extrusionOk="0" h="120000" w="120000">
+              <a:path w="120000" h="120000" extrusionOk="0">
                 <a:moveTo>
                   <a:pt x="0" y="0"/>
                 </a:moveTo>
@@ -321,23 +351,25 @@
             </a:pathLst>
           </a:custGeom>
           <a:noFill/>
-          <a:ln cap="flat" cmpd="sng" w="9525">
+          <a:ln w="9525" cap="flat" cmpd="sng">
             <a:solidFill>
               <a:srgbClr val="000000"/>
             </a:solidFill>
             <a:prstDash val="solid"/>
             <a:round/>
-            <a:headEnd len="sm" w="sm" type="none"/>
-            <a:tailEnd len="sm" w="sm" type="none"/>
+            <a:headEnd type="none" w="sm" len="sm"/>
+            <a:tailEnd type="none" w="sm" len="sm"/>
           </a:ln>
         </p:spPr>
       </p:sp>
       <p:sp>
         <p:nvSpPr>
           <p:cNvPr id="4" name="Google Shape;4;n"/>
-          <p:cNvSpPr txBox="1"/>
+          <p:cNvSpPr txBox="1">
+            <a:spLocks noGrp="1"/>
+          </p:cNvSpPr>
           <p:nvPr>
-            <p:ph idx="1" type="body"/>
+            <p:ph type="body" idx="1"/>
           </p:nvPr>
         </p:nvSpPr>
         <p:spPr>
@@ -354,11 +386,11 @@
           </a:ln>
         </p:spPr>
         <p:txBody>
-          <a:bodyPr anchorCtr="0" anchor="t" bIns="91425" lIns="91425" spcFirstLastPara="1" rIns="91425" wrap="square" tIns="91425">
+          <a:bodyPr spcFirstLastPara="1" wrap="square" lIns="91425" tIns="91425" rIns="91425" bIns="91425" anchor="t" anchorCtr="0">
             <a:noAutofit/>
           </a:bodyPr>
           <a:lstStyle>
-            <a:lvl1pPr indent="-298450" lvl="0" marL="457200">
+            <a:lvl1pPr marL="457200" lvl="0" indent="-298450">
               <a:spcBef>
                 <a:spcPts val="0"/>
               </a:spcBef>
@@ -369,7 +401,7 @@
               <a:buChar char="●"/>
               <a:defRPr sz="1100"/>
             </a:lvl1pPr>
-            <a:lvl2pPr indent="-298450" lvl="1" marL="914400">
+            <a:lvl2pPr marL="914400" lvl="1" indent="-298450">
               <a:spcBef>
                 <a:spcPts val="0"/>
               </a:spcBef>
@@ -380,7 +412,7 @@
               <a:buChar char="○"/>
               <a:defRPr sz="1100"/>
             </a:lvl2pPr>
-            <a:lvl3pPr indent="-298450" lvl="2" marL="1371600">
+            <a:lvl3pPr marL="1371600" lvl="2" indent="-298450">
               <a:spcBef>
                 <a:spcPts val="0"/>
               </a:spcBef>
@@ -391,7 +423,7 @@
               <a:buChar char="■"/>
               <a:defRPr sz="1100"/>
             </a:lvl3pPr>
-            <a:lvl4pPr indent="-298450" lvl="3" marL="1828800">
+            <a:lvl4pPr marL="1828800" lvl="3" indent="-298450">
               <a:spcBef>
                 <a:spcPts val="0"/>
               </a:spcBef>
@@ -402,7 +434,7 @@
               <a:buChar char="●"/>
               <a:defRPr sz="1100"/>
             </a:lvl4pPr>
-            <a:lvl5pPr indent="-298450" lvl="4" marL="2286000">
+            <a:lvl5pPr marL="2286000" lvl="4" indent="-298450">
               <a:spcBef>
                 <a:spcPts val="0"/>
               </a:spcBef>
@@ -413,7 +445,7 @@
               <a:buChar char="○"/>
               <a:defRPr sz="1100"/>
             </a:lvl5pPr>
-            <a:lvl6pPr indent="-298450" lvl="5" marL="2743200">
+            <a:lvl6pPr marL="2743200" lvl="5" indent="-298450">
               <a:spcBef>
                 <a:spcPts val="0"/>
               </a:spcBef>
@@ -424,7 +456,7 @@
               <a:buChar char="■"/>
               <a:defRPr sz="1100"/>
             </a:lvl6pPr>
-            <a:lvl7pPr indent="-298450" lvl="6" marL="3200400">
+            <a:lvl7pPr marL="3200400" lvl="6" indent="-298450">
               <a:spcBef>
                 <a:spcPts val="0"/>
               </a:spcBef>
@@ -435,7 +467,7 @@
               <a:buChar char="●"/>
               <a:defRPr sz="1100"/>
             </a:lvl7pPr>
-            <a:lvl8pPr indent="-298450" lvl="7" marL="3657600">
+            <a:lvl8pPr marL="3657600" lvl="7" indent="-298450">
               <a:spcBef>
                 <a:spcPts val="0"/>
               </a:spcBef>
@@ -446,7 +478,7 @@
               <a:buChar char="○"/>
               <a:defRPr sz="1100"/>
             </a:lvl8pPr>
-            <a:lvl9pPr indent="-298450" lvl="8" marL="4114800">
+            <a:lvl9pPr marL="4114800" lvl="8" indent="-298450">
               <a:spcBef>
                 <a:spcPts val="0"/>
               </a:spcBef>
@@ -458,14 +490,16 @@
               <a:defRPr sz="1100"/>
             </a:lvl9pPr>
           </a:lstStyle>
-          <a:p/>
+          <a:p>
+            <a:endParaRPr/>
+          </a:p>
         </p:txBody>
       </p:sp>
     </p:spTree>
   </p:cSld>
-  <p:clrMap accent1="accent1" accent2="accent2" accent3="accent3" accent4="accent4" accent5="accent5" accent6="accent6" bg1="lt1" bg2="dk2" tx1="dk1" tx2="lt2" folHlink="folHlink" hlink="hlink"/>
+  <p:clrMap bg1="lt1" tx1="dk1" bg2="dk2" tx2="lt2" accent1="accent1" accent2="accent2" accent3="accent3" accent4="accent4" accent5="accent5" accent6="accent6" hlink="hlink" folHlink="folHlink"/>
   <p:notesStyle>
-    <a:defPPr lvl="0" marR="0" rtl="0" algn="l">
+    <a:defPPr marR="0" lvl="0" algn="l" rtl="0">
       <a:lnSpc>
         <a:spcPct val="100000"/>
       </a:lnSpc>
@@ -476,7 +510,7 @@
         <a:spcPts val="0"/>
       </a:spcAft>
     </a:defPPr>
-    <a:lvl1pPr lvl="0" marR="0" rtl="0" algn="l">
+    <a:lvl1pPr marR="0" lvl="0" algn="l" rtl="0">
       <a:lnSpc>
         <a:spcPct val="100000"/>
       </a:lnSpc>
@@ -490,7 +524,7 @@
         <a:srgbClr val="000000"/>
       </a:buClr>
       <a:buFont typeface="Arial"/>
-      <a:defRPr b="0" i="0" sz="1400" u="none" cap="none" strike="noStrike">
+      <a:defRPr sz="1400" b="0" i="0" u="none" strike="noStrike" cap="none">
         <a:solidFill>
           <a:srgbClr val="000000"/>
         </a:solidFill>
@@ -500,7 +534,7 @@
         <a:sym typeface="Arial"/>
       </a:defRPr>
     </a:lvl1pPr>
-    <a:lvl2pPr lvl="1" marR="0" rtl="0" algn="l">
+    <a:lvl2pPr marR="0" lvl="1" algn="l" rtl="0">
       <a:lnSpc>
         <a:spcPct val="100000"/>
       </a:lnSpc>
@@ -514,7 +548,7 @@
         <a:srgbClr val="000000"/>
       </a:buClr>
       <a:buFont typeface="Arial"/>
-      <a:defRPr b="0" i="0" sz="1400" u="none" cap="none" strike="noStrike">
+      <a:defRPr sz="1400" b="0" i="0" u="none" strike="noStrike" cap="none">
         <a:solidFill>
           <a:srgbClr val="000000"/>
         </a:solidFill>
@@ -524,7 +558,7 @@
         <a:sym typeface="Arial"/>
       </a:defRPr>
     </a:lvl2pPr>
-    <a:lvl3pPr lvl="2" marR="0" rtl="0" algn="l">
+    <a:lvl3pPr marR="0" lvl="2" algn="l" rtl="0">
       <a:lnSpc>
         <a:spcPct val="100000"/>
       </a:lnSpc>
@@ -538,7 +572,7 @@
         <a:srgbClr val="000000"/>
       </a:buClr>
       <a:buFont typeface="Arial"/>
-      <a:defRPr b="0" i="0" sz="1400" u="none" cap="none" strike="noStrike">
+      <a:defRPr sz="1400" b="0" i="0" u="none" strike="noStrike" cap="none">
         <a:solidFill>
           <a:srgbClr val="000000"/>
         </a:solidFill>
@@ -548,7 +582,7 @@
         <a:sym typeface="Arial"/>
       </a:defRPr>
     </a:lvl3pPr>
-    <a:lvl4pPr lvl="3" marR="0" rtl="0" algn="l">
+    <a:lvl4pPr marR="0" lvl="3" algn="l" rtl="0">
       <a:lnSpc>
         <a:spcPct val="100000"/>
       </a:lnSpc>
@@ -562,7 +596,7 @@
         <a:srgbClr val="000000"/>
       </a:buClr>
       <a:buFont typeface="Arial"/>
-      <a:defRPr b="0" i="0" sz="1400" u="none" cap="none" strike="noStrike">
+      <a:defRPr sz="1400" b="0" i="0" u="none" strike="noStrike" cap="none">
         <a:solidFill>
           <a:srgbClr val="000000"/>
         </a:solidFill>
@@ -572,7 +606,7 @@
         <a:sym typeface="Arial"/>
       </a:defRPr>
     </a:lvl4pPr>
-    <a:lvl5pPr lvl="4" marR="0" rtl="0" algn="l">
+    <a:lvl5pPr marR="0" lvl="4" algn="l" rtl="0">
       <a:lnSpc>
         <a:spcPct val="100000"/>
       </a:lnSpc>
@@ -586,7 +620,7 @@
         <a:srgbClr val="000000"/>
       </a:buClr>
       <a:buFont typeface="Arial"/>
-      <a:defRPr b="0" i="0" sz="1400" u="none" cap="none" strike="noStrike">
+      <a:defRPr sz="1400" b="0" i="0" u="none" strike="noStrike" cap="none">
         <a:solidFill>
           <a:srgbClr val="000000"/>
         </a:solidFill>
@@ -596,7 +630,7 @@
         <a:sym typeface="Arial"/>
       </a:defRPr>
     </a:lvl5pPr>
-    <a:lvl6pPr lvl="5" marR="0" rtl="0" algn="l">
+    <a:lvl6pPr marR="0" lvl="5" algn="l" rtl="0">
       <a:lnSpc>
         <a:spcPct val="100000"/>
       </a:lnSpc>
@@ -610,7 +644,7 @@
         <a:srgbClr val="000000"/>
       </a:buClr>
       <a:buFont typeface="Arial"/>
-      <a:defRPr b="0" i="0" sz="1400" u="none" cap="none" strike="noStrike">
+      <a:defRPr sz="1400" b="0" i="0" u="none" strike="noStrike" cap="none">
         <a:solidFill>
           <a:srgbClr val="000000"/>
         </a:solidFill>
@@ -620,7 +654,7 @@
         <a:sym typeface="Arial"/>
       </a:defRPr>
     </a:lvl6pPr>
-    <a:lvl7pPr lvl="6" marR="0" rtl="0" algn="l">
+    <a:lvl7pPr marR="0" lvl="6" algn="l" rtl="0">
       <a:lnSpc>
         <a:spcPct val="100000"/>
       </a:lnSpc>
@@ -634,7 +668,7 @@
         <a:srgbClr val="000000"/>
       </a:buClr>
       <a:buFont typeface="Arial"/>
-      <a:defRPr b="0" i="0" sz="1400" u="none" cap="none" strike="noStrike">
+      <a:defRPr sz="1400" b="0" i="0" u="none" strike="noStrike" cap="none">
         <a:solidFill>
           <a:srgbClr val="000000"/>
         </a:solidFill>
@@ -644,7 +678,7 @@
         <a:sym typeface="Arial"/>
       </a:defRPr>
     </a:lvl7pPr>
-    <a:lvl8pPr lvl="7" marR="0" rtl="0" algn="l">
+    <a:lvl8pPr marR="0" lvl="7" algn="l" rtl="0">
       <a:lnSpc>
         <a:spcPct val="100000"/>
       </a:lnSpc>
@@ -658,7 +692,7 @@
         <a:srgbClr val="000000"/>
       </a:buClr>
       <a:buFont typeface="Arial"/>
-      <a:defRPr b="0" i="0" sz="1400" u="none" cap="none" strike="noStrike">
+      <a:defRPr sz="1400" b="0" i="0" u="none" strike="noStrike" cap="none">
         <a:solidFill>
           <a:srgbClr val="000000"/>
         </a:solidFill>
@@ -668,7 +702,7 @@
         <a:sym typeface="Arial"/>
       </a:defRPr>
     </a:lvl8pPr>
-    <a:lvl9pPr lvl="8" marR="0" rtl="0" algn="l">
+    <a:lvl9pPr marR="0" lvl="8" algn="l" rtl="0">
       <a:lnSpc>
         <a:spcPct val="100000"/>
       </a:lnSpc>
@@ -682,7 +716,7 @@
         <a:srgbClr val="000000"/>
       </a:buClr>
       <a:buFont typeface="Arial"/>
-      <a:defRPr b="0" i="0" sz="1400" u="none" cap="none" strike="noStrike">
+      <a:defRPr sz="1400" b="0" i="0" u="none" strike="noStrike" cap="none">
         <a:solidFill>
           <a:srgbClr val="000000"/>
         </a:solidFill>
@@ -697,11 +731,11 @@
 </file>
 
 <file path=ppt/notesSlides/notesSlide1.xml><?xml version="1.0" encoding="utf-8"?>
-<p:notes xmlns:a="http://schemas.openxmlformats.org/drawingml/2006/main" xmlns:r="http://schemas.openxmlformats.org/officeDocument/2006/relationships" xmlns:mc="http://schemas.openxmlformats.org/markup-compatibility/2006" xmlns:mv="urn:schemas-microsoft-com:mac:vml" xmlns:p="http://schemas.openxmlformats.org/presentationml/2006/main" xmlns:c="http://schemas.openxmlformats.org/drawingml/2006/chart" xmlns:dgm="http://schemas.openxmlformats.org/drawingml/2006/diagram" xmlns:o="urn:schemas-microsoft-com:office:office" xmlns:v="urn:schemas-microsoft-com:vml" xmlns:pvml="urn:schemas-microsoft-com:office:powerpoint" xmlns:com="http://schemas.openxmlformats.org/drawingml/2006/compatibility" xmlns:p14="http://schemas.microsoft.com/office/powerpoint/2010/main" xmlns:p15="http://schemas.microsoft.com/office/powerpoint/2012/main" xmlns:ahyp="http://schemas.microsoft.com/office/drawing/2018/hyperlinkcolor" showMasterPhAnim="0" showMasterSp="0">
+<p:notes xmlns:a="http://schemas.openxmlformats.org/drawingml/2006/main" xmlns:r="http://schemas.openxmlformats.org/officeDocument/2006/relationships" xmlns:p="http://schemas.openxmlformats.org/presentationml/2006/main" showMasterSp="0" showMasterPhAnim="0">
   <p:cSld>
     <p:spTree>
       <p:nvGrpSpPr>
-        <p:cNvPr id="124" name="Shape 124"/>
+        <p:cNvPr id="1" name="Shape 124"/>
         <p:cNvGrpSpPr/>
         <p:nvPr/>
       </p:nvGrpSpPr>
@@ -716,9 +750,11 @@
       <p:sp>
         <p:nvSpPr>
           <p:cNvPr id="125" name="Google Shape;125;p:notes"/>
-          <p:cNvSpPr/>
+          <p:cNvSpPr>
+            <a:spLocks noGrp="1" noRot="1" noChangeAspect="1"/>
+          </p:cNvSpPr>
           <p:nvPr>
-            <p:ph idx="2" type="sldImg"/>
+            <p:ph type="sldImg" idx="2"/>
           </p:nvPr>
         </p:nvSpPr>
         <p:spPr>
@@ -727,9 +763,13 @@
             <a:ext cx="6096075" cy="3429000"/>
           </a:xfrm>
           <a:custGeom>
-            <a:rect b="b" l="l" r="r" t="t"/>
+            <a:avLst/>
+            <a:gdLst/>
+            <a:ahLst/>
+            <a:cxnLst/>
+            <a:rect l="l" t="t" r="r" b="b"/>
             <a:pathLst>
-              <a:path extrusionOk="0" h="120000" w="120000">
+              <a:path w="120000" h="120000" extrusionOk="0">
                 <a:moveTo>
                   <a:pt x="0" y="0"/>
                 </a:moveTo>
@@ -751,9 +791,11 @@
       <p:sp>
         <p:nvSpPr>
           <p:cNvPr id="126" name="Google Shape;126;p:notes"/>
-          <p:cNvSpPr txBox="1"/>
+          <p:cNvSpPr txBox="1">
+            <a:spLocks noGrp="1"/>
+          </p:cNvSpPr>
           <p:nvPr>
-            <p:ph idx="1" type="body"/>
+            <p:ph type="body" idx="1"/>
           </p:nvPr>
         </p:nvSpPr>
         <p:spPr>
@@ -766,12 +808,12 @@
           </a:prstGeom>
         </p:spPr>
         <p:txBody>
-          <a:bodyPr anchorCtr="0" anchor="t" bIns="91425" lIns="91425" spcFirstLastPara="1" rIns="91425" wrap="square" tIns="91425">
+          <a:bodyPr spcFirstLastPara="1" wrap="square" lIns="91425" tIns="91425" rIns="91425" bIns="91425" anchor="t" anchorCtr="0">
             <a:noAutofit/>
           </a:bodyPr>
           <a:lstStyle/>
           <a:p>
-            <a:pPr indent="0" lvl="0" marL="0" rtl="0" algn="l">
+            <a:pPr marL="0" lvl="0" indent="0" algn="l" rtl="0">
               <a:spcBef>
                 <a:spcPts val="0"/>
               </a:spcBef>
@@ -780,9 +822,6 @@
               </a:spcAft>
               <a:buNone/>
             </a:pPr>
-            <a:r>
-              <a:t/>
-            </a:r>
             <a:endParaRPr/>
           </a:p>
         </p:txBody>
@@ -796,11 +835,11 @@
 </file>
 
 <file path=ppt/notesSlides/notesSlide2.xml><?xml version="1.0" encoding="utf-8"?>
-<p:notes xmlns:a="http://schemas.openxmlformats.org/drawingml/2006/main" xmlns:r="http://schemas.openxmlformats.org/officeDocument/2006/relationships" xmlns:mc="http://schemas.openxmlformats.org/markup-compatibility/2006" xmlns:mv="urn:schemas-microsoft-com:mac:vml" xmlns:p="http://schemas.openxmlformats.org/presentationml/2006/main" xmlns:c="http://schemas.openxmlformats.org/drawingml/2006/chart" xmlns:dgm="http://schemas.openxmlformats.org/drawingml/2006/diagram" xmlns:o="urn:schemas-microsoft-com:office:office" xmlns:v="urn:schemas-microsoft-com:vml" xmlns:pvml="urn:schemas-microsoft-com:office:powerpoint" xmlns:com="http://schemas.openxmlformats.org/drawingml/2006/compatibility" xmlns:p14="http://schemas.microsoft.com/office/powerpoint/2010/main" xmlns:p15="http://schemas.microsoft.com/office/powerpoint/2012/main" xmlns:ahyp="http://schemas.microsoft.com/office/drawing/2018/hyperlinkcolor" showMasterPhAnim="0" showMasterSp="0">
+<p:notes xmlns:a="http://schemas.openxmlformats.org/drawingml/2006/main" xmlns:r="http://schemas.openxmlformats.org/officeDocument/2006/relationships" xmlns:p="http://schemas.openxmlformats.org/presentationml/2006/main" showMasterSp="0" showMasterPhAnim="0">
   <p:cSld>
     <p:spTree>
       <p:nvGrpSpPr>
-        <p:cNvPr id="129" name="Shape 129"/>
+        <p:cNvPr id="1" name="Shape 129"/>
         <p:cNvGrpSpPr/>
         <p:nvPr/>
       </p:nvGrpSpPr>
@@ -815,20 +854,26 @@
       <p:sp>
         <p:nvSpPr>
           <p:cNvPr id="130" name="Google Shape;130;g258518aabfa_0_119:notes"/>
-          <p:cNvSpPr/>
+          <p:cNvSpPr>
+            <a:spLocks noGrp="1" noRot="1" noChangeAspect="1"/>
+          </p:cNvSpPr>
           <p:nvPr>
-            <p:ph idx="2" type="sldImg"/>
+            <p:ph type="sldImg" idx="2"/>
           </p:nvPr>
         </p:nvSpPr>
         <p:spPr>
           <a:xfrm>
-            <a:off x="381300" y="685800"/>
+            <a:off x="381000" y="685800"/>
             <a:ext cx="6096000" cy="3429000"/>
           </a:xfrm>
           <a:custGeom>
-            <a:rect b="b" l="l" r="r" t="t"/>
+            <a:avLst/>
+            <a:gdLst/>
+            <a:ahLst/>
+            <a:cxnLst/>
+            <a:rect l="l" t="t" r="r" b="b"/>
             <a:pathLst>
-              <a:path extrusionOk="0" h="120000" w="120000">
+              <a:path w="120000" h="120000" extrusionOk="0">
                 <a:moveTo>
                   <a:pt x="0" y="0"/>
                 </a:moveTo>
@@ -850,9 +895,11 @@
       <p:sp>
         <p:nvSpPr>
           <p:cNvPr id="131" name="Google Shape;131;g258518aabfa_0_119:notes"/>
-          <p:cNvSpPr txBox="1"/>
+          <p:cNvSpPr txBox="1">
+            <a:spLocks noGrp="1"/>
+          </p:cNvSpPr>
           <p:nvPr>
-            <p:ph idx="1" type="body"/>
+            <p:ph type="body" idx="1"/>
           </p:nvPr>
         </p:nvSpPr>
         <p:spPr>
@@ -865,12 +912,12 @@
           </a:prstGeom>
         </p:spPr>
         <p:txBody>
-          <a:bodyPr anchorCtr="0" anchor="t" bIns="91425" lIns="91425" spcFirstLastPara="1" rIns="91425" wrap="square" tIns="91425">
+          <a:bodyPr spcFirstLastPara="1" wrap="square" lIns="91425" tIns="91425" rIns="91425" bIns="91425" anchor="t" anchorCtr="0">
             <a:noAutofit/>
           </a:bodyPr>
           <a:lstStyle/>
           <a:p>
-            <a:pPr indent="0" lvl="0" marL="0" rtl="0" algn="l">
+            <a:pPr marL="0" lvl="0" indent="0" algn="l" rtl="0">
               <a:spcBef>
                 <a:spcPts val="0"/>
               </a:spcBef>
@@ -879,9 +926,6 @@
               </a:spcAft>
               <a:buNone/>
             </a:pPr>
-            <a:r>
-              <a:t/>
-            </a:r>
             <a:endParaRPr/>
           </a:p>
         </p:txBody>
@@ -895,18 +939,19 @@
 </file>
 
 <file path=ppt/slideLayouts/slideLayout1.xml><?xml version="1.0" encoding="utf-8"?>
-<p:sldLayout xmlns:a="http://schemas.openxmlformats.org/drawingml/2006/main" xmlns:r="http://schemas.openxmlformats.org/officeDocument/2006/relationships" xmlns:mc="http://schemas.openxmlformats.org/markup-compatibility/2006" xmlns:mv="urn:schemas-microsoft-com:mac:vml" xmlns:p="http://schemas.openxmlformats.org/presentationml/2006/main" xmlns:c="http://schemas.openxmlformats.org/drawingml/2006/chart" xmlns:dgm="http://schemas.openxmlformats.org/drawingml/2006/diagram" xmlns:o="urn:schemas-microsoft-com:office:office" xmlns:v="urn:schemas-microsoft-com:vml" xmlns:pvml="urn:schemas-microsoft-com:office:powerpoint" xmlns:com="http://schemas.openxmlformats.org/drawingml/2006/compatibility" xmlns:p14="http://schemas.microsoft.com/office/powerpoint/2010/main" xmlns:p15="http://schemas.microsoft.com/office/powerpoint/2012/main" xmlns:ahyp="http://schemas.microsoft.com/office/drawing/2018/hyperlinkcolor" matchingName="Title slide" type="title">
+<p:sldLayout xmlns:a="http://schemas.openxmlformats.org/drawingml/2006/main" xmlns:r="http://schemas.openxmlformats.org/officeDocument/2006/relationships" xmlns:p="http://schemas.openxmlformats.org/presentationml/2006/main" matchingName="Title slide" type="title">
   <p:cSld name="TITLE">
     <p:bg>
       <p:bgPr>
         <a:solidFill>
           <a:schemeClr val="accent6"/>
         </a:solidFill>
+        <a:effectLst/>
       </p:bgPr>
     </p:bg>
     <p:spTree>
       <p:nvGrpSpPr>
-        <p:cNvPr id="9" name="Shape 9"/>
+        <p:cNvPr id="1" name="Shape 9"/>
         <p:cNvGrpSpPr/>
         <p:nvPr/>
       </p:nvGrpSpPr>
@@ -940,12 +985,12 @@
           </a:ln>
         </p:spPr>
         <p:txBody>
-          <a:bodyPr anchorCtr="0" anchor="ctr" bIns="91425" lIns="91425" spcFirstLastPara="1" rIns="91425" wrap="square" tIns="91425">
+          <a:bodyPr spcFirstLastPara="1" wrap="square" lIns="91425" tIns="91425" rIns="91425" bIns="91425" anchor="ctr" anchorCtr="0">
             <a:noAutofit/>
           </a:bodyPr>
           <a:lstStyle/>
           <a:p>
-            <a:pPr indent="0" lvl="0" marL="0" rtl="0" algn="l">
+            <a:pPr marL="0" lvl="0" indent="0" algn="l" rtl="0">
               <a:spcBef>
                 <a:spcPts val="0"/>
               </a:spcBef>
@@ -954,9 +999,6 @@
               </a:spcAft>
               <a:buNone/>
             </a:pPr>
-            <a:r>
-              <a:t/>
-            </a:r>
             <a:endParaRPr/>
           </a:p>
         </p:txBody>
@@ -983,12 +1025,12 @@
           </a:ln>
         </p:spPr>
         <p:txBody>
-          <a:bodyPr anchorCtr="0" anchor="ctr" bIns="91425" lIns="91425" spcFirstLastPara="1" rIns="91425" wrap="square" tIns="91425">
+          <a:bodyPr spcFirstLastPara="1" wrap="square" lIns="91425" tIns="91425" rIns="91425" bIns="91425" anchor="ctr" anchorCtr="0">
             <a:noAutofit/>
           </a:bodyPr>
           <a:lstStyle/>
           <a:p>
-            <a:pPr indent="0" lvl="0" marL="0" rtl="0" algn="l">
+            <a:pPr marL="0" lvl="0" indent="0" algn="l" rtl="0">
               <a:spcBef>
                 <a:spcPts val="0"/>
               </a:spcBef>
@@ -997,9 +1039,6 @@
               </a:spcAft>
               <a:buNone/>
             </a:pPr>
-            <a:r>
-              <a:t/>
-            </a:r>
             <a:endParaRPr/>
           </a:p>
         </p:txBody>
@@ -1026,12 +1065,12 @@
           </a:ln>
         </p:spPr>
         <p:txBody>
-          <a:bodyPr anchorCtr="0" anchor="ctr" bIns="91425" lIns="91425" spcFirstLastPara="1" rIns="91425" wrap="square" tIns="91425">
+          <a:bodyPr spcFirstLastPara="1" wrap="square" lIns="91425" tIns="91425" rIns="91425" bIns="91425" anchor="ctr" anchorCtr="0">
             <a:noAutofit/>
           </a:bodyPr>
           <a:lstStyle/>
           <a:p>
-            <a:pPr indent="0" lvl="0" marL="0" rtl="0" algn="l">
+            <a:pPr marL="0" lvl="0" indent="0" algn="l" rtl="0">
               <a:spcBef>
                 <a:spcPts val="0"/>
               </a:spcBef>
@@ -1040,9 +1079,6 @@
               </a:spcAft>
               <a:buNone/>
             </a:pPr>
-            <a:r>
-              <a:t/>
-            </a:r>
             <a:endParaRPr/>
           </a:p>
         </p:txBody>
@@ -1068,7 +1104,7 @@
             <a:noFill/>
           </a:ln>
           <a:effectLst>
-            <a:outerShdw blurRad="228600" sx="101000" rotWithShape="0" algn="ctr" sy="101000">
+            <a:outerShdw blurRad="228600" sx="101000" sy="101000" algn="ctr" rotWithShape="0">
               <a:srgbClr val="000000">
                 <a:alpha val="40000"/>
               </a:srgbClr>
@@ -1076,12 +1112,12 @@
           </a:effectLst>
         </p:spPr>
         <p:txBody>
-          <a:bodyPr anchorCtr="0" anchor="ctr" bIns="91425" lIns="91425" spcFirstLastPara="1" rIns="91425" wrap="square" tIns="91425">
+          <a:bodyPr spcFirstLastPara="1" wrap="square" lIns="91425" tIns="91425" rIns="91425" bIns="91425" anchor="ctr" anchorCtr="0">
             <a:noAutofit/>
           </a:bodyPr>
           <a:lstStyle/>
           <a:p>
-            <a:pPr indent="0" lvl="0" marL="0" rtl="0" algn="l">
+            <a:pPr marL="0" lvl="0" indent="0" algn="l" rtl="0">
               <a:spcBef>
                 <a:spcPts val="0"/>
               </a:spcBef>
@@ -1090,9 +1126,6 @@
               </a:spcAft>
               <a:buNone/>
             </a:pPr>
-            <a:r>
-              <a:t/>
-            </a:r>
             <a:endParaRPr/>
           </a:p>
         </p:txBody>
@@ -1124,7 +1157,7 @@
             </a:xfrm>
             <a:prstGeom prst="parallelogram">
               <a:avLst>
-                <a:gd fmla="val 153193" name="adj"/>
+                <a:gd name="adj" fmla="val 153193"/>
               </a:avLst>
             </a:prstGeom>
             <a:solidFill>
@@ -1135,12 +1168,12 @@
             </a:ln>
           </p:spPr>
           <p:txBody>
-            <a:bodyPr anchorCtr="0" anchor="ctr" bIns="91425" lIns="91425" spcFirstLastPara="1" rIns="91425" wrap="square" tIns="91425">
+            <a:bodyPr spcFirstLastPara="1" wrap="square" lIns="91425" tIns="91425" rIns="91425" bIns="91425" anchor="ctr" anchorCtr="0">
               <a:noAutofit/>
             </a:bodyPr>
             <a:lstStyle/>
             <a:p>
-              <a:pPr indent="0" lvl="0" marL="0" rtl="0" algn="l">
+              <a:pPr marL="0" lvl="0" indent="0" algn="l" rtl="0">
                 <a:spcBef>
                   <a:spcPts val="0"/>
                 </a:spcBef>
@@ -1149,9 +1182,6 @@
                 </a:spcAft>
                 <a:buNone/>
               </a:pPr>
-              <a:r>
-                <a:t/>
-              </a:r>
               <a:endParaRPr/>
             </a:p>
           </p:txBody>
@@ -1169,7 +1199,7 @@
             </a:xfrm>
             <a:prstGeom prst="parallelogram">
               <a:avLst>
-                <a:gd fmla="val 153193" name="adj"/>
+                <a:gd name="adj" fmla="val 153193"/>
               </a:avLst>
             </a:prstGeom>
             <a:solidFill>
@@ -1180,12 +1210,12 @@
             </a:ln>
           </p:spPr>
           <p:txBody>
-            <a:bodyPr anchorCtr="0" anchor="ctr" bIns="91425" lIns="91425" spcFirstLastPara="1" rIns="91425" wrap="square" tIns="91425">
+            <a:bodyPr spcFirstLastPara="1" wrap="square" lIns="91425" tIns="91425" rIns="91425" bIns="91425" anchor="ctr" anchorCtr="0">
               <a:noAutofit/>
             </a:bodyPr>
             <a:lstStyle/>
             <a:p>
-              <a:pPr indent="0" lvl="0" marL="0" rtl="0" algn="l">
+              <a:pPr marL="0" lvl="0" indent="0" algn="l" rtl="0">
                 <a:spcBef>
                   <a:spcPts val="0"/>
                 </a:spcBef>
@@ -1194,9 +1224,6 @@
                 </a:spcAft>
                 <a:buNone/>
               </a:pPr>
-              <a:r>
-                <a:t/>
-              </a:r>
               <a:endParaRPr/>
             </a:p>
           </p:txBody>
@@ -1214,7 +1241,7 @@
             </a:xfrm>
             <a:prstGeom prst="parallelogram">
               <a:avLst>
-                <a:gd fmla="val 153193" name="adj"/>
+                <a:gd name="adj" fmla="val 153193"/>
               </a:avLst>
             </a:prstGeom>
             <a:solidFill>
@@ -1225,12 +1252,12 @@
             </a:ln>
           </p:spPr>
           <p:txBody>
-            <a:bodyPr anchorCtr="0" anchor="ctr" bIns="91425" lIns="91425" spcFirstLastPara="1" rIns="91425" wrap="square" tIns="91425">
+            <a:bodyPr spcFirstLastPara="1" wrap="square" lIns="91425" tIns="91425" rIns="91425" bIns="91425" anchor="ctr" anchorCtr="0">
               <a:noAutofit/>
             </a:bodyPr>
             <a:lstStyle/>
             <a:p>
-              <a:pPr indent="0" lvl="0" marL="0" rtl="0" algn="l">
+              <a:pPr marL="0" lvl="0" indent="0" algn="l" rtl="0">
                 <a:spcBef>
                   <a:spcPts val="0"/>
                 </a:spcBef>
@@ -1239,9 +1266,6 @@
                 </a:spcAft>
                 <a:buNone/>
               </a:pPr>
-              <a:r>
-                <a:t/>
-              </a:r>
               <a:endParaRPr/>
             </a:p>
           </p:txBody>
@@ -1274,7 +1298,7 @@
             </a:xfrm>
             <a:prstGeom prst="parallelogram">
               <a:avLst>
-                <a:gd fmla="val 153193" name="adj"/>
+                <a:gd name="adj" fmla="val 153193"/>
               </a:avLst>
             </a:prstGeom>
             <a:solidFill>
@@ -1285,12 +1309,12 @@
             </a:ln>
           </p:spPr>
           <p:txBody>
-            <a:bodyPr anchorCtr="0" anchor="ctr" bIns="91425" lIns="91425" spcFirstLastPara="1" rIns="91425" wrap="square" tIns="91425">
+            <a:bodyPr spcFirstLastPara="1" wrap="square" lIns="91425" tIns="91425" rIns="91425" bIns="91425" anchor="ctr" anchorCtr="0">
               <a:noAutofit/>
             </a:bodyPr>
             <a:lstStyle/>
             <a:p>
-              <a:pPr indent="0" lvl="0" marL="0" rtl="0" algn="l">
+              <a:pPr marL="0" lvl="0" indent="0" algn="l" rtl="0">
                 <a:spcBef>
                   <a:spcPts val="0"/>
                 </a:spcBef>
@@ -1299,9 +1323,6 @@
                 </a:spcAft>
                 <a:buNone/>
               </a:pPr>
-              <a:r>
-                <a:t/>
-              </a:r>
               <a:endParaRPr/>
             </a:p>
           </p:txBody>
@@ -1319,7 +1340,7 @@
             </a:xfrm>
             <a:prstGeom prst="parallelogram">
               <a:avLst>
-                <a:gd fmla="val 153193" name="adj"/>
+                <a:gd name="adj" fmla="val 153193"/>
               </a:avLst>
             </a:prstGeom>
             <a:solidFill>
@@ -1330,12 +1351,12 @@
             </a:ln>
           </p:spPr>
           <p:txBody>
-            <a:bodyPr anchorCtr="0" anchor="ctr" bIns="91425" lIns="91425" spcFirstLastPara="1" rIns="91425" wrap="square" tIns="91425">
+            <a:bodyPr spcFirstLastPara="1" wrap="square" lIns="91425" tIns="91425" rIns="91425" bIns="91425" anchor="ctr" anchorCtr="0">
               <a:noAutofit/>
             </a:bodyPr>
             <a:lstStyle/>
             <a:p>
-              <a:pPr indent="0" lvl="0" marL="0" rtl="0" algn="l">
+              <a:pPr marL="0" lvl="0" indent="0" algn="l" rtl="0">
                 <a:spcBef>
                   <a:spcPts val="0"/>
                 </a:spcBef>
@@ -1344,9 +1365,6 @@
                 </a:spcAft>
                 <a:buNone/>
               </a:pPr>
-              <a:r>
-                <a:t/>
-              </a:r>
               <a:endParaRPr/>
             </a:p>
           </p:txBody>
@@ -1364,7 +1382,7 @@
             </a:xfrm>
             <a:prstGeom prst="parallelogram">
               <a:avLst>
-                <a:gd fmla="val 153193" name="adj"/>
+                <a:gd name="adj" fmla="val 153193"/>
               </a:avLst>
             </a:prstGeom>
             <a:solidFill>
@@ -1375,12 +1393,12 @@
             </a:ln>
           </p:spPr>
           <p:txBody>
-            <a:bodyPr anchorCtr="0" anchor="ctr" bIns="91425" lIns="91425" spcFirstLastPara="1" rIns="91425" wrap="square" tIns="91425">
+            <a:bodyPr spcFirstLastPara="1" wrap="square" lIns="91425" tIns="91425" rIns="91425" bIns="91425" anchor="ctr" anchorCtr="0">
               <a:noAutofit/>
             </a:bodyPr>
             <a:lstStyle/>
             <a:p>
-              <a:pPr indent="0" lvl="0" marL="0" rtl="0" algn="l">
+              <a:pPr marL="0" lvl="0" indent="0" algn="l" rtl="0">
                 <a:spcBef>
                   <a:spcPts val="0"/>
                 </a:spcBef>
@@ -1389,9 +1407,6 @@
                 </a:spcAft>
                 <a:buNone/>
               </a:pPr>
-              <a:r>
-                <a:t/>
-              </a:r>
               <a:endParaRPr/>
             </a:p>
           </p:txBody>
@@ -1424,7 +1439,7 @@
             </a:xfrm>
             <a:prstGeom prst="parallelogram">
               <a:avLst>
-                <a:gd fmla="val 158024" name="adj"/>
+                <a:gd name="adj" fmla="val 158024"/>
               </a:avLst>
             </a:prstGeom>
             <a:solidFill>
@@ -1435,12 +1450,12 @@
             </a:ln>
           </p:spPr>
           <p:txBody>
-            <a:bodyPr anchorCtr="0" anchor="ctr" bIns="91425" lIns="91425" spcFirstLastPara="1" rIns="91425" wrap="square" tIns="91425">
+            <a:bodyPr spcFirstLastPara="1" wrap="square" lIns="91425" tIns="91425" rIns="91425" bIns="91425" anchor="ctr" anchorCtr="0">
               <a:noAutofit/>
             </a:bodyPr>
             <a:lstStyle/>
             <a:p>
-              <a:pPr indent="0" lvl="0" marL="0" rtl="0" algn="l">
+              <a:pPr marL="0" lvl="0" indent="0" algn="l" rtl="0">
                 <a:spcBef>
                   <a:spcPts val="0"/>
                 </a:spcBef>
@@ -1449,9 +1464,6 @@
                 </a:spcAft>
                 <a:buNone/>
               </a:pPr>
-              <a:r>
-                <a:t/>
-              </a:r>
               <a:endParaRPr/>
             </a:p>
           </p:txBody>
@@ -1469,7 +1481,7 @@
             </a:xfrm>
             <a:prstGeom prst="parallelogram">
               <a:avLst>
-                <a:gd fmla="val 158024" name="adj"/>
+                <a:gd name="adj" fmla="val 158024"/>
               </a:avLst>
             </a:prstGeom>
             <a:solidFill>
@@ -1480,12 +1492,12 @@
             </a:ln>
           </p:spPr>
           <p:txBody>
-            <a:bodyPr anchorCtr="0" anchor="ctr" bIns="91425" lIns="91425" spcFirstLastPara="1" rIns="91425" wrap="square" tIns="91425">
+            <a:bodyPr spcFirstLastPara="1" wrap="square" lIns="91425" tIns="91425" rIns="91425" bIns="91425" anchor="ctr" anchorCtr="0">
               <a:noAutofit/>
             </a:bodyPr>
             <a:lstStyle/>
             <a:p>
-              <a:pPr indent="0" lvl="0" marL="0" rtl="0" algn="l">
+              <a:pPr marL="0" lvl="0" indent="0" algn="l" rtl="0">
                 <a:spcBef>
                   <a:spcPts val="0"/>
                 </a:spcBef>
@@ -1494,9 +1506,6 @@
                 </a:spcAft>
                 <a:buNone/>
               </a:pPr>
-              <a:r>
-                <a:t/>
-              </a:r>
               <a:endParaRPr/>
             </a:p>
           </p:txBody>
@@ -1514,7 +1523,7 @@
             </a:xfrm>
             <a:prstGeom prst="parallelogram">
               <a:avLst>
-                <a:gd fmla="val 158024" name="adj"/>
+                <a:gd name="adj" fmla="val 158024"/>
               </a:avLst>
             </a:prstGeom>
             <a:solidFill>
@@ -1525,12 +1534,12 @@
             </a:ln>
           </p:spPr>
           <p:txBody>
-            <a:bodyPr anchorCtr="0" anchor="ctr" bIns="91425" lIns="91425" spcFirstLastPara="1" rIns="91425" wrap="square" tIns="91425">
+            <a:bodyPr spcFirstLastPara="1" wrap="square" lIns="91425" tIns="91425" rIns="91425" bIns="91425" anchor="ctr" anchorCtr="0">
               <a:noAutofit/>
             </a:bodyPr>
             <a:lstStyle/>
             <a:p>
-              <a:pPr indent="0" lvl="0" marL="0" rtl="0" algn="l">
+              <a:pPr marL="0" lvl="0" indent="0" algn="l" rtl="0">
                 <a:spcBef>
                   <a:spcPts val="0"/>
                 </a:spcBef>
@@ -1539,9 +1548,6 @@
                 </a:spcAft>
                 <a:buNone/>
               </a:pPr>
-              <a:r>
-                <a:t/>
-              </a:r>
               <a:endParaRPr/>
             </a:p>
           </p:txBody>
@@ -1574,7 +1580,7 @@
             </a:xfrm>
             <a:prstGeom prst="parallelogram">
               <a:avLst>
-                <a:gd fmla="val 158024" name="adj"/>
+                <a:gd name="adj" fmla="val 158024"/>
               </a:avLst>
             </a:prstGeom>
             <a:solidFill>
@@ -1585,12 +1591,12 @@
             </a:ln>
           </p:spPr>
           <p:txBody>
-            <a:bodyPr anchorCtr="0" anchor="ctr" bIns="91425" lIns="91425" spcFirstLastPara="1" rIns="91425" wrap="square" tIns="91425">
+            <a:bodyPr spcFirstLastPara="1" wrap="square" lIns="91425" tIns="91425" rIns="91425" bIns="91425" anchor="ctr" anchorCtr="0">
               <a:noAutofit/>
             </a:bodyPr>
             <a:lstStyle/>
             <a:p>
-              <a:pPr indent="0" lvl="0" marL="0" rtl="0" algn="l">
+              <a:pPr marL="0" lvl="0" indent="0" algn="l" rtl="0">
                 <a:spcBef>
                   <a:spcPts val="0"/>
                 </a:spcBef>
@@ -1599,9 +1605,6 @@
                 </a:spcAft>
                 <a:buNone/>
               </a:pPr>
-              <a:r>
-                <a:t/>
-              </a:r>
               <a:endParaRPr/>
             </a:p>
           </p:txBody>
@@ -1619,7 +1622,7 @@
             </a:xfrm>
             <a:prstGeom prst="parallelogram">
               <a:avLst>
-                <a:gd fmla="val 158024" name="adj"/>
+                <a:gd name="adj" fmla="val 158024"/>
               </a:avLst>
             </a:prstGeom>
             <a:solidFill>
@@ -1630,12 +1633,12 @@
             </a:ln>
           </p:spPr>
           <p:txBody>
-            <a:bodyPr anchorCtr="0" anchor="ctr" bIns="91425" lIns="91425" spcFirstLastPara="1" rIns="91425" wrap="square" tIns="91425">
+            <a:bodyPr spcFirstLastPara="1" wrap="square" lIns="91425" tIns="91425" rIns="91425" bIns="91425" anchor="ctr" anchorCtr="0">
               <a:noAutofit/>
             </a:bodyPr>
             <a:lstStyle/>
             <a:p>
-              <a:pPr indent="0" lvl="0" marL="0" rtl="0" algn="l">
+              <a:pPr marL="0" lvl="0" indent="0" algn="l" rtl="0">
                 <a:spcBef>
                   <a:spcPts val="0"/>
                 </a:spcBef>
@@ -1644,9 +1647,6 @@
                 </a:spcAft>
                 <a:buNone/>
               </a:pPr>
-              <a:r>
-                <a:t/>
-              </a:r>
               <a:endParaRPr/>
             </a:p>
           </p:txBody>
@@ -1664,7 +1664,7 @@
             </a:xfrm>
             <a:prstGeom prst="parallelogram">
               <a:avLst>
-                <a:gd fmla="val 158024" name="adj"/>
+                <a:gd name="adj" fmla="val 158024"/>
               </a:avLst>
             </a:prstGeom>
             <a:solidFill>
@@ -1675,12 +1675,12 @@
             </a:ln>
           </p:spPr>
           <p:txBody>
-            <a:bodyPr anchorCtr="0" anchor="ctr" bIns="91425" lIns="91425" spcFirstLastPara="1" rIns="91425" wrap="square" tIns="91425">
+            <a:bodyPr spcFirstLastPara="1" wrap="square" lIns="91425" tIns="91425" rIns="91425" bIns="91425" anchor="ctr" anchorCtr="0">
               <a:noAutofit/>
             </a:bodyPr>
             <a:lstStyle/>
             <a:p>
-              <a:pPr indent="0" lvl="0" marL="0" rtl="0" algn="l">
+              <a:pPr marL="0" lvl="0" indent="0" algn="l" rtl="0">
                 <a:spcBef>
                   <a:spcPts val="0"/>
                 </a:spcBef>
@@ -1689,9 +1689,6 @@
                 </a:spcAft>
                 <a:buNone/>
               </a:pPr>
-              <a:r>
-                <a:t/>
-              </a:r>
               <a:endParaRPr/>
             </a:p>
           </p:txBody>
@@ -1724,7 +1721,7 @@
             </a:xfrm>
             <a:prstGeom prst="parallelogram">
               <a:avLst>
-                <a:gd fmla="val 158024" name="adj"/>
+                <a:gd name="adj" fmla="val 158024"/>
               </a:avLst>
             </a:prstGeom>
             <a:solidFill>
@@ -1735,12 +1732,12 @@
             </a:ln>
           </p:spPr>
           <p:txBody>
-            <a:bodyPr anchorCtr="0" anchor="ctr" bIns="91425" lIns="91425" spcFirstLastPara="1" rIns="91425" wrap="square" tIns="91425">
+            <a:bodyPr spcFirstLastPara="1" wrap="square" lIns="91425" tIns="91425" rIns="91425" bIns="91425" anchor="ctr" anchorCtr="0">
               <a:noAutofit/>
             </a:bodyPr>
             <a:lstStyle/>
             <a:p>
-              <a:pPr indent="0" lvl="0" marL="0" rtl="0" algn="l">
+              <a:pPr marL="0" lvl="0" indent="0" algn="l" rtl="0">
                 <a:spcBef>
                   <a:spcPts val="0"/>
                 </a:spcBef>
@@ -1749,9 +1746,6 @@
                 </a:spcAft>
                 <a:buNone/>
               </a:pPr>
-              <a:r>
-                <a:t/>
-              </a:r>
               <a:endParaRPr/>
             </a:p>
           </p:txBody>
@@ -1769,7 +1763,7 @@
             </a:xfrm>
             <a:prstGeom prst="parallelogram">
               <a:avLst>
-                <a:gd fmla="val 158024" name="adj"/>
+                <a:gd name="adj" fmla="val 158024"/>
               </a:avLst>
             </a:prstGeom>
             <a:solidFill>
@@ -1780,12 +1774,12 @@
             </a:ln>
           </p:spPr>
           <p:txBody>
-            <a:bodyPr anchorCtr="0" anchor="ctr" bIns="91425" lIns="91425" spcFirstLastPara="1" rIns="91425" wrap="square" tIns="91425">
+            <a:bodyPr spcFirstLastPara="1" wrap="square" lIns="91425" tIns="91425" rIns="91425" bIns="91425" anchor="ctr" anchorCtr="0">
               <a:noAutofit/>
             </a:bodyPr>
             <a:lstStyle/>
             <a:p>
-              <a:pPr indent="0" lvl="0" marL="0" rtl="0" algn="l">
+              <a:pPr marL="0" lvl="0" indent="0" algn="l" rtl="0">
                 <a:spcBef>
                   <a:spcPts val="0"/>
                 </a:spcBef>
@@ -1794,9 +1788,6 @@
                 </a:spcAft>
                 <a:buNone/>
               </a:pPr>
-              <a:r>
-                <a:t/>
-              </a:r>
               <a:endParaRPr/>
             </a:p>
           </p:txBody>
@@ -1814,7 +1805,7 @@
             </a:xfrm>
             <a:prstGeom prst="parallelogram">
               <a:avLst>
-                <a:gd fmla="val 158024" name="adj"/>
+                <a:gd name="adj" fmla="val 158024"/>
               </a:avLst>
             </a:prstGeom>
             <a:solidFill>
@@ -1825,12 +1816,12 @@
             </a:ln>
           </p:spPr>
           <p:txBody>
-            <a:bodyPr anchorCtr="0" anchor="ctr" bIns="91425" lIns="91425" spcFirstLastPara="1" rIns="91425" wrap="square" tIns="91425">
+            <a:bodyPr spcFirstLastPara="1" wrap="square" lIns="91425" tIns="91425" rIns="91425" bIns="91425" anchor="ctr" anchorCtr="0">
               <a:noAutofit/>
             </a:bodyPr>
             <a:lstStyle/>
             <a:p>
-              <a:pPr indent="0" lvl="0" marL="0" rtl="0" algn="l">
+              <a:pPr marL="0" lvl="0" indent="0" algn="l" rtl="0">
                 <a:spcBef>
                   <a:spcPts val="0"/>
                 </a:spcBef>
@@ -1839,9 +1830,6 @@
                 </a:spcAft>
                 <a:buNone/>
               </a:pPr>
-              <a:r>
-                <a:t/>
-              </a:r>
               <a:endParaRPr/>
             </a:p>
           </p:txBody>
@@ -1850,7 +1838,9 @@
       <p:sp>
         <p:nvSpPr>
           <p:cNvPr id="34" name="Google Shape;34;p2"/>
-          <p:cNvSpPr txBox="1"/>
+          <p:cNvSpPr txBox="1">
+            <a:spLocks noGrp="1"/>
+          </p:cNvSpPr>
           <p:nvPr>
             <p:ph type="ctrTitle"/>
           </p:nvPr>
@@ -1865,7 +1855,7 @@
           </a:prstGeom>
         </p:spPr>
         <p:txBody>
-          <a:bodyPr anchorCtr="0" anchor="ctr" bIns="91425" lIns="91425" spcFirstLastPara="1" rIns="91425" wrap="square" tIns="91425">
+          <a:bodyPr spcFirstLastPara="1" wrap="square" lIns="91425" tIns="91425" rIns="91425" bIns="91425" anchor="ctr" anchorCtr="0">
             <a:normAutofit/>
           </a:bodyPr>
           <a:lstStyle>
@@ -1969,15 +1959,19 @@
               <a:defRPr sz="3800"/>
             </a:lvl9pPr>
           </a:lstStyle>
-          <a:p/>
+          <a:p>
+            <a:endParaRPr/>
+          </a:p>
         </p:txBody>
       </p:sp>
       <p:sp>
         <p:nvSpPr>
           <p:cNvPr id="35" name="Google Shape;35;p2"/>
-          <p:cNvSpPr txBox="1"/>
+          <p:cNvSpPr txBox="1">
+            <a:spLocks noGrp="1"/>
+          </p:cNvSpPr>
           <p:nvPr>
-            <p:ph idx="1" type="subTitle"/>
+            <p:ph type="subTitle" idx="1"/>
           </p:nvPr>
         </p:nvSpPr>
         <p:spPr>
@@ -1990,7 +1984,7 @@
           </a:prstGeom>
         </p:spPr>
         <p:txBody>
-          <a:bodyPr anchorCtr="0" anchor="t" bIns="91425" lIns="91425" spcFirstLastPara="1" rIns="91425" wrap="square" tIns="91425">
+          <a:bodyPr spcFirstLastPara="1" wrap="square" lIns="91425" tIns="91425" rIns="91425" bIns="91425" anchor="t" anchorCtr="0">
             <a:normAutofit/>
           </a:bodyPr>
           <a:lstStyle>
@@ -2184,15 +2178,19 @@
               </a:defRPr>
             </a:lvl9pPr>
           </a:lstStyle>
-          <a:p/>
+          <a:p>
+            <a:endParaRPr/>
+          </a:p>
         </p:txBody>
       </p:sp>
       <p:sp>
         <p:nvSpPr>
           <p:cNvPr id="36" name="Google Shape;36;p2"/>
-          <p:cNvSpPr txBox="1"/>
+          <p:cNvSpPr txBox="1">
+            <a:spLocks noGrp="1"/>
+          </p:cNvSpPr>
           <p:nvPr>
-            <p:ph idx="12" type="sldNum"/>
+            <p:ph type="sldNum" idx="12"/>
           </p:nvPr>
         </p:nvSpPr>
         <p:spPr>
@@ -2205,7 +2203,7 @@
           </a:prstGeom>
         </p:spPr>
         <p:txBody>
-          <a:bodyPr anchorCtr="0" anchor="ctr" bIns="91425" lIns="91425" spcFirstLastPara="1" rIns="91425" wrap="square" tIns="91425">
+          <a:bodyPr spcFirstLastPara="1" wrap="square" lIns="91425" tIns="91425" rIns="91425" bIns="91425" anchor="ctr" anchorCtr="0">
             <a:normAutofit/>
           </a:bodyPr>
           <a:lstStyle>
@@ -2247,7 +2245,7 @@
             </a:lvl9pPr>
           </a:lstStyle>
           <a:p>
-            <a:pPr indent="0" lvl="0" marL="0" rtl="0" algn="r">
+            <a:pPr marL="0" lvl="0" indent="0" algn="r" rtl="0">
               <a:spcBef>
                 <a:spcPts val="0"/>
               </a:spcBef>
@@ -2273,18 +2271,19 @@
 </file>
 
 <file path=ppt/slideLayouts/slideLayout10.xml><?xml version="1.0" encoding="utf-8"?>
-<p:sldLayout xmlns:a="http://schemas.openxmlformats.org/drawingml/2006/main" xmlns:r="http://schemas.openxmlformats.org/officeDocument/2006/relationships" xmlns:mc="http://schemas.openxmlformats.org/markup-compatibility/2006" xmlns:mv="urn:schemas-microsoft-com:mac:vml" xmlns:p="http://schemas.openxmlformats.org/presentationml/2006/main" xmlns:c="http://schemas.openxmlformats.org/drawingml/2006/chart" xmlns:dgm="http://schemas.openxmlformats.org/drawingml/2006/diagram" xmlns:o="urn:schemas-microsoft-com:office:office" xmlns:v="urn:schemas-microsoft-com:vml" xmlns:pvml="urn:schemas-microsoft-com:office:powerpoint" xmlns:com="http://schemas.openxmlformats.org/drawingml/2006/compatibility" xmlns:p14="http://schemas.microsoft.com/office/powerpoint/2010/main" xmlns:p15="http://schemas.microsoft.com/office/powerpoint/2012/main" xmlns:ahyp="http://schemas.microsoft.com/office/drawing/2018/hyperlinkcolor" matchingName="Big number">
+<p:sldLayout xmlns:a="http://schemas.openxmlformats.org/drawingml/2006/main" xmlns:r="http://schemas.openxmlformats.org/officeDocument/2006/relationships" xmlns:p="http://schemas.openxmlformats.org/presentationml/2006/main" matchingName="Big number">
   <p:cSld name="BIG_NUMBER">
     <p:bg>
       <p:bgPr>
         <a:solidFill>
           <a:schemeClr val="accent3"/>
         </a:solidFill>
+        <a:effectLst/>
       </p:bgPr>
     </p:bg>
     <p:spTree>
       <p:nvGrpSpPr>
-        <p:cNvPr id="109" name="Shape 109"/>
+        <p:cNvPr id="1" name="Shape 109"/>
         <p:cNvGrpSpPr/>
         <p:nvPr/>
       </p:nvGrpSpPr>
@@ -2318,12 +2317,12 @@
           </a:ln>
         </p:spPr>
         <p:txBody>
-          <a:bodyPr anchorCtr="0" anchor="ctr" bIns="91425" lIns="91425" spcFirstLastPara="1" rIns="91425" wrap="square" tIns="91425">
+          <a:bodyPr spcFirstLastPara="1" wrap="square" lIns="91425" tIns="91425" rIns="91425" bIns="91425" anchor="ctr" anchorCtr="0">
             <a:noAutofit/>
           </a:bodyPr>
           <a:lstStyle/>
           <a:p>
-            <a:pPr indent="0" lvl="0" marL="0" rtl="0" algn="l">
+            <a:pPr marL="0" lvl="0" indent="0" algn="l" rtl="0">
               <a:spcBef>
                 <a:spcPts val="0"/>
               </a:spcBef>
@@ -2332,9 +2331,6 @@
               </a:spcAft>
               <a:buNone/>
             </a:pPr>
-            <a:r>
-              <a:t/>
-            </a:r>
             <a:endParaRPr/>
           </a:p>
         </p:txBody>
@@ -2366,7 +2362,7 @@
             </a:xfrm>
             <a:prstGeom prst="parallelogram">
               <a:avLst>
-                <a:gd fmla="val 158024" name="adj"/>
+                <a:gd name="adj" fmla="val 158024"/>
               </a:avLst>
             </a:prstGeom>
             <a:solidFill>
@@ -2377,12 +2373,12 @@
             </a:ln>
           </p:spPr>
           <p:txBody>
-            <a:bodyPr anchorCtr="0" anchor="ctr" bIns="91425" lIns="91425" spcFirstLastPara="1" rIns="91425" wrap="square" tIns="91425">
+            <a:bodyPr spcFirstLastPara="1" wrap="square" lIns="91425" tIns="91425" rIns="91425" bIns="91425" anchor="ctr" anchorCtr="0">
               <a:noAutofit/>
             </a:bodyPr>
             <a:lstStyle/>
             <a:p>
-              <a:pPr indent="0" lvl="0" marL="0" rtl="0" algn="l">
+              <a:pPr marL="0" lvl="0" indent="0" algn="l" rtl="0">
                 <a:spcBef>
                   <a:spcPts val="0"/>
                 </a:spcBef>
@@ -2391,9 +2387,6 @@
                 </a:spcAft>
                 <a:buNone/>
               </a:pPr>
-              <a:r>
-                <a:t/>
-              </a:r>
               <a:endParaRPr/>
             </a:p>
           </p:txBody>
@@ -2411,7 +2404,7 @@
             </a:xfrm>
             <a:prstGeom prst="parallelogram">
               <a:avLst>
-                <a:gd fmla="val 158024" name="adj"/>
+                <a:gd name="adj" fmla="val 158024"/>
               </a:avLst>
             </a:prstGeom>
             <a:solidFill>
@@ -2422,12 +2415,12 @@
             </a:ln>
           </p:spPr>
           <p:txBody>
-            <a:bodyPr anchorCtr="0" anchor="ctr" bIns="91425" lIns="91425" spcFirstLastPara="1" rIns="91425" wrap="square" tIns="91425">
+            <a:bodyPr spcFirstLastPara="1" wrap="square" lIns="91425" tIns="91425" rIns="91425" bIns="91425" anchor="ctr" anchorCtr="0">
               <a:noAutofit/>
             </a:bodyPr>
             <a:lstStyle/>
             <a:p>
-              <a:pPr indent="0" lvl="0" marL="0" rtl="0" algn="l">
+              <a:pPr marL="0" lvl="0" indent="0" algn="l" rtl="0">
                 <a:spcBef>
                   <a:spcPts val="0"/>
                 </a:spcBef>
@@ -2436,9 +2429,6 @@
                 </a:spcAft>
                 <a:buNone/>
               </a:pPr>
-              <a:r>
-                <a:t/>
-              </a:r>
               <a:endParaRPr/>
             </a:p>
           </p:txBody>
@@ -2456,7 +2446,7 @@
             </a:xfrm>
             <a:prstGeom prst="parallelogram">
               <a:avLst>
-                <a:gd fmla="val 158024" name="adj"/>
+                <a:gd name="adj" fmla="val 158024"/>
               </a:avLst>
             </a:prstGeom>
             <a:solidFill>
@@ -2467,12 +2457,12 @@
             </a:ln>
           </p:spPr>
           <p:txBody>
-            <a:bodyPr anchorCtr="0" anchor="ctr" bIns="91425" lIns="91425" spcFirstLastPara="1" rIns="91425" wrap="square" tIns="91425">
+            <a:bodyPr spcFirstLastPara="1" wrap="square" lIns="91425" tIns="91425" rIns="91425" bIns="91425" anchor="ctr" anchorCtr="0">
               <a:noAutofit/>
             </a:bodyPr>
             <a:lstStyle/>
             <a:p>
-              <a:pPr indent="0" lvl="0" marL="0" rtl="0" algn="l">
+              <a:pPr marL="0" lvl="0" indent="0" algn="l" rtl="0">
                 <a:spcBef>
                   <a:spcPts val="0"/>
                 </a:spcBef>
@@ -2481,9 +2471,6 @@
                 </a:spcAft>
                 <a:buNone/>
               </a:pPr>
-              <a:r>
-                <a:t/>
-              </a:r>
               <a:endParaRPr/>
             </a:p>
           </p:txBody>
@@ -2516,7 +2503,7 @@
             </a:xfrm>
             <a:prstGeom prst="parallelogram">
               <a:avLst>
-                <a:gd fmla="val 158024" name="adj"/>
+                <a:gd name="adj" fmla="val 158024"/>
               </a:avLst>
             </a:prstGeom>
             <a:solidFill>
@@ -2527,12 +2514,12 @@
             </a:ln>
           </p:spPr>
           <p:txBody>
-            <a:bodyPr anchorCtr="0" anchor="ctr" bIns="91425" lIns="91425" spcFirstLastPara="1" rIns="91425" wrap="square" tIns="91425">
+            <a:bodyPr spcFirstLastPara="1" wrap="square" lIns="91425" tIns="91425" rIns="91425" bIns="91425" anchor="ctr" anchorCtr="0">
               <a:noAutofit/>
             </a:bodyPr>
             <a:lstStyle/>
             <a:p>
-              <a:pPr indent="0" lvl="0" marL="0" rtl="0" algn="l">
+              <a:pPr marL="0" lvl="0" indent="0" algn="l" rtl="0">
                 <a:spcBef>
                   <a:spcPts val="0"/>
                 </a:spcBef>
@@ -2541,9 +2528,6 @@
                 </a:spcAft>
                 <a:buNone/>
               </a:pPr>
-              <a:r>
-                <a:t/>
-              </a:r>
               <a:endParaRPr/>
             </a:p>
           </p:txBody>
@@ -2561,7 +2545,7 @@
             </a:xfrm>
             <a:prstGeom prst="parallelogram">
               <a:avLst>
-                <a:gd fmla="val 158024" name="adj"/>
+                <a:gd name="adj" fmla="val 158024"/>
               </a:avLst>
             </a:prstGeom>
             <a:solidFill>
@@ -2572,12 +2556,12 @@
             </a:ln>
           </p:spPr>
           <p:txBody>
-            <a:bodyPr anchorCtr="0" anchor="ctr" bIns="91425" lIns="91425" spcFirstLastPara="1" rIns="91425" wrap="square" tIns="91425">
+            <a:bodyPr spcFirstLastPara="1" wrap="square" lIns="91425" tIns="91425" rIns="91425" bIns="91425" anchor="ctr" anchorCtr="0">
               <a:noAutofit/>
             </a:bodyPr>
             <a:lstStyle/>
             <a:p>
-              <a:pPr indent="0" lvl="0" marL="0" rtl="0" algn="l">
+              <a:pPr marL="0" lvl="0" indent="0" algn="l" rtl="0">
                 <a:spcBef>
                   <a:spcPts val="0"/>
                 </a:spcBef>
@@ -2586,9 +2570,6 @@
                 </a:spcAft>
                 <a:buNone/>
               </a:pPr>
-              <a:r>
-                <a:t/>
-              </a:r>
               <a:endParaRPr/>
             </a:p>
           </p:txBody>
@@ -2606,7 +2587,7 @@
             </a:xfrm>
             <a:prstGeom prst="parallelogram">
               <a:avLst>
-                <a:gd fmla="val 158024" name="adj"/>
+                <a:gd name="adj" fmla="val 158024"/>
               </a:avLst>
             </a:prstGeom>
             <a:solidFill>
@@ -2617,12 +2598,12 @@
             </a:ln>
           </p:spPr>
           <p:txBody>
-            <a:bodyPr anchorCtr="0" anchor="ctr" bIns="91425" lIns="91425" spcFirstLastPara="1" rIns="91425" wrap="square" tIns="91425">
+            <a:bodyPr spcFirstLastPara="1" wrap="square" lIns="91425" tIns="91425" rIns="91425" bIns="91425" anchor="ctr" anchorCtr="0">
               <a:noAutofit/>
             </a:bodyPr>
             <a:lstStyle/>
             <a:p>
-              <a:pPr indent="0" lvl="0" marL="0" rtl="0" algn="l">
+              <a:pPr marL="0" lvl="0" indent="0" algn="l" rtl="0">
                 <a:spcBef>
                   <a:spcPts val="0"/>
                 </a:spcBef>
@@ -2631,9 +2612,6 @@
                 </a:spcAft>
                 <a:buNone/>
               </a:pPr>
-              <a:r>
-                <a:t/>
-              </a:r>
               <a:endParaRPr/>
             </a:p>
           </p:txBody>
@@ -2642,9 +2620,11 @@
       <p:sp>
         <p:nvSpPr>
           <p:cNvPr id="119" name="Google Shape;119;p11"/>
-          <p:cNvSpPr txBox="1"/>
+          <p:cNvSpPr txBox="1">
+            <a:spLocks noGrp="1"/>
+          </p:cNvSpPr>
           <p:nvPr>
-            <p:ph hasCustomPrompt="1" type="title"/>
+            <p:ph type="title" hasCustomPrompt="1"/>
           </p:nvPr>
         </p:nvSpPr>
         <p:spPr>
@@ -2657,7 +2637,7 @@
           </a:prstGeom>
         </p:spPr>
         <p:txBody>
-          <a:bodyPr anchorCtr="0" anchor="ctr" bIns="91425" lIns="91425" spcFirstLastPara="1" rIns="91425" wrap="square" tIns="91425">
+          <a:bodyPr spcFirstLastPara="1" wrap="square" lIns="91425" tIns="91425" rIns="91425" bIns="91425" anchor="ctr" anchorCtr="0">
             <a:normAutofit/>
           </a:bodyPr>
           <a:lstStyle>
@@ -2834,9 +2814,11 @@
       <p:sp>
         <p:nvSpPr>
           <p:cNvPr id="120" name="Google Shape;120;p11"/>
-          <p:cNvSpPr txBox="1"/>
+          <p:cNvSpPr txBox="1">
+            <a:spLocks noGrp="1"/>
+          </p:cNvSpPr>
           <p:nvPr>
-            <p:ph idx="1" type="body"/>
+            <p:ph type="body" idx="1"/>
           </p:nvPr>
         </p:nvSpPr>
         <p:spPr>
@@ -2849,11 +2831,11 @@
           </a:prstGeom>
         </p:spPr>
         <p:txBody>
-          <a:bodyPr anchorCtr="0" anchor="t" bIns="91425" lIns="91425" spcFirstLastPara="1" rIns="91425" wrap="square" tIns="91425">
+          <a:bodyPr spcFirstLastPara="1" wrap="square" lIns="91425" tIns="91425" rIns="91425" bIns="91425" anchor="t" anchorCtr="0">
             <a:normAutofit/>
           </a:bodyPr>
           <a:lstStyle>
-            <a:lvl1pPr indent="-311150" lvl="0" marL="457200" algn="ctr">
+            <a:lvl1pPr marL="457200" lvl="0" indent="-311150" algn="ctr">
               <a:spcBef>
                 <a:spcPts val="0"/>
               </a:spcBef>
@@ -2864,7 +2846,7 @@
               <a:buChar char="●"/>
               <a:defRPr/>
             </a:lvl1pPr>
-            <a:lvl2pPr indent="-298450" lvl="1" marL="914400" algn="ctr">
+            <a:lvl2pPr marL="914400" lvl="1" indent="-298450" algn="ctr">
               <a:spcBef>
                 <a:spcPts val="0"/>
               </a:spcBef>
@@ -2875,7 +2857,7 @@
               <a:buChar char="○"/>
               <a:defRPr/>
             </a:lvl2pPr>
-            <a:lvl3pPr indent="-298450" lvl="2" marL="1371600" algn="ctr">
+            <a:lvl3pPr marL="1371600" lvl="2" indent="-298450" algn="ctr">
               <a:spcBef>
                 <a:spcPts val="0"/>
               </a:spcBef>
@@ -2886,7 +2868,7 @@
               <a:buChar char="■"/>
               <a:defRPr/>
             </a:lvl3pPr>
-            <a:lvl4pPr indent="-298450" lvl="3" marL="1828800" algn="ctr">
+            <a:lvl4pPr marL="1828800" lvl="3" indent="-298450" algn="ctr">
               <a:spcBef>
                 <a:spcPts val="0"/>
               </a:spcBef>
@@ -2897,7 +2879,7 @@
               <a:buChar char="●"/>
               <a:defRPr/>
             </a:lvl4pPr>
-            <a:lvl5pPr indent="-298450" lvl="4" marL="2286000" algn="ctr">
+            <a:lvl5pPr marL="2286000" lvl="4" indent="-298450" algn="ctr">
               <a:spcBef>
                 <a:spcPts val="0"/>
               </a:spcBef>
@@ -2908,7 +2890,7 @@
               <a:buChar char="○"/>
               <a:defRPr/>
             </a:lvl5pPr>
-            <a:lvl6pPr indent="-298450" lvl="5" marL="2743200" algn="ctr">
+            <a:lvl6pPr marL="2743200" lvl="5" indent="-298450" algn="ctr">
               <a:spcBef>
                 <a:spcPts val="0"/>
               </a:spcBef>
@@ -2919,7 +2901,7 @@
               <a:buChar char="■"/>
               <a:defRPr/>
             </a:lvl6pPr>
-            <a:lvl7pPr indent="-298450" lvl="6" marL="3200400" algn="ctr">
+            <a:lvl7pPr marL="3200400" lvl="6" indent="-298450" algn="ctr">
               <a:spcBef>
                 <a:spcPts val="0"/>
               </a:spcBef>
@@ -2930,7 +2912,7 @@
               <a:buChar char="●"/>
               <a:defRPr/>
             </a:lvl7pPr>
-            <a:lvl8pPr indent="-298450" lvl="7" marL="3657600" algn="ctr">
+            <a:lvl8pPr marL="3657600" lvl="7" indent="-298450" algn="ctr">
               <a:spcBef>
                 <a:spcPts val="0"/>
               </a:spcBef>
@@ -2941,7 +2923,7 @@
               <a:buChar char="○"/>
               <a:defRPr/>
             </a:lvl8pPr>
-            <a:lvl9pPr indent="-298450" lvl="8" marL="4114800" algn="ctr">
+            <a:lvl9pPr marL="4114800" lvl="8" indent="-298450" algn="ctr">
               <a:spcBef>
                 <a:spcPts val="0"/>
               </a:spcBef>
@@ -2953,15 +2935,19 @@
               <a:defRPr/>
             </a:lvl9pPr>
           </a:lstStyle>
-          <a:p/>
+          <a:p>
+            <a:endParaRPr/>
+          </a:p>
         </p:txBody>
       </p:sp>
       <p:sp>
         <p:nvSpPr>
           <p:cNvPr id="121" name="Google Shape;121;p11"/>
-          <p:cNvSpPr txBox="1"/>
+          <p:cNvSpPr txBox="1">
+            <a:spLocks noGrp="1"/>
+          </p:cNvSpPr>
           <p:nvPr>
-            <p:ph idx="12" type="sldNum"/>
+            <p:ph type="sldNum" idx="12"/>
           </p:nvPr>
         </p:nvSpPr>
         <p:spPr>
@@ -2974,7 +2960,7 @@
           </a:prstGeom>
         </p:spPr>
         <p:txBody>
-          <a:bodyPr anchorCtr="0" anchor="ctr" bIns="91425" lIns="91425" spcFirstLastPara="1" rIns="91425" wrap="square" tIns="91425">
+          <a:bodyPr spcFirstLastPara="1" wrap="square" lIns="91425" tIns="91425" rIns="91425" bIns="91425" anchor="ctr" anchorCtr="0">
             <a:normAutofit/>
           </a:bodyPr>
           <a:lstStyle>
@@ -3016,7 +3002,7 @@
             </a:lvl9pPr>
           </a:lstStyle>
           <a:p>
-            <a:pPr indent="0" lvl="0" marL="0" rtl="0" algn="r">
+            <a:pPr marL="0" lvl="0" indent="0" algn="r" rtl="0">
               <a:spcBef>
                 <a:spcPts val="0"/>
               </a:spcBef>
@@ -3042,11 +3028,11 @@
 </file>
 
 <file path=ppt/slideLayouts/slideLayout11.xml><?xml version="1.0" encoding="utf-8"?>
-<p:sldLayout xmlns:a="http://schemas.openxmlformats.org/drawingml/2006/main" xmlns:r="http://schemas.openxmlformats.org/officeDocument/2006/relationships" xmlns:mc="http://schemas.openxmlformats.org/markup-compatibility/2006" xmlns:mv="urn:schemas-microsoft-com:mac:vml" xmlns:p="http://schemas.openxmlformats.org/presentationml/2006/main" xmlns:c="http://schemas.openxmlformats.org/drawingml/2006/chart" xmlns:dgm="http://schemas.openxmlformats.org/drawingml/2006/diagram" xmlns:o="urn:schemas-microsoft-com:office:office" xmlns:v="urn:schemas-microsoft-com:vml" xmlns:pvml="urn:schemas-microsoft-com:office:powerpoint" xmlns:com="http://schemas.openxmlformats.org/drawingml/2006/compatibility" xmlns:p14="http://schemas.microsoft.com/office/powerpoint/2010/main" xmlns:p15="http://schemas.microsoft.com/office/powerpoint/2012/main" xmlns:ahyp="http://schemas.microsoft.com/office/drawing/2018/hyperlinkcolor" matchingName="Blank" type="blank">
+<p:sldLayout xmlns:a="http://schemas.openxmlformats.org/drawingml/2006/main" xmlns:r="http://schemas.openxmlformats.org/officeDocument/2006/relationships" xmlns:p="http://schemas.openxmlformats.org/presentationml/2006/main" matchingName="Blank" type="blank">
   <p:cSld name="BLANK">
     <p:spTree>
       <p:nvGrpSpPr>
-        <p:cNvPr id="122" name="Shape 122"/>
+        <p:cNvPr id="1" name="Shape 122"/>
         <p:cNvGrpSpPr/>
         <p:nvPr/>
       </p:nvGrpSpPr>
@@ -3061,9 +3047,11 @@
       <p:sp>
         <p:nvSpPr>
           <p:cNvPr id="123" name="Google Shape;123;p12"/>
-          <p:cNvSpPr txBox="1"/>
+          <p:cNvSpPr txBox="1">
+            <a:spLocks noGrp="1"/>
+          </p:cNvSpPr>
           <p:nvPr>
-            <p:ph idx="12" type="sldNum"/>
+            <p:ph type="sldNum" idx="12"/>
           </p:nvPr>
         </p:nvSpPr>
         <p:spPr>
@@ -3076,7 +3064,7 @@
           </a:prstGeom>
         </p:spPr>
         <p:txBody>
-          <a:bodyPr anchorCtr="0" anchor="ctr" bIns="91425" lIns="91425" spcFirstLastPara="1" rIns="91425" wrap="square" tIns="91425">
+          <a:bodyPr spcFirstLastPara="1" wrap="square" lIns="91425" tIns="91425" rIns="91425" bIns="91425" anchor="ctr" anchorCtr="0">
             <a:normAutofit/>
           </a:bodyPr>
           <a:lstStyle>
@@ -3118,7 +3106,7 @@
             </a:lvl9pPr>
           </a:lstStyle>
           <a:p>
-            <a:pPr indent="0" lvl="0" marL="0" rtl="0" algn="r">
+            <a:pPr marL="0" lvl="0" indent="0" algn="r" rtl="0">
               <a:spcBef>
                 <a:spcPts val="0"/>
               </a:spcBef>
@@ -3144,18 +3132,19 @@
 </file>
 
 <file path=ppt/slideLayouts/slideLayout2.xml><?xml version="1.0" encoding="utf-8"?>
-<p:sldLayout xmlns:a="http://schemas.openxmlformats.org/drawingml/2006/main" xmlns:r="http://schemas.openxmlformats.org/officeDocument/2006/relationships" xmlns:mc="http://schemas.openxmlformats.org/markup-compatibility/2006" xmlns:mv="urn:schemas-microsoft-com:mac:vml" xmlns:p="http://schemas.openxmlformats.org/presentationml/2006/main" xmlns:c="http://schemas.openxmlformats.org/drawingml/2006/chart" xmlns:dgm="http://schemas.openxmlformats.org/drawingml/2006/diagram" xmlns:o="urn:schemas-microsoft-com:office:office" xmlns:v="urn:schemas-microsoft-com:vml" xmlns:pvml="urn:schemas-microsoft-com:office:powerpoint" xmlns:com="http://schemas.openxmlformats.org/drawingml/2006/compatibility" xmlns:p14="http://schemas.microsoft.com/office/powerpoint/2010/main" xmlns:p15="http://schemas.microsoft.com/office/powerpoint/2012/main" xmlns:ahyp="http://schemas.microsoft.com/office/drawing/2018/hyperlinkcolor" matchingName="Section header" type="secHead">
+<p:sldLayout xmlns:a="http://schemas.openxmlformats.org/drawingml/2006/main" xmlns:r="http://schemas.openxmlformats.org/officeDocument/2006/relationships" xmlns:p="http://schemas.openxmlformats.org/presentationml/2006/main" matchingName="Section header" type="secHead">
   <p:cSld name="SECTION_HEADER">
     <p:bg>
       <p:bgPr>
         <a:solidFill>
           <a:schemeClr val="accent3"/>
         </a:solidFill>
+        <a:effectLst/>
       </p:bgPr>
     </p:bg>
     <p:spTree>
       <p:nvGrpSpPr>
-        <p:cNvPr id="37" name="Shape 37"/>
+        <p:cNvPr id="1" name="Shape 37"/>
         <p:cNvGrpSpPr/>
         <p:nvPr/>
       </p:nvGrpSpPr>
@@ -3189,12 +3178,12 @@
           </a:ln>
         </p:spPr>
         <p:txBody>
-          <a:bodyPr anchorCtr="0" anchor="ctr" bIns="91425" lIns="91425" spcFirstLastPara="1" rIns="91425" wrap="square" tIns="91425">
+          <a:bodyPr spcFirstLastPara="1" wrap="square" lIns="91425" tIns="91425" rIns="91425" bIns="91425" anchor="ctr" anchorCtr="0">
             <a:noAutofit/>
           </a:bodyPr>
           <a:lstStyle/>
           <a:p>
-            <a:pPr indent="0" lvl="0" marL="0" rtl="0" algn="l">
+            <a:pPr marL="0" lvl="0" indent="0" algn="l" rtl="0">
               <a:spcBef>
                 <a:spcPts val="0"/>
               </a:spcBef>
@@ -3203,9 +3192,6 @@
               </a:spcAft>
               <a:buNone/>
             </a:pPr>
-            <a:r>
-              <a:t/>
-            </a:r>
             <a:endParaRPr/>
           </a:p>
         </p:txBody>
@@ -3237,7 +3223,7 @@
             </a:xfrm>
             <a:prstGeom prst="parallelogram">
               <a:avLst>
-                <a:gd fmla="val 158024" name="adj"/>
+                <a:gd name="adj" fmla="val 158024"/>
               </a:avLst>
             </a:prstGeom>
             <a:solidFill>
@@ -3248,12 +3234,12 @@
             </a:ln>
           </p:spPr>
           <p:txBody>
-            <a:bodyPr anchorCtr="0" anchor="ctr" bIns="91425" lIns="91425" spcFirstLastPara="1" rIns="91425" wrap="square" tIns="91425">
+            <a:bodyPr spcFirstLastPara="1" wrap="square" lIns="91425" tIns="91425" rIns="91425" bIns="91425" anchor="ctr" anchorCtr="0">
               <a:noAutofit/>
             </a:bodyPr>
             <a:lstStyle/>
             <a:p>
-              <a:pPr indent="0" lvl="0" marL="0" rtl="0" algn="l">
+              <a:pPr marL="0" lvl="0" indent="0" algn="l" rtl="0">
                 <a:spcBef>
                   <a:spcPts val="0"/>
                 </a:spcBef>
@@ -3262,9 +3248,6 @@
                 </a:spcAft>
                 <a:buNone/>
               </a:pPr>
-              <a:r>
-                <a:t/>
-              </a:r>
               <a:endParaRPr/>
             </a:p>
           </p:txBody>
@@ -3282,7 +3265,7 @@
             </a:xfrm>
             <a:prstGeom prst="parallelogram">
               <a:avLst>
-                <a:gd fmla="val 158024" name="adj"/>
+                <a:gd name="adj" fmla="val 158024"/>
               </a:avLst>
             </a:prstGeom>
             <a:solidFill>
@@ -3293,12 +3276,12 @@
             </a:ln>
           </p:spPr>
           <p:txBody>
-            <a:bodyPr anchorCtr="0" anchor="ctr" bIns="91425" lIns="91425" spcFirstLastPara="1" rIns="91425" wrap="square" tIns="91425">
+            <a:bodyPr spcFirstLastPara="1" wrap="square" lIns="91425" tIns="91425" rIns="91425" bIns="91425" anchor="ctr" anchorCtr="0">
               <a:noAutofit/>
             </a:bodyPr>
             <a:lstStyle/>
             <a:p>
-              <a:pPr indent="0" lvl="0" marL="0" rtl="0" algn="l">
+              <a:pPr marL="0" lvl="0" indent="0" algn="l" rtl="0">
                 <a:spcBef>
                   <a:spcPts val="0"/>
                 </a:spcBef>
@@ -3307,9 +3290,6 @@
                 </a:spcAft>
                 <a:buNone/>
               </a:pPr>
-              <a:r>
-                <a:t/>
-              </a:r>
               <a:endParaRPr/>
             </a:p>
           </p:txBody>
@@ -3327,7 +3307,7 @@
             </a:xfrm>
             <a:prstGeom prst="parallelogram">
               <a:avLst>
-                <a:gd fmla="val 158024" name="adj"/>
+                <a:gd name="adj" fmla="val 158024"/>
               </a:avLst>
             </a:prstGeom>
             <a:solidFill>
@@ -3338,12 +3318,12 @@
             </a:ln>
           </p:spPr>
           <p:txBody>
-            <a:bodyPr anchorCtr="0" anchor="ctr" bIns="91425" lIns="91425" spcFirstLastPara="1" rIns="91425" wrap="square" tIns="91425">
+            <a:bodyPr spcFirstLastPara="1" wrap="square" lIns="91425" tIns="91425" rIns="91425" bIns="91425" anchor="ctr" anchorCtr="0">
               <a:noAutofit/>
             </a:bodyPr>
             <a:lstStyle/>
             <a:p>
-              <a:pPr indent="0" lvl="0" marL="0" rtl="0" algn="l">
+              <a:pPr marL="0" lvl="0" indent="0" algn="l" rtl="0">
                 <a:spcBef>
                   <a:spcPts val="0"/>
                 </a:spcBef>
@@ -3352,9 +3332,6 @@
                 </a:spcAft>
                 <a:buNone/>
               </a:pPr>
-              <a:r>
-                <a:t/>
-              </a:r>
               <a:endParaRPr/>
             </a:p>
           </p:txBody>
@@ -3387,7 +3364,7 @@
             </a:xfrm>
             <a:prstGeom prst="parallelogram">
               <a:avLst>
-                <a:gd fmla="val 158024" name="adj"/>
+                <a:gd name="adj" fmla="val 158024"/>
               </a:avLst>
             </a:prstGeom>
             <a:solidFill>
@@ -3398,12 +3375,12 @@
             </a:ln>
           </p:spPr>
           <p:txBody>
-            <a:bodyPr anchorCtr="0" anchor="ctr" bIns="91425" lIns="91425" spcFirstLastPara="1" rIns="91425" wrap="square" tIns="91425">
+            <a:bodyPr spcFirstLastPara="1" wrap="square" lIns="91425" tIns="91425" rIns="91425" bIns="91425" anchor="ctr" anchorCtr="0">
               <a:noAutofit/>
             </a:bodyPr>
             <a:lstStyle/>
             <a:p>
-              <a:pPr indent="0" lvl="0" marL="0" rtl="0" algn="l">
+              <a:pPr marL="0" lvl="0" indent="0" algn="l" rtl="0">
                 <a:spcBef>
                   <a:spcPts val="0"/>
                 </a:spcBef>
@@ -3412,9 +3389,6 @@
                 </a:spcAft>
                 <a:buNone/>
               </a:pPr>
-              <a:r>
-                <a:t/>
-              </a:r>
               <a:endParaRPr/>
             </a:p>
           </p:txBody>
@@ -3432,7 +3406,7 @@
             </a:xfrm>
             <a:prstGeom prst="parallelogram">
               <a:avLst>
-                <a:gd fmla="val 158024" name="adj"/>
+                <a:gd name="adj" fmla="val 158024"/>
               </a:avLst>
             </a:prstGeom>
             <a:solidFill>
@@ -3443,12 +3417,12 @@
             </a:ln>
           </p:spPr>
           <p:txBody>
-            <a:bodyPr anchorCtr="0" anchor="ctr" bIns="91425" lIns="91425" spcFirstLastPara="1" rIns="91425" wrap="square" tIns="91425">
+            <a:bodyPr spcFirstLastPara="1" wrap="square" lIns="91425" tIns="91425" rIns="91425" bIns="91425" anchor="ctr" anchorCtr="0">
               <a:noAutofit/>
             </a:bodyPr>
             <a:lstStyle/>
             <a:p>
-              <a:pPr indent="0" lvl="0" marL="0" rtl="0" algn="l">
+              <a:pPr marL="0" lvl="0" indent="0" algn="l" rtl="0">
                 <a:spcBef>
                   <a:spcPts val="0"/>
                 </a:spcBef>
@@ -3457,9 +3431,6 @@
                 </a:spcAft>
                 <a:buNone/>
               </a:pPr>
-              <a:r>
-                <a:t/>
-              </a:r>
               <a:endParaRPr/>
             </a:p>
           </p:txBody>
@@ -3477,7 +3448,7 @@
             </a:xfrm>
             <a:prstGeom prst="parallelogram">
               <a:avLst>
-                <a:gd fmla="val 158024" name="adj"/>
+                <a:gd name="adj" fmla="val 158024"/>
               </a:avLst>
             </a:prstGeom>
             <a:solidFill>
@@ -3488,12 +3459,12 @@
             </a:ln>
           </p:spPr>
           <p:txBody>
-            <a:bodyPr anchorCtr="0" anchor="ctr" bIns="91425" lIns="91425" spcFirstLastPara="1" rIns="91425" wrap="square" tIns="91425">
+            <a:bodyPr spcFirstLastPara="1" wrap="square" lIns="91425" tIns="91425" rIns="91425" bIns="91425" anchor="ctr" anchorCtr="0">
               <a:noAutofit/>
             </a:bodyPr>
             <a:lstStyle/>
             <a:p>
-              <a:pPr indent="0" lvl="0" marL="0" rtl="0" algn="l">
+              <a:pPr marL="0" lvl="0" indent="0" algn="l" rtl="0">
                 <a:spcBef>
                   <a:spcPts val="0"/>
                 </a:spcBef>
@@ -3502,9 +3473,6 @@
                 </a:spcAft>
                 <a:buNone/>
               </a:pPr>
-              <a:r>
-                <a:t/>
-              </a:r>
               <a:endParaRPr/>
             </a:p>
           </p:txBody>
@@ -3513,7 +3481,9 @@
       <p:sp>
         <p:nvSpPr>
           <p:cNvPr id="47" name="Google Shape;47;p3"/>
-          <p:cNvSpPr txBox="1"/>
+          <p:cNvSpPr txBox="1">
+            <a:spLocks noGrp="1"/>
+          </p:cNvSpPr>
           <p:nvPr>
             <p:ph type="title"/>
           </p:nvPr>
@@ -3528,7 +3498,7 @@
           </a:prstGeom>
         </p:spPr>
         <p:txBody>
-          <a:bodyPr anchorCtr="0" anchor="ctr" bIns="91425" lIns="91425" spcFirstLastPara="1" rIns="91425" wrap="square" tIns="91425">
+          <a:bodyPr spcFirstLastPara="1" wrap="square" lIns="91425" tIns="91425" rIns="91425" bIns="91425" anchor="ctr" anchorCtr="0">
             <a:normAutofit/>
           </a:bodyPr>
           <a:lstStyle>
@@ -3695,15 +3665,19 @@
               </a:defRPr>
             </a:lvl9pPr>
           </a:lstStyle>
-          <a:p/>
+          <a:p>
+            <a:endParaRPr/>
+          </a:p>
         </p:txBody>
       </p:sp>
       <p:sp>
         <p:nvSpPr>
           <p:cNvPr id="48" name="Google Shape;48;p3"/>
-          <p:cNvSpPr txBox="1"/>
+          <p:cNvSpPr txBox="1">
+            <a:spLocks noGrp="1"/>
+          </p:cNvSpPr>
           <p:nvPr>
-            <p:ph idx="12" type="sldNum"/>
+            <p:ph type="sldNum" idx="12"/>
           </p:nvPr>
         </p:nvSpPr>
         <p:spPr>
@@ -3716,7 +3690,7 @@
           </a:prstGeom>
         </p:spPr>
         <p:txBody>
-          <a:bodyPr anchorCtr="0" anchor="ctr" bIns="91425" lIns="91425" spcFirstLastPara="1" rIns="91425" wrap="square" tIns="91425">
+          <a:bodyPr spcFirstLastPara="1" wrap="square" lIns="91425" tIns="91425" rIns="91425" bIns="91425" anchor="ctr" anchorCtr="0">
             <a:normAutofit/>
           </a:bodyPr>
           <a:lstStyle>
@@ -3758,7 +3732,7 @@
             </a:lvl9pPr>
           </a:lstStyle>
           <a:p>
-            <a:pPr indent="0" lvl="0" marL="0" rtl="0" algn="r">
+            <a:pPr marL="0" lvl="0" indent="0" algn="r" rtl="0">
               <a:spcBef>
                 <a:spcPts val="0"/>
               </a:spcBef>
@@ -3784,18 +3758,19 @@
 </file>
 
 <file path=ppt/slideLayouts/slideLayout3.xml><?xml version="1.0" encoding="utf-8"?>
-<p:sldLayout xmlns:a="http://schemas.openxmlformats.org/drawingml/2006/main" xmlns:r="http://schemas.openxmlformats.org/officeDocument/2006/relationships" xmlns:mc="http://schemas.openxmlformats.org/markup-compatibility/2006" xmlns:mv="urn:schemas-microsoft-com:mac:vml" xmlns:p="http://schemas.openxmlformats.org/presentationml/2006/main" xmlns:c="http://schemas.openxmlformats.org/drawingml/2006/chart" xmlns:dgm="http://schemas.openxmlformats.org/drawingml/2006/diagram" xmlns:o="urn:schemas-microsoft-com:office:office" xmlns:v="urn:schemas-microsoft-com:vml" xmlns:pvml="urn:schemas-microsoft-com:office:powerpoint" xmlns:com="http://schemas.openxmlformats.org/drawingml/2006/compatibility" xmlns:p14="http://schemas.microsoft.com/office/powerpoint/2010/main" xmlns:p15="http://schemas.microsoft.com/office/powerpoint/2012/main" xmlns:ahyp="http://schemas.microsoft.com/office/drawing/2018/hyperlinkcolor" matchingName="Title and body" type="tx">
+<p:sldLayout xmlns:a="http://schemas.openxmlformats.org/drawingml/2006/main" xmlns:r="http://schemas.openxmlformats.org/officeDocument/2006/relationships" xmlns:p="http://schemas.openxmlformats.org/presentationml/2006/main" matchingName="Title and body" type="tx">
   <p:cSld name="TITLE_AND_BODY">
     <p:bg>
       <p:bgPr>
         <a:solidFill>
           <a:schemeClr val="dk2"/>
         </a:solidFill>
+        <a:effectLst/>
       </p:bgPr>
     </p:bg>
     <p:spTree>
       <p:nvGrpSpPr>
-        <p:cNvPr id="49" name="Shape 49"/>
+        <p:cNvPr id="1" name="Shape 49"/>
         <p:cNvGrpSpPr/>
         <p:nvPr/>
       </p:nvGrpSpPr>
@@ -3829,12 +3804,12 @@
           </a:ln>
         </p:spPr>
         <p:txBody>
-          <a:bodyPr anchorCtr="0" anchor="ctr" bIns="91425" lIns="91425" spcFirstLastPara="1" rIns="91425" wrap="square" tIns="91425">
+          <a:bodyPr spcFirstLastPara="1" wrap="square" lIns="91425" tIns="91425" rIns="91425" bIns="91425" anchor="ctr" anchorCtr="0">
             <a:noAutofit/>
           </a:bodyPr>
           <a:lstStyle/>
           <a:p>
-            <a:pPr indent="0" lvl="0" marL="0" rtl="0" algn="l">
+            <a:pPr marL="0" lvl="0" indent="0" algn="l" rtl="0">
               <a:spcBef>
                 <a:spcPts val="0"/>
               </a:spcBef>
@@ -3843,9 +3818,6 @@
               </a:spcAft>
               <a:buNone/>
             </a:pPr>
-            <a:r>
-              <a:t/>
-            </a:r>
             <a:endParaRPr/>
           </a:p>
         </p:txBody>
@@ -3872,12 +3844,12 @@
           </a:ln>
         </p:spPr>
         <p:txBody>
-          <a:bodyPr anchorCtr="0" anchor="ctr" bIns="91425" lIns="91425" spcFirstLastPara="1" rIns="91425" wrap="square" tIns="91425">
+          <a:bodyPr spcFirstLastPara="1" wrap="square" lIns="91425" tIns="91425" rIns="91425" bIns="91425" anchor="ctr" anchorCtr="0">
             <a:noAutofit/>
           </a:bodyPr>
           <a:lstStyle/>
           <a:p>
-            <a:pPr indent="0" lvl="0" marL="0" rtl="0" algn="l">
+            <a:pPr marL="0" lvl="0" indent="0" algn="l" rtl="0">
               <a:spcBef>
                 <a:spcPts val="0"/>
               </a:spcBef>
@@ -3886,9 +3858,6 @@
               </a:spcAft>
               <a:buNone/>
             </a:pPr>
-            <a:r>
-              <a:t/>
-            </a:r>
             <a:endParaRPr/>
           </a:p>
         </p:txBody>
@@ -3914,7 +3883,7 @@
             <a:noFill/>
           </a:ln>
           <a:effectLst>
-            <a:outerShdw blurRad="228600" sx="101000" rotWithShape="0" algn="ctr" sy="101000">
+            <a:outerShdw blurRad="228600" sx="101000" sy="101000" algn="ctr" rotWithShape="0">
               <a:srgbClr val="000000">
                 <a:alpha val="40000"/>
               </a:srgbClr>
@@ -3922,12 +3891,12 @@
           </a:effectLst>
         </p:spPr>
         <p:txBody>
-          <a:bodyPr anchorCtr="0" anchor="ctr" bIns="91425" lIns="91425" spcFirstLastPara="1" rIns="91425" wrap="square" tIns="91425">
+          <a:bodyPr spcFirstLastPara="1" wrap="square" lIns="91425" tIns="91425" rIns="91425" bIns="91425" anchor="ctr" anchorCtr="0">
             <a:noAutofit/>
           </a:bodyPr>
           <a:lstStyle/>
           <a:p>
-            <a:pPr indent="0" lvl="0" marL="0" rtl="0" algn="l">
+            <a:pPr marL="0" lvl="0" indent="0" algn="l" rtl="0">
               <a:spcBef>
                 <a:spcPts val="0"/>
               </a:spcBef>
@@ -3936,9 +3905,6 @@
               </a:spcAft>
               <a:buNone/>
             </a:pPr>
-            <a:r>
-              <a:t/>
-            </a:r>
             <a:endParaRPr/>
           </a:p>
         </p:txBody>
@@ -3946,7 +3912,9 @@
       <p:sp>
         <p:nvSpPr>
           <p:cNvPr id="53" name="Google Shape;53;p4"/>
-          <p:cNvSpPr txBox="1"/>
+          <p:cNvSpPr txBox="1">
+            <a:spLocks noGrp="1"/>
+          </p:cNvSpPr>
           <p:nvPr>
             <p:ph type="title"/>
           </p:nvPr>
@@ -3961,7 +3929,7 @@
           </a:prstGeom>
         </p:spPr>
         <p:txBody>
-          <a:bodyPr anchorCtr="0" anchor="t" bIns="91425" lIns="91425" spcFirstLastPara="1" rIns="91425" wrap="square" tIns="91425">
+          <a:bodyPr spcFirstLastPara="1" wrap="square" lIns="91425" tIns="91425" rIns="91425" bIns="91425" anchor="t" anchorCtr="0">
             <a:normAutofit/>
           </a:bodyPr>
           <a:lstStyle>
@@ -4065,15 +4033,19 @@
               <a:defRPr sz="3000"/>
             </a:lvl9pPr>
           </a:lstStyle>
-          <a:p/>
+          <a:p>
+            <a:endParaRPr/>
+          </a:p>
         </p:txBody>
       </p:sp>
       <p:sp>
         <p:nvSpPr>
           <p:cNvPr id="54" name="Google Shape;54;p4"/>
-          <p:cNvSpPr txBox="1"/>
+          <p:cNvSpPr txBox="1">
+            <a:spLocks noGrp="1"/>
+          </p:cNvSpPr>
           <p:nvPr>
-            <p:ph idx="1" type="body"/>
+            <p:ph type="body" idx="1"/>
           </p:nvPr>
         </p:nvSpPr>
         <p:spPr>
@@ -4086,11 +4058,11 @@
           </a:prstGeom>
         </p:spPr>
         <p:txBody>
-          <a:bodyPr anchorCtr="0" anchor="t" bIns="91425" lIns="91425" spcFirstLastPara="1" rIns="91425" wrap="square" tIns="91425">
+          <a:bodyPr spcFirstLastPara="1" wrap="square" lIns="91425" tIns="91425" rIns="91425" bIns="91425" anchor="t" anchorCtr="0">
             <a:normAutofit/>
           </a:bodyPr>
           <a:lstStyle>
-            <a:lvl1pPr indent="-311150" lvl="0" marL="457200">
+            <a:lvl1pPr marL="457200" lvl="0" indent="-311150">
               <a:spcBef>
                 <a:spcPts val="0"/>
               </a:spcBef>
@@ -4101,7 +4073,7 @@
               <a:buChar char="●"/>
               <a:defRPr/>
             </a:lvl1pPr>
-            <a:lvl2pPr indent="-298450" lvl="1" marL="914400">
+            <a:lvl2pPr marL="914400" lvl="1" indent="-298450">
               <a:spcBef>
                 <a:spcPts val="0"/>
               </a:spcBef>
@@ -4112,7 +4084,7 @@
               <a:buChar char="○"/>
               <a:defRPr/>
             </a:lvl2pPr>
-            <a:lvl3pPr indent="-298450" lvl="2" marL="1371600">
+            <a:lvl3pPr marL="1371600" lvl="2" indent="-298450">
               <a:spcBef>
                 <a:spcPts val="0"/>
               </a:spcBef>
@@ -4123,7 +4095,7 @@
               <a:buChar char="■"/>
               <a:defRPr/>
             </a:lvl3pPr>
-            <a:lvl4pPr indent="-298450" lvl="3" marL="1828800">
+            <a:lvl4pPr marL="1828800" lvl="3" indent="-298450">
               <a:spcBef>
                 <a:spcPts val="0"/>
               </a:spcBef>
@@ -4134,7 +4106,7 @@
               <a:buChar char="●"/>
               <a:defRPr/>
             </a:lvl4pPr>
-            <a:lvl5pPr indent="-298450" lvl="4" marL="2286000">
+            <a:lvl5pPr marL="2286000" lvl="4" indent="-298450">
               <a:spcBef>
                 <a:spcPts val="0"/>
               </a:spcBef>
@@ -4145,7 +4117,7 @@
               <a:buChar char="○"/>
               <a:defRPr/>
             </a:lvl5pPr>
-            <a:lvl6pPr indent="-298450" lvl="5" marL="2743200">
+            <a:lvl6pPr marL="2743200" lvl="5" indent="-298450">
               <a:spcBef>
                 <a:spcPts val="0"/>
               </a:spcBef>
@@ -4156,7 +4128,7 @@
               <a:buChar char="■"/>
               <a:defRPr/>
             </a:lvl6pPr>
-            <a:lvl7pPr indent="-298450" lvl="6" marL="3200400">
+            <a:lvl7pPr marL="3200400" lvl="6" indent="-298450">
               <a:spcBef>
                 <a:spcPts val="0"/>
               </a:spcBef>
@@ -4167,7 +4139,7 @@
               <a:buChar char="●"/>
               <a:defRPr/>
             </a:lvl7pPr>
-            <a:lvl8pPr indent="-298450" lvl="7" marL="3657600">
+            <a:lvl8pPr marL="3657600" lvl="7" indent="-298450">
               <a:spcBef>
                 <a:spcPts val="0"/>
               </a:spcBef>
@@ -4178,7 +4150,7 @@
               <a:buChar char="○"/>
               <a:defRPr/>
             </a:lvl8pPr>
-            <a:lvl9pPr indent="-298450" lvl="8" marL="4114800">
+            <a:lvl9pPr marL="4114800" lvl="8" indent="-298450">
               <a:spcBef>
                 <a:spcPts val="0"/>
               </a:spcBef>
@@ -4190,15 +4162,19 @@
               <a:defRPr/>
             </a:lvl9pPr>
           </a:lstStyle>
-          <a:p/>
+          <a:p>
+            <a:endParaRPr/>
+          </a:p>
         </p:txBody>
       </p:sp>
       <p:sp>
         <p:nvSpPr>
           <p:cNvPr id="55" name="Google Shape;55;p4"/>
-          <p:cNvSpPr txBox="1"/>
+          <p:cNvSpPr txBox="1">
+            <a:spLocks noGrp="1"/>
+          </p:cNvSpPr>
           <p:nvPr>
-            <p:ph idx="12" type="sldNum"/>
+            <p:ph type="sldNum" idx="12"/>
           </p:nvPr>
         </p:nvSpPr>
         <p:spPr>
@@ -4211,7 +4187,7 @@
           </a:prstGeom>
         </p:spPr>
         <p:txBody>
-          <a:bodyPr anchorCtr="0" anchor="ctr" bIns="91425" lIns="91425" spcFirstLastPara="1" rIns="91425" wrap="square" tIns="91425">
+          <a:bodyPr spcFirstLastPara="1" wrap="square" lIns="91425" tIns="91425" rIns="91425" bIns="91425" anchor="ctr" anchorCtr="0">
             <a:normAutofit/>
           </a:bodyPr>
           <a:lstStyle>
@@ -4253,7 +4229,7 @@
             </a:lvl9pPr>
           </a:lstStyle>
           <a:p>
-            <a:pPr indent="0" lvl="0" marL="0" rtl="0" algn="r">
+            <a:pPr marL="0" lvl="0" indent="0" algn="r" rtl="0">
               <a:spcBef>
                 <a:spcPts val="0"/>
               </a:spcBef>
@@ -4279,18 +4255,19 @@
 </file>
 
 <file path=ppt/slideLayouts/slideLayout4.xml><?xml version="1.0" encoding="utf-8"?>
-<p:sldLayout xmlns:a="http://schemas.openxmlformats.org/drawingml/2006/main" xmlns:r="http://schemas.openxmlformats.org/officeDocument/2006/relationships" xmlns:mc="http://schemas.openxmlformats.org/markup-compatibility/2006" xmlns:mv="urn:schemas-microsoft-com:mac:vml" xmlns:p="http://schemas.openxmlformats.org/presentationml/2006/main" xmlns:c="http://schemas.openxmlformats.org/drawingml/2006/chart" xmlns:dgm="http://schemas.openxmlformats.org/drawingml/2006/diagram" xmlns:o="urn:schemas-microsoft-com:office:office" xmlns:v="urn:schemas-microsoft-com:vml" xmlns:pvml="urn:schemas-microsoft-com:office:powerpoint" xmlns:com="http://schemas.openxmlformats.org/drawingml/2006/compatibility" xmlns:p14="http://schemas.microsoft.com/office/powerpoint/2010/main" xmlns:p15="http://schemas.microsoft.com/office/powerpoint/2012/main" xmlns:ahyp="http://schemas.microsoft.com/office/drawing/2018/hyperlinkcolor" matchingName="Title and two columns" type="twoColTx">
+<p:sldLayout xmlns:a="http://schemas.openxmlformats.org/drawingml/2006/main" xmlns:r="http://schemas.openxmlformats.org/officeDocument/2006/relationships" xmlns:p="http://schemas.openxmlformats.org/presentationml/2006/main" matchingName="Title and two columns" type="twoColTx">
   <p:cSld name="TITLE_AND_TWO_COLUMNS">
     <p:bg>
       <p:bgPr>
         <a:solidFill>
           <a:schemeClr val="dk2"/>
         </a:solidFill>
+        <a:effectLst/>
       </p:bgPr>
     </p:bg>
     <p:spTree>
       <p:nvGrpSpPr>
-        <p:cNvPr id="56" name="Shape 56"/>
+        <p:cNvPr id="1" name="Shape 56"/>
         <p:cNvGrpSpPr/>
         <p:nvPr/>
       </p:nvGrpSpPr>
@@ -4324,12 +4301,12 @@
           </a:ln>
         </p:spPr>
         <p:txBody>
-          <a:bodyPr anchorCtr="0" anchor="ctr" bIns="91425" lIns="91425" spcFirstLastPara="1" rIns="91425" wrap="square" tIns="91425">
+          <a:bodyPr spcFirstLastPara="1" wrap="square" lIns="91425" tIns="91425" rIns="91425" bIns="91425" anchor="ctr" anchorCtr="0">
             <a:noAutofit/>
           </a:bodyPr>
           <a:lstStyle/>
           <a:p>
-            <a:pPr indent="0" lvl="0" marL="0" rtl="0" algn="l">
+            <a:pPr marL="0" lvl="0" indent="0" algn="l" rtl="0">
               <a:spcBef>
                 <a:spcPts val="0"/>
               </a:spcBef>
@@ -4338,9 +4315,6 @@
               </a:spcAft>
               <a:buNone/>
             </a:pPr>
-            <a:r>
-              <a:t/>
-            </a:r>
             <a:endParaRPr/>
           </a:p>
         </p:txBody>
@@ -4367,12 +4341,12 @@
           </a:ln>
         </p:spPr>
         <p:txBody>
-          <a:bodyPr anchorCtr="0" anchor="ctr" bIns="91425" lIns="91425" spcFirstLastPara="1" rIns="91425" wrap="square" tIns="91425">
+          <a:bodyPr spcFirstLastPara="1" wrap="square" lIns="91425" tIns="91425" rIns="91425" bIns="91425" anchor="ctr" anchorCtr="0">
             <a:noAutofit/>
           </a:bodyPr>
           <a:lstStyle/>
           <a:p>
-            <a:pPr indent="0" lvl="0" marL="0" rtl="0" algn="l">
+            <a:pPr marL="0" lvl="0" indent="0" algn="l" rtl="0">
               <a:spcBef>
                 <a:spcPts val="0"/>
               </a:spcBef>
@@ -4381,9 +4355,6 @@
               </a:spcAft>
               <a:buNone/>
             </a:pPr>
-            <a:r>
-              <a:t/>
-            </a:r>
             <a:endParaRPr/>
           </a:p>
         </p:txBody>
@@ -4409,7 +4380,7 @@
             <a:noFill/>
           </a:ln>
           <a:effectLst>
-            <a:outerShdw blurRad="228600" sx="101000" rotWithShape="0" algn="ctr" sy="101000">
+            <a:outerShdw blurRad="228600" sx="101000" sy="101000" algn="ctr" rotWithShape="0">
               <a:srgbClr val="000000">
                 <a:alpha val="40000"/>
               </a:srgbClr>
@@ -4417,12 +4388,12 @@
           </a:effectLst>
         </p:spPr>
         <p:txBody>
-          <a:bodyPr anchorCtr="0" anchor="ctr" bIns="91425" lIns="91425" spcFirstLastPara="1" rIns="91425" wrap="square" tIns="91425">
+          <a:bodyPr spcFirstLastPara="1" wrap="square" lIns="91425" tIns="91425" rIns="91425" bIns="91425" anchor="ctr" anchorCtr="0">
             <a:noAutofit/>
           </a:bodyPr>
           <a:lstStyle/>
           <a:p>
-            <a:pPr indent="0" lvl="0" marL="0" rtl="0" algn="l">
+            <a:pPr marL="0" lvl="0" indent="0" algn="l" rtl="0">
               <a:spcBef>
                 <a:spcPts val="0"/>
               </a:spcBef>
@@ -4431,9 +4402,6 @@
               </a:spcAft>
               <a:buNone/>
             </a:pPr>
-            <a:r>
-              <a:t/>
-            </a:r>
             <a:endParaRPr/>
           </a:p>
         </p:txBody>
@@ -4441,7 +4409,9 @@
       <p:sp>
         <p:nvSpPr>
           <p:cNvPr id="60" name="Google Shape;60;p5"/>
-          <p:cNvSpPr txBox="1"/>
+          <p:cNvSpPr txBox="1">
+            <a:spLocks noGrp="1"/>
+          </p:cNvSpPr>
           <p:nvPr>
             <p:ph type="title"/>
           </p:nvPr>
@@ -4456,7 +4426,7 @@
           </a:prstGeom>
         </p:spPr>
         <p:txBody>
-          <a:bodyPr anchorCtr="0" anchor="t" bIns="91425" lIns="91425" spcFirstLastPara="1" rIns="91425" wrap="square" tIns="91425">
+          <a:bodyPr spcFirstLastPara="1" wrap="square" lIns="91425" tIns="91425" rIns="91425" bIns="91425" anchor="t" anchorCtr="0">
             <a:normAutofit/>
           </a:bodyPr>
           <a:lstStyle>
@@ -4560,15 +4530,19 @@
               <a:defRPr sz="3000"/>
             </a:lvl9pPr>
           </a:lstStyle>
-          <a:p/>
+          <a:p>
+            <a:endParaRPr/>
+          </a:p>
         </p:txBody>
       </p:sp>
       <p:sp>
         <p:nvSpPr>
           <p:cNvPr id="61" name="Google Shape;61;p5"/>
-          <p:cNvSpPr txBox="1"/>
+          <p:cNvSpPr txBox="1">
+            <a:spLocks noGrp="1"/>
+          </p:cNvSpPr>
           <p:nvPr>
-            <p:ph idx="1" type="body"/>
+            <p:ph type="body" idx="1"/>
           </p:nvPr>
         </p:nvSpPr>
         <p:spPr>
@@ -4581,11 +4555,11 @@
           </a:prstGeom>
         </p:spPr>
         <p:txBody>
-          <a:bodyPr anchorCtr="0" anchor="t" bIns="91425" lIns="91425" spcFirstLastPara="1" rIns="91425" wrap="square" tIns="91425">
+          <a:bodyPr spcFirstLastPara="1" wrap="square" lIns="91425" tIns="91425" rIns="91425" bIns="91425" anchor="t" anchorCtr="0">
             <a:normAutofit/>
           </a:bodyPr>
           <a:lstStyle>
-            <a:lvl1pPr indent="-311150" lvl="0" marL="457200">
+            <a:lvl1pPr marL="457200" lvl="0" indent="-311150">
               <a:spcBef>
                 <a:spcPts val="0"/>
               </a:spcBef>
@@ -4596,7 +4570,7 @@
               <a:buChar char="●"/>
               <a:defRPr/>
             </a:lvl1pPr>
-            <a:lvl2pPr indent="-298450" lvl="1" marL="914400">
+            <a:lvl2pPr marL="914400" lvl="1" indent="-298450">
               <a:spcBef>
                 <a:spcPts val="0"/>
               </a:spcBef>
@@ -4607,7 +4581,7 @@
               <a:buChar char="○"/>
               <a:defRPr/>
             </a:lvl2pPr>
-            <a:lvl3pPr indent="-298450" lvl="2" marL="1371600">
+            <a:lvl3pPr marL="1371600" lvl="2" indent="-298450">
               <a:spcBef>
                 <a:spcPts val="0"/>
               </a:spcBef>
@@ -4618,7 +4592,7 @@
               <a:buChar char="■"/>
               <a:defRPr/>
             </a:lvl3pPr>
-            <a:lvl4pPr indent="-298450" lvl="3" marL="1828800">
+            <a:lvl4pPr marL="1828800" lvl="3" indent="-298450">
               <a:spcBef>
                 <a:spcPts val="0"/>
               </a:spcBef>
@@ -4629,7 +4603,7 @@
               <a:buChar char="●"/>
               <a:defRPr/>
             </a:lvl4pPr>
-            <a:lvl5pPr indent="-298450" lvl="4" marL="2286000">
+            <a:lvl5pPr marL="2286000" lvl="4" indent="-298450">
               <a:spcBef>
                 <a:spcPts val="0"/>
               </a:spcBef>
@@ -4640,7 +4614,7 @@
               <a:buChar char="○"/>
               <a:defRPr/>
             </a:lvl5pPr>
-            <a:lvl6pPr indent="-298450" lvl="5" marL="2743200">
+            <a:lvl6pPr marL="2743200" lvl="5" indent="-298450">
               <a:spcBef>
                 <a:spcPts val="0"/>
               </a:spcBef>
@@ -4651,7 +4625,7 @@
               <a:buChar char="■"/>
               <a:defRPr/>
             </a:lvl6pPr>
-            <a:lvl7pPr indent="-298450" lvl="6" marL="3200400">
+            <a:lvl7pPr marL="3200400" lvl="6" indent="-298450">
               <a:spcBef>
                 <a:spcPts val="0"/>
               </a:spcBef>
@@ -4662,7 +4636,7 @@
               <a:buChar char="●"/>
               <a:defRPr/>
             </a:lvl7pPr>
-            <a:lvl8pPr indent="-298450" lvl="7" marL="3657600">
+            <a:lvl8pPr marL="3657600" lvl="7" indent="-298450">
               <a:spcBef>
                 <a:spcPts val="0"/>
               </a:spcBef>
@@ -4673,7 +4647,7 @@
               <a:buChar char="○"/>
               <a:defRPr/>
             </a:lvl8pPr>
-            <a:lvl9pPr indent="-298450" lvl="8" marL="4114800">
+            <a:lvl9pPr marL="4114800" lvl="8" indent="-298450">
               <a:spcBef>
                 <a:spcPts val="0"/>
               </a:spcBef>
@@ -4685,15 +4659,19 @@
               <a:defRPr/>
             </a:lvl9pPr>
           </a:lstStyle>
-          <a:p/>
+          <a:p>
+            <a:endParaRPr/>
+          </a:p>
         </p:txBody>
       </p:sp>
       <p:sp>
         <p:nvSpPr>
           <p:cNvPr id="62" name="Google Shape;62;p5"/>
-          <p:cNvSpPr txBox="1"/>
+          <p:cNvSpPr txBox="1">
+            <a:spLocks noGrp="1"/>
+          </p:cNvSpPr>
           <p:nvPr>
-            <p:ph idx="2" type="body"/>
+            <p:ph type="body" idx="2"/>
           </p:nvPr>
         </p:nvSpPr>
         <p:spPr>
@@ -4706,11 +4684,11 @@
           </a:prstGeom>
         </p:spPr>
         <p:txBody>
-          <a:bodyPr anchorCtr="0" anchor="t" bIns="91425" lIns="91425" spcFirstLastPara="1" rIns="91425" wrap="square" tIns="91425">
+          <a:bodyPr spcFirstLastPara="1" wrap="square" lIns="91425" tIns="91425" rIns="91425" bIns="91425" anchor="t" anchorCtr="0">
             <a:normAutofit/>
           </a:bodyPr>
           <a:lstStyle>
-            <a:lvl1pPr indent="-311150" lvl="0" marL="457200">
+            <a:lvl1pPr marL="457200" lvl="0" indent="-311150">
               <a:spcBef>
                 <a:spcPts val="0"/>
               </a:spcBef>
@@ -4721,7 +4699,7 @@
               <a:buChar char="●"/>
               <a:defRPr/>
             </a:lvl1pPr>
-            <a:lvl2pPr indent="-298450" lvl="1" marL="914400">
+            <a:lvl2pPr marL="914400" lvl="1" indent="-298450">
               <a:spcBef>
                 <a:spcPts val="0"/>
               </a:spcBef>
@@ -4732,7 +4710,7 @@
               <a:buChar char="○"/>
               <a:defRPr/>
             </a:lvl2pPr>
-            <a:lvl3pPr indent="-298450" lvl="2" marL="1371600">
+            <a:lvl3pPr marL="1371600" lvl="2" indent="-298450">
               <a:spcBef>
                 <a:spcPts val="0"/>
               </a:spcBef>
@@ -4743,7 +4721,7 @@
               <a:buChar char="■"/>
               <a:defRPr/>
             </a:lvl3pPr>
-            <a:lvl4pPr indent="-298450" lvl="3" marL="1828800">
+            <a:lvl4pPr marL="1828800" lvl="3" indent="-298450">
               <a:spcBef>
                 <a:spcPts val="0"/>
               </a:spcBef>
@@ -4754,7 +4732,7 @@
               <a:buChar char="●"/>
               <a:defRPr/>
             </a:lvl4pPr>
-            <a:lvl5pPr indent="-298450" lvl="4" marL="2286000">
+            <a:lvl5pPr marL="2286000" lvl="4" indent="-298450">
               <a:spcBef>
                 <a:spcPts val="0"/>
               </a:spcBef>
@@ -4765,7 +4743,7 @@
               <a:buChar char="○"/>
               <a:defRPr/>
             </a:lvl5pPr>
-            <a:lvl6pPr indent="-298450" lvl="5" marL="2743200">
+            <a:lvl6pPr marL="2743200" lvl="5" indent="-298450">
               <a:spcBef>
                 <a:spcPts val="0"/>
               </a:spcBef>
@@ -4776,7 +4754,7 @@
               <a:buChar char="■"/>
               <a:defRPr/>
             </a:lvl6pPr>
-            <a:lvl7pPr indent="-298450" lvl="6" marL="3200400">
+            <a:lvl7pPr marL="3200400" lvl="6" indent="-298450">
               <a:spcBef>
                 <a:spcPts val="0"/>
               </a:spcBef>
@@ -4787,7 +4765,7 @@
               <a:buChar char="●"/>
               <a:defRPr/>
             </a:lvl7pPr>
-            <a:lvl8pPr indent="-298450" lvl="7" marL="3657600">
+            <a:lvl8pPr marL="3657600" lvl="7" indent="-298450">
               <a:spcBef>
                 <a:spcPts val="0"/>
               </a:spcBef>
@@ -4798,7 +4776,7 @@
               <a:buChar char="○"/>
               <a:defRPr/>
             </a:lvl8pPr>
-            <a:lvl9pPr indent="-298450" lvl="8" marL="4114800">
+            <a:lvl9pPr marL="4114800" lvl="8" indent="-298450">
               <a:spcBef>
                 <a:spcPts val="0"/>
               </a:spcBef>
@@ -4810,15 +4788,19 @@
               <a:defRPr/>
             </a:lvl9pPr>
           </a:lstStyle>
-          <a:p/>
+          <a:p>
+            <a:endParaRPr/>
+          </a:p>
         </p:txBody>
       </p:sp>
       <p:sp>
         <p:nvSpPr>
           <p:cNvPr id="63" name="Google Shape;63;p5"/>
-          <p:cNvSpPr txBox="1"/>
+          <p:cNvSpPr txBox="1">
+            <a:spLocks noGrp="1"/>
+          </p:cNvSpPr>
           <p:nvPr>
-            <p:ph idx="12" type="sldNum"/>
+            <p:ph type="sldNum" idx="12"/>
           </p:nvPr>
         </p:nvSpPr>
         <p:spPr>
@@ -4831,7 +4813,7 @@
           </a:prstGeom>
         </p:spPr>
         <p:txBody>
-          <a:bodyPr anchorCtr="0" anchor="ctr" bIns="91425" lIns="91425" spcFirstLastPara="1" rIns="91425" wrap="square" tIns="91425">
+          <a:bodyPr spcFirstLastPara="1" wrap="square" lIns="91425" tIns="91425" rIns="91425" bIns="91425" anchor="ctr" anchorCtr="0">
             <a:normAutofit/>
           </a:bodyPr>
           <a:lstStyle>
@@ -4873,7 +4855,7 @@
             </a:lvl9pPr>
           </a:lstStyle>
           <a:p>
-            <a:pPr indent="0" lvl="0" marL="0" rtl="0" algn="r">
+            <a:pPr marL="0" lvl="0" indent="0" algn="r" rtl="0">
               <a:spcBef>
                 <a:spcPts val="0"/>
               </a:spcBef>
@@ -4899,18 +4881,19 @@
 </file>
 
 <file path=ppt/slideLayouts/slideLayout5.xml><?xml version="1.0" encoding="utf-8"?>
-<p:sldLayout xmlns:a="http://schemas.openxmlformats.org/drawingml/2006/main" xmlns:r="http://schemas.openxmlformats.org/officeDocument/2006/relationships" xmlns:mc="http://schemas.openxmlformats.org/markup-compatibility/2006" xmlns:mv="urn:schemas-microsoft-com:mac:vml" xmlns:p="http://schemas.openxmlformats.org/presentationml/2006/main" xmlns:c="http://schemas.openxmlformats.org/drawingml/2006/chart" xmlns:dgm="http://schemas.openxmlformats.org/drawingml/2006/diagram" xmlns:o="urn:schemas-microsoft-com:office:office" xmlns:v="urn:schemas-microsoft-com:vml" xmlns:pvml="urn:schemas-microsoft-com:office:powerpoint" xmlns:com="http://schemas.openxmlformats.org/drawingml/2006/compatibility" xmlns:p14="http://schemas.microsoft.com/office/powerpoint/2010/main" xmlns:p15="http://schemas.microsoft.com/office/powerpoint/2012/main" xmlns:ahyp="http://schemas.microsoft.com/office/drawing/2018/hyperlinkcolor" matchingName="Title only" type="titleOnly">
+<p:sldLayout xmlns:a="http://schemas.openxmlformats.org/drawingml/2006/main" xmlns:r="http://schemas.openxmlformats.org/officeDocument/2006/relationships" xmlns:p="http://schemas.openxmlformats.org/presentationml/2006/main" matchingName="Title only" type="titleOnly">
   <p:cSld name="TITLE_ONLY">
     <p:bg>
       <p:bgPr>
         <a:solidFill>
           <a:schemeClr val="dk2"/>
         </a:solidFill>
+        <a:effectLst/>
       </p:bgPr>
     </p:bg>
     <p:spTree>
       <p:nvGrpSpPr>
-        <p:cNvPr id="64" name="Shape 64"/>
+        <p:cNvPr id="1" name="Shape 64"/>
         <p:cNvGrpSpPr/>
         <p:nvPr/>
       </p:nvGrpSpPr>
@@ -4944,12 +4927,12 @@
           </a:ln>
         </p:spPr>
         <p:txBody>
-          <a:bodyPr anchorCtr="0" anchor="ctr" bIns="91425" lIns="91425" spcFirstLastPara="1" rIns="91425" wrap="square" tIns="91425">
+          <a:bodyPr spcFirstLastPara="1" wrap="square" lIns="91425" tIns="91425" rIns="91425" bIns="91425" anchor="ctr" anchorCtr="0">
             <a:noAutofit/>
           </a:bodyPr>
           <a:lstStyle/>
           <a:p>
-            <a:pPr indent="0" lvl="0" marL="0" rtl="0" algn="l">
+            <a:pPr marL="0" lvl="0" indent="0" algn="l" rtl="0">
               <a:spcBef>
                 <a:spcPts val="0"/>
               </a:spcBef>
@@ -4958,9 +4941,6 @@
               </a:spcAft>
               <a:buNone/>
             </a:pPr>
-            <a:r>
-              <a:t/>
-            </a:r>
             <a:endParaRPr/>
           </a:p>
         </p:txBody>
@@ -4987,12 +4967,12 @@
           </a:ln>
         </p:spPr>
         <p:txBody>
-          <a:bodyPr anchorCtr="0" anchor="ctr" bIns="91425" lIns="91425" spcFirstLastPara="1" rIns="91425" wrap="square" tIns="91425">
+          <a:bodyPr spcFirstLastPara="1" wrap="square" lIns="91425" tIns="91425" rIns="91425" bIns="91425" anchor="ctr" anchorCtr="0">
             <a:noAutofit/>
           </a:bodyPr>
           <a:lstStyle/>
           <a:p>
-            <a:pPr indent="0" lvl="0" marL="0" rtl="0" algn="l">
+            <a:pPr marL="0" lvl="0" indent="0" algn="l" rtl="0">
               <a:spcBef>
                 <a:spcPts val="0"/>
               </a:spcBef>
@@ -5001,9 +4981,6 @@
               </a:spcAft>
               <a:buNone/>
             </a:pPr>
-            <a:r>
-              <a:t/>
-            </a:r>
             <a:endParaRPr/>
           </a:p>
         </p:txBody>
@@ -5029,7 +5006,7 @@
             <a:noFill/>
           </a:ln>
           <a:effectLst>
-            <a:outerShdw blurRad="228600" sx="101000" rotWithShape="0" algn="ctr" sy="101000">
+            <a:outerShdw blurRad="228600" sx="101000" sy="101000" algn="ctr" rotWithShape="0">
               <a:srgbClr val="000000">
                 <a:alpha val="40000"/>
               </a:srgbClr>
@@ -5037,12 +5014,12 @@
           </a:effectLst>
         </p:spPr>
         <p:txBody>
-          <a:bodyPr anchorCtr="0" anchor="ctr" bIns="91425" lIns="91425" spcFirstLastPara="1" rIns="91425" wrap="square" tIns="91425">
+          <a:bodyPr spcFirstLastPara="1" wrap="square" lIns="91425" tIns="91425" rIns="91425" bIns="91425" anchor="ctr" anchorCtr="0">
             <a:noAutofit/>
           </a:bodyPr>
           <a:lstStyle/>
           <a:p>
-            <a:pPr indent="0" lvl="0" marL="0" rtl="0" algn="l">
+            <a:pPr marL="0" lvl="0" indent="0" algn="l" rtl="0">
               <a:spcBef>
                 <a:spcPts val="0"/>
               </a:spcBef>
@@ -5051,9 +5028,6 @@
               </a:spcAft>
               <a:buNone/>
             </a:pPr>
-            <a:r>
-              <a:t/>
-            </a:r>
             <a:endParaRPr/>
           </a:p>
         </p:txBody>
@@ -5061,7 +5035,9 @@
       <p:sp>
         <p:nvSpPr>
           <p:cNvPr id="68" name="Google Shape;68;p6"/>
-          <p:cNvSpPr txBox="1"/>
+          <p:cNvSpPr txBox="1">
+            <a:spLocks noGrp="1"/>
+          </p:cNvSpPr>
           <p:nvPr>
             <p:ph type="title"/>
           </p:nvPr>
@@ -5076,7 +5052,7 @@
           </a:prstGeom>
         </p:spPr>
         <p:txBody>
-          <a:bodyPr anchorCtr="0" anchor="t" bIns="91425" lIns="91425" spcFirstLastPara="1" rIns="91425" wrap="square" tIns="91425">
+          <a:bodyPr spcFirstLastPara="1" wrap="square" lIns="91425" tIns="91425" rIns="91425" bIns="91425" anchor="t" anchorCtr="0">
             <a:normAutofit/>
           </a:bodyPr>
           <a:lstStyle>
@@ -5180,15 +5156,19 @@
               <a:defRPr sz="3000"/>
             </a:lvl9pPr>
           </a:lstStyle>
-          <a:p/>
+          <a:p>
+            <a:endParaRPr/>
+          </a:p>
         </p:txBody>
       </p:sp>
       <p:sp>
         <p:nvSpPr>
           <p:cNvPr id="69" name="Google Shape;69;p6"/>
-          <p:cNvSpPr txBox="1"/>
+          <p:cNvSpPr txBox="1">
+            <a:spLocks noGrp="1"/>
+          </p:cNvSpPr>
           <p:nvPr>
-            <p:ph idx="12" type="sldNum"/>
+            <p:ph type="sldNum" idx="12"/>
           </p:nvPr>
         </p:nvSpPr>
         <p:spPr>
@@ -5201,7 +5181,7 @@
           </a:prstGeom>
         </p:spPr>
         <p:txBody>
-          <a:bodyPr anchorCtr="0" anchor="ctr" bIns="91425" lIns="91425" spcFirstLastPara="1" rIns="91425" wrap="square" tIns="91425">
+          <a:bodyPr spcFirstLastPara="1" wrap="square" lIns="91425" tIns="91425" rIns="91425" bIns="91425" anchor="ctr" anchorCtr="0">
             <a:normAutofit/>
           </a:bodyPr>
           <a:lstStyle>
@@ -5243,7 +5223,7 @@
             </a:lvl9pPr>
           </a:lstStyle>
           <a:p>
-            <a:pPr indent="0" lvl="0" marL="0" rtl="0" algn="r">
+            <a:pPr marL="0" lvl="0" indent="0" algn="r" rtl="0">
               <a:spcBef>
                 <a:spcPts val="0"/>
               </a:spcBef>
@@ -5269,18 +5249,19 @@
 </file>
 
 <file path=ppt/slideLayouts/slideLayout6.xml><?xml version="1.0" encoding="utf-8"?>
-<p:sldLayout xmlns:a="http://schemas.openxmlformats.org/drawingml/2006/main" xmlns:r="http://schemas.openxmlformats.org/officeDocument/2006/relationships" xmlns:mc="http://schemas.openxmlformats.org/markup-compatibility/2006" xmlns:mv="urn:schemas-microsoft-com:mac:vml" xmlns:p="http://schemas.openxmlformats.org/presentationml/2006/main" xmlns:c="http://schemas.openxmlformats.org/drawingml/2006/chart" xmlns:dgm="http://schemas.openxmlformats.org/drawingml/2006/diagram" xmlns:o="urn:schemas-microsoft-com:office:office" xmlns:v="urn:schemas-microsoft-com:vml" xmlns:pvml="urn:schemas-microsoft-com:office:powerpoint" xmlns:com="http://schemas.openxmlformats.org/drawingml/2006/compatibility" xmlns:p14="http://schemas.microsoft.com/office/powerpoint/2010/main" xmlns:p15="http://schemas.microsoft.com/office/powerpoint/2012/main" xmlns:ahyp="http://schemas.microsoft.com/office/drawing/2018/hyperlinkcolor" matchingName="One column text">
+<p:sldLayout xmlns:a="http://schemas.openxmlformats.org/drawingml/2006/main" xmlns:r="http://schemas.openxmlformats.org/officeDocument/2006/relationships" xmlns:p="http://schemas.openxmlformats.org/presentationml/2006/main" matchingName="One column text">
   <p:cSld name="ONE_COLUMN_TEXT">
     <p:bg>
       <p:bgPr>
         <a:solidFill>
           <a:schemeClr val="accent3"/>
         </a:solidFill>
+        <a:effectLst/>
       </p:bgPr>
     </p:bg>
     <p:spTree>
       <p:nvGrpSpPr>
-        <p:cNvPr id="70" name="Shape 70"/>
+        <p:cNvPr id="1" name="Shape 70"/>
         <p:cNvGrpSpPr/>
         <p:nvPr/>
       </p:nvGrpSpPr>
@@ -5314,12 +5295,12 @@
           </a:ln>
         </p:spPr>
         <p:txBody>
-          <a:bodyPr anchorCtr="0" anchor="ctr" bIns="91425" lIns="91425" spcFirstLastPara="1" rIns="91425" wrap="square" tIns="91425">
+          <a:bodyPr spcFirstLastPara="1" wrap="square" lIns="91425" tIns="91425" rIns="91425" bIns="91425" anchor="ctr" anchorCtr="0">
             <a:noAutofit/>
           </a:bodyPr>
           <a:lstStyle/>
           <a:p>
-            <a:pPr indent="0" lvl="0" marL="0" rtl="0" algn="l">
+            <a:pPr marL="0" lvl="0" indent="0" algn="l" rtl="0">
               <a:spcBef>
                 <a:spcPts val="0"/>
               </a:spcBef>
@@ -5328,9 +5309,6 @@
               </a:spcAft>
               <a:buNone/>
             </a:pPr>
-            <a:r>
-              <a:t/>
-            </a:r>
             <a:endParaRPr/>
           </a:p>
         </p:txBody>
@@ -5357,12 +5335,12 @@
           </a:ln>
         </p:spPr>
         <p:txBody>
-          <a:bodyPr anchorCtr="0" anchor="ctr" bIns="91425" lIns="91425" spcFirstLastPara="1" rIns="91425" wrap="square" tIns="91425">
+          <a:bodyPr spcFirstLastPara="1" wrap="square" lIns="91425" tIns="91425" rIns="91425" bIns="91425" anchor="ctr" anchorCtr="0">
             <a:noAutofit/>
           </a:bodyPr>
           <a:lstStyle/>
           <a:p>
-            <a:pPr indent="0" lvl="0" marL="0" rtl="0" algn="l">
+            <a:pPr marL="0" lvl="0" indent="0" algn="l" rtl="0">
               <a:spcBef>
                 <a:spcPts val="0"/>
               </a:spcBef>
@@ -5371,9 +5349,6 @@
               </a:spcAft>
               <a:buNone/>
             </a:pPr>
-            <a:r>
-              <a:t/>
-            </a:r>
             <a:endParaRPr/>
           </a:p>
         </p:txBody>
@@ -5399,7 +5374,7 @@
             <a:noFill/>
           </a:ln>
           <a:effectLst>
-            <a:outerShdw blurRad="228600" sx="101000" rotWithShape="0" algn="ctr" sy="101000">
+            <a:outerShdw blurRad="228600" sx="101000" sy="101000" algn="ctr" rotWithShape="0">
               <a:srgbClr val="000000">
                 <a:alpha val="40000"/>
               </a:srgbClr>
@@ -5407,12 +5382,12 @@
           </a:effectLst>
         </p:spPr>
         <p:txBody>
-          <a:bodyPr anchorCtr="0" anchor="ctr" bIns="91425" lIns="91425" spcFirstLastPara="1" rIns="91425" wrap="square" tIns="91425">
+          <a:bodyPr spcFirstLastPara="1" wrap="square" lIns="91425" tIns="91425" rIns="91425" bIns="91425" anchor="ctr" anchorCtr="0">
             <a:noAutofit/>
           </a:bodyPr>
           <a:lstStyle/>
           <a:p>
-            <a:pPr indent="0" lvl="0" marL="0" rtl="0" algn="l">
+            <a:pPr marL="0" lvl="0" indent="0" algn="l" rtl="0">
               <a:spcBef>
                 <a:spcPts val="0"/>
               </a:spcBef>
@@ -5421,9 +5396,6 @@
               </a:spcAft>
               <a:buNone/>
             </a:pPr>
-            <a:r>
-              <a:t/>
-            </a:r>
             <a:endParaRPr/>
           </a:p>
         </p:txBody>
@@ -5431,7 +5403,9 @@
       <p:sp>
         <p:nvSpPr>
           <p:cNvPr id="74" name="Google Shape;74;p7"/>
-          <p:cNvSpPr txBox="1"/>
+          <p:cNvSpPr txBox="1">
+            <a:spLocks noGrp="1"/>
+          </p:cNvSpPr>
           <p:nvPr>
             <p:ph type="title"/>
           </p:nvPr>
@@ -5446,7 +5420,7 @@
           </a:prstGeom>
         </p:spPr>
         <p:txBody>
-          <a:bodyPr anchorCtr="0" anchor="t" bIns="91425" lIns="91425" spcFirstLastPara="1" rIns="91425" wrap="square" tIns="91425">
+          <a:bodyPr spcFirstLastPara="1" wrap="square" lIns="91425" tIns="91425" rIns="91425" bIns="91425" anchor="t" anchorCtr="0">
             <a:normAutofit/>
           </a:bodyPr>
           <a:lstStyle>
@@ -5550,15 +5524,19 @@
               <a:defRPr sz="3000"/>
             </a:lvl9pPr>
           </a:lstStyle>
-          <a:p/>
+          <a:p>
+            <a:endParaRPr/>
+          </a:p>
         </p:txBody>
       </p:sp>
       <p:sp>
         <p:nvSpPr>
           <p:cNvPr id="75" name="Google Shape;75;p7"/>
-          <p:cNvSpPr txBox="1"/>
+          <p:cNvSpPr txBox="1">
+            <a:spLocks noGrp="1"/>
+          </p:cNvSpPr>
           <p:nvPr>
-            <p:ph idx="1" type="body"/>
+            <p:ph type="body" idx="1"/>
           </p:nvPr>
         </p:nvSpPr>
         <p:spPr>
@@ -5571,11 +5549,11 @@
           </a:prstGeom>
         </p:spPr>
         <p:txBody>
-          <a:bodyPr anchorCtr="0" anchor="t" bIns="91425" lIns="91425" spcFirstLastPara="1" rIns="91425" wrap="square" tIns="91425">
+          <a:bodyPr spcFirstLastPara="1" wrap="square" lIns="91425" tIns="91425" rIns="91425" bIns="91425" anchor="t" anchorCtr="0">
             <a:normAutofit/>
           </a:bodyPr>
           <a:lstStyle>
-            <a:lvl1pPr indent="-311150" lvl="0" marL="457200">
+            <a:lvl1pPr marL="457200" lvl="0" indent="-311150">
               <a:spcBef>
                 <a:spcPts val="0"/>
               </a:spcBef>
@@ -5586,7 +5564,7 @@
               <a:buChar char="●"/>
               <a:defRPr/>
             </a:lvl1pPr>
-            <a:lvl2pPr indent="-298450" lvl="1" marL="914400">
+            <a:lvl2pPr marL="914400" lvl="1" indent="-298450">
               <a:spcBef>
                 <a:spcPts val="0"/>
               </a:spcBef>
@@ -5597,7 +5575,7 @@
               <a:buChar char="○"/>
               <a:defRPr/>
             </a:lvl2pPr>
-            <a:lvl3pPr indent="-298450" lvl="2" marL="1371600">
+            <a:lvl3pPr marL="1371600" lvl="2" indent="-298450">
               <a:spcBef>
                 <a:spcPts val="0"/>
               </a:spcBef>
@@ -5608,7 +5586,7 @@
               <a:buChar char="■"/>
               <a:defRPr/>
             </a:lvl3pPr>
-            <a:lvl4pPr indent="-298450" lvl="3" marL="1828800">
+            <a:lvl4pPr marL="1828800" lvl="3" indent="-298450">
               <a:spcBef>
                 <a:spcPts val="0"/>
               </a:spcBef>
@@ -5619,7 +5597,7 @@
               <a:buChar char="●"/>
               <a:defRPr/>
             </a:lvl4pPr>
-            <a:lvl5pPr indent="-298450" lvl="4" marL="2286000">
+            <a:lvl5pPr marL="2286000" lvl="4" indent="-298450">
               <a:spcBef>
                 <a:spcPts val="0"/>
               </a:spcBef>
@@ -5630,7 +5608,7 @@
               <a:buChar char="○"/>
               <a:defRPr/>
             </a:lvl5pPr>
-            <a:lvl6pPr indent="-298450" lvl="5" marL="2743200">
+            <a:lvl6pPr marL="2743200" lvl="5" indent="-298450">
               <a:spcBef>
                 <a:spcPts val="0"/>
               </a:spcBef>
@@ -5641,7 +5619,7 @@
               <a:buChar char="■"/>
               <a:defRPr/>
             </a:lvl6pPr>
-            <a:lvl7pPr indent="-298450" lvl="6" marL="3200400">
+            <a:lvl7pPr marL="3200400" lvl="6" indent="-298450">
               <a:spcBef>
                 <a:spcPts val="0"/>
               </a:spcBef>
@@ -5652,7 +5630,7 @@
               <a:buChar char="●"/>
               <a:defRPr/>
             </a:lvl7pPr>
-            <a:lvl8pPr indent="-298450" lvl="7" marL="3657600">
+            <a:lvl8pPr marL="3657600" lvl="7" indent="-298450">
               <a:spcBef>
                 <a:spcPts val="0"/>
               </a:spcBef>
@@ -5663,7 +5641,7 @@
               <a:buChar char="○"/>
               <a:defRPr/>
             </a:lvl8pPr>
-            <a:lvl9pPr indent="-298450" lvl="8" marL="4114800">
+            <a:lvl9pPr marL="4114800" lvl="8" indent="-298450">
               <a:spcBef>
                 <a:spcPts val="0"/>
               </a:spcBef>
@@ -5675,15 +5653,19 @@
               <a:defRPr/>
             </a:lvl9pPr>
           </a:lstStyle>
-          <a:p/>
+          <a:p>
+            <a:endParaRPr/>
+          </a:p>
         </p:txBody>
       </p:sp>
       <p:sp>
         <p:nvSpPr>
           <p:cNvPr id="76" name="Google Shape;76;p7"/>
-          <p:cNvSpPr txBox="1"/>
+          <p:cNvSpPr txBox="1">
+            <a:spLocks noGrp="1"/>
+          </p:cNvSpPr>
           <p:nvPr>
-            <p:ph idx="12" type="sldNum"/>
+            <p:ph type="sldNum" idx="12"/>
           </p:nvPr>
         </p:nvSpPr>
         <p:spPr>
@@ -5696,7 +5678,7 @@
           </a:prstGeom>
         </p:spPr>
         <p:txBody>
-          <a:bodyPr anchorCtr="0" anchor="ctr" bIns="91425" lIns="91425" spcFirstLastPara="1" rIns="91425" wrap="square" tIns="91425">
+          <a:bodyPr spcFirstLastPara="1" wrap="square" lIns="91425" tIns="91425" rIns="91425" bIns="91425" anchor="ctr" anchorCtr="0">
             <a:normAutofit/>
           </a:bodyPr>
           <a:lstStyle>
@@ -5738,7 +5720,7 @@
             </a:lvl9pPr>
           </a:lstStyle>
           <a:p>
-            <a:pPr indent="0" lvl="0" marL="0" rtl="0" algn="r">
+            <a:pPr marL="0" lvl="0" indent="0" algn="r" rtl="0">
               <a:spcBef>
                 <a:spcPts val="0"/>
               </a:spcBef>
@@ -5764,18 +5746,19 @@
 </file>
 
 <file path=ppt/slideLayouts/slideLayout7.xml><?xml version="1.0" encoding="utf-8"?>
-<p:sldLayout xmlns:a="http://schemas.openxmlformats.org/drawingml/2006/main" xmlns:r="http://schemas.openxmlformats.org/officeDocument/2006/relationships" xmlns:mc="http://schemas.openxmlformats.org/markup-compatibility/2006" xmlns:mv="urn:schemas-microsoft-com:mac:vml" xmlns:p="http://schemas.openxmlformats.org/presentationml/2006/main" xmlns:c="http://schemas.openxmlformats.org/drawingml/2006/chart" xmlns:dgm="http://schemas.openxmlformats.org/drawingml/2006/diagram" xmlns:o="urn:schemas-microsoft-com:office:office" xmlns:v="urn:schemas-microsoft-com:vml" xmlns:pvml="urn:schemas-microsoft-com:office:powerpoint" xmlns:com="http://schemas.openxmlformats.org/drawingml/2006/compatibility" xmlns:p14="http://schemas.microsoft.com/office/powerpoint/2010/main" xmlns:p15="http://schemas.microsoft.com/office/powerpoint/2012/main" xmlns:ahyp="http://schemas.microsoft.com/office/drawing/2018/hyperlinkcolor" matchingName="Main point">
+<p:sldLayout xmlns:a="http://schemas.openxmlformats.org/drawingml/2006/main" xmlns:r="http://schemas.openxmlformats.org/officeDocument/2006/relationships" xmlns:p="http://schemas.openxmlformats.org/presentationml/2006/main" matchingName="Main point">
   <p:cSld name="MAIN_POINT">
     <p:bg>
       <p:bgPr>
         <a:solidFill>
           <a:schemeClr val="accent1"/>
         </a:solidFill>
+        <a:effectLst/>
       </p:bgPr>
     </p:bg>
     <p:spTree>
       <p:nvGrpSpPr>
-        <p:cNvPr id="77" name="Shape 77"/>
+        <p:cNvPr id="1" name="Shape 77"/>
         <p:cNvGrpSpPr/>
         <p:nvPr/>
       </p:nvGrpSpPr>
@@ -5809,12 +5792,12 @@
           </a:ln>
         </p:spPr>
         <p:txBody>
-          <a:bodyPr anchorCtr="0" anchor="ctr" bIns="91425" lIns="91425" spcFirstLastPara="1" rIns="91425" wrap="square" tIns="91425">
+          <a:bodyPr spcFirstLastPara="1" wrap="square" lIns="91425" tIns="91425" rIns="91425" bIns="91425" anchor="ctr" anchorCtr="0">
             <a:noAutofit/>
           </a:bodyPr>
           <a:lstStyle/>
           <a:p>
-            <a:pPr indent="0" lvl="0" marL="0" rtl="0" algn="l">
+            <a:pPr marL="0" lvl="0" indent="0" algn="l" rtl="0">
               <a:spcBef>
                 <a:spcPts val="0"/>
               </a:spcBef>
@@ -5823,9 +5806,6 @@
               </a:spcAft>
               <a:buNone/>
             </a:pPr>
-            <a:r>
-              <a:t/>
-            </a:r>
             <a:endParaRPr/>
           </a:p>
         </p:txBody>
@@ -5852,12 +5832,12 @@
           </a:ln>
         </p:spPr>
         <p:txBody>
-          <a:bodyPr anchorCtr="0" anchor="ctr" bIns="91425" lIns="91425" spcFirstLastPara="1" rIns="91425" wrap="square" tIns="91425">
+          <a:bodyPr spcFirstLastPara="1" wrap="square" lIns="91425" tIns="91425" rIns="91425" bIns="91425" anchor="ctr" anchorCtr="0">
             <a:noAutofit/>
           </a:bodyPr>
           <a:lstStyle/>
           <a:p>
-            <a:pPr indent="0" lvl="0" marL="0" rtl="0" algn="l">
+            <a:pPr marL="0" lvl="0" indent="0" algn="l" rtl="0">
               <a:spcBef>
                 <a:spcPts val="0"/>
               </a:spcBef>
@@ -5866,9 +5846,6 @@
               </a:spcAft>
               <a:buNone/>
             </a:pPr>
-            <a:r>
-              <a:t/>
-            </a:r>
             <a:endParaRPr/>
           </a:p>
         </p:txBody>
@@ -5900,7 +5877,7 @@
             </a:xfrm>
             <a:prstGeom prst="parallelogram">
               <a:avLst>
-                <a:gd fmla="val 153193" name="adj"/>
+                <a:gd name="adj" fmla="val 153193"/>
               </a:avLst>
             </a:prstGeom>
             <a:solidFill>
@@ -5911,12 +5888,12 @@
             </a:ln>
           </p:spPr>
           <p:txBody>
-            <a:bodyPr anchorCtr="0" anchor="ctr" bIns="91425" lIns="91425" spcFirstLastPara="1" rIns="91425" wrap="square" tIns="91425">
+            <a:bodyPr spcFirstLastPara="1" wrap="square" lIns="91425" tIns="91425" rIns="91425" bIns="91425" anchor="ctr" anchorCtr="0">
               <a:noAutofit/>
             </a:bodyPr>
             <a:lstStyle/>
             <a:p>
-              <a:pPr indent="0" lvl="0" marL="0" rtl="0" algn="l">
+              <a:pPr marL="0" lvl="0" indent="0" algn="l" rtl="0">
                 <a:spcBef>
                   <a:spcPts val="0"/>
                 </a:spcBef>
@@ -5925,9 +5902,6 @@
                 </a:spcAft>
                 <a:buNone/>
               </a:pPr>
-              <a:r>
-                <a:t/>
-              </a:r>
               <a:endParaRPr/>
             </a:p>
           </p:txBody>
@@ -5945,7 +5919,7 @@
             </a:xfrm>
             <a:prstGeom prst="parallelogram">
               <a:avLst>
-                <a:gd fmla="val 153193" name="adj"/>
+                <a:gd name="adj" fmla="val 153193"/>
               </a:avLst>
             </a:prstGeom>
             <a:solidFill>
@@ -5956,12 +5930,12 @@
             </a:ln>
           </p:spPr>
           <p:txBody>
-            <a:bodyPr anchorCtr="0" anchor="ctr" bIns="91425" lIns="91425" spcFirstLastPara="1" rIns="91425" wrap="square" tIns="91425">
+            <a:bodyPr spcFirstLastPara="1" wrap="square" lIns="91425" tIns="91425" rIns="91425" bIns="91425" anchor="ctr" anchorCtr="0">
               <a:noAutofit/>
             </a:bodyPr>
             <a:lstStyle/>
             <a:p>
-              <a:pPr indent="0" lvl="0" marL="0" rtl="0" algn="l">
+              <a:pPr marL="0" lvl="0" indent="0" algn="l" rtl="0">
                 <a:spcBef>
                   <a:spcPts val="0"/>
                 </a:spcBef>
@@ -5970,9 +5944,6 @@
                 </a:spcAft>
                 <a:buNone/>
               </a:pPr>
-              <a:r>
-                <a:t/>
-              </a:r>
               <a:endParaRPr/>
             </a:p>
           </p:txBody>
@@ -5990,7 +5961,7 @@
             </a:xfrm>
             <a:prstGeom prst="parallelogram">
               <a:avLst>
-                <a:gd fmla="val 153193" name="adj"/>
+                <a:gd name="adj" fmla="val 153193"/>
               </a:avLst>
             </a:prstGeom>
             <a:solidFill>
@@ -6001,12 +5972,12 @@
             </a:ln>
           </p:spPr>
           <p:txBody>
-            <a:bodyPr anchorCtr="0" anchor="ctr" bIns="91425" lIns="91425" spcFirstLastPara="1" rIns="91425" wrap="square" tIns="91425">
+            <a:bodyPr spcFirstLastPara="1" wrap="square" lIns="91425" tIns="91425" rIns="91425" bIns="91425" anchor="ctr" anchorCtr="0">
               <a:noAutofit/>
             </a:bodyPr>
             <a:lstStyle/>
             <a:p>
-              <a:pPr indent="0" lvl="0" marL="0" rtl="0" algn="l">
+              <a:pPr marL="0" lvl="0" indent="0" algn="l" rtl="0">
                 <a:spcBef>
                   <a:spcPts val="0"/>
                 </a:spcBef>
@@ -6015,9 +5986,6 @@
                 </a:spcAft>
                 <a:buNone/>
               </a:pPr>
-              <a:r>
-                <a:t/>
-              </a:r>
               <a:endParaRPr/>
             </a:p>
           </p:txBody>
@@ -6044,7 +6012,7 @@
             <a:noFill/>
           </a:ln>
           <a:effectLst>
-            <a:outerShdw blurRad="228600" sx="101000" rotWithShape="0" algn="ctr" sy="101000">
+            <a:outerShdw blurRad="228600" sx="101000" sy="101000" algn="ctr" rotWithShape="0">
               <a:srgbClr val="000000">
                 <a:alpha val="40000"/>
               </a:srgbClr>
@@ -6052,12 +6020,12 @@
           </a:effectLst>
         </p:spPr>
         <p:txBody>
-          <a:bodyPr anchorCtr="0" anchor="ctr" bIns="91425" lIns="91425" spcFirstLastPara="1" rIns="91425" wrap="square" tIns="91425">
+          <a:bodyPr spcFirstLastPara="1" wrap="square" lIns="91425" tIns="91425" rIns="91425" bIns="91425" anchor="ctr" anchorCtr="0">
             <a:noAutofit/>
           </a:bodyPr>
           <a:lstStyle/>
           <a:p>
-            <a:pPr indent="0" lvl="0" marL="0" rtl="0" algn="l">
+            <a:pPr marL="0" lvl="0" indent="0" algn="l" rtl="0">
               <a:spcBef>
                 <a:spcPts val="0"/>
               </a:spcBef>
@@ -6066,9 +6034,6 @@
               </a:spcAft>
               <a:buNone/>
             </a:pPr>
-            <a:r>
-              <a:t/>
-            </a:r>
             <a:endParaRPr/>
           </a:p>
         </p:txBody>
@@ -6100,7 +6065,7 @@
             </a:xfrm>
             <a:prstGeom prst="parallelogram">
               <a:avLst>
-                <a:gd fmla="val 158024" name="adj"/>
+                <a:gd name="adj" fmla="val 158024"/>
               </a:avLst>
             </a:prstGeom>
             <a:solidFill>
@@ -6111,12 +6076,12 @@
             </a:ln>
           </p:spPr>
           <p:txBody>
-            <a:bodyPr anchorCtr="0" anchor="ctr" bIns="91425" lIns="91425" spcFirstLastPara="1" rIns="91425" wrap="square" tIns="91425">
+            <a:bodyPr spcFirstLastPara="1" wrap="square" lIns="91425" tIns="91425" rIns="91425" bIns="91425" anchor="ctr" anchorCtr="0">
               <a:noAutofit/>
             </a:bodyPr>
             <a:lstStyle/>
             <a:p>
-              <a:pPr indent="0" lvl="0" marL="0" rtl="0" algn="l">
+              <a:pPr marL="0" lvl="0" indent="0" algn="l" rtl="0">
                 <a:spcBef>
                   <a:spcPts val="0"/>
                 </a:spcBef>
@@ -6125,9 +6090,6 @@
                 </a:spcAft>
                 <a:buNone/>
               </a:pPr>
-              <a:r>
-                <a:t/>
-              </a:r>
               <a:endParaRPr/>
             </a:p>
           </p:txBody>
@@ -6145,7 +6107,7 @@
             </a:xfrm>
             <a:prstGeom prst="parallelogram">
               <a:avLst>
-                <a:gd fmla="val 158024" name="adj"/>
+                <a:gd name="adj" fmla="val 158024"/>
               </a:avLst>
             </a:prstGeom>
             <a:solidFill>
@@ -6156,12 +6118,12 @@
             </a:ln>
           </p:spPr>
           <p:txBody>
-            <a:bodyPr anchorCtr="0" anchor="ctr" bIns="91425" lIns="91425" spcFirstLastPara="1" rIns="91425" wrap="square" tIns="91425">
+            <a:bodyPr spcFirstLastPara="1" wrap="square" lIns="91425" tIns="91425" rIns="91425" bIns="91425" anchor="ctr" anchorCtr="0">
               <a:noAutofit/>
             </a:bodyPr>
             <a:lstStyle/>
             <a:p>
-              <a:pPr indent="0" lvl="0" marL="0" rtl="0" algn="l">
+              <a:pPr marL="0" lvl="0" indent="0" algn="l" rtl="0">
                 <a:spcBef>
                   <a:spcPts val="0"/>
                 </a:spcBef>
@@ -6170,9 +6132,6 @@
                 </a:spcAft>
                 <a:buNone/>
               </a:pPr>
-              <a:r>
-                <a:t/>
-              </a:r>
               <a:endParaRPr/>
             </a:p>
           </p:txBody>
@@ -6190,7 +6149,7 @@
             </a:xfrm>
             <a:prstGeom prst="parallelogram">
               <a:avLst>
-                <a:gd fmla="val 158024" name="adj"/>
+                <a:gd name="adj" fmla="val 158024"/>
               </a:avLst>
             </a:prstGeom>
             <a:solidFill>
@@ -6201,12 +6160,12 @@
             </a:ln>
           </p:spPr>
           <p:txBody>
-            <a:bodyPr anchorCtr="0" anchor="ctr" bIns="91425" lIns="91425" spcFirstLastPara="1" rIns="91425" wrap="square" tIns="91425">
+            <a:bodyPr spcFirstLastPara="1" wrap="square" lIns="91425" tIns="91425" rIns="91425" bIns="91425" anchor="ctr" anchorCtr="0">
               <a:noAutofit/>
             </a:bodyPr>
             <a:lstStyle/>
             <a:p>
-              <a:pPr indent="0" lvl="0" marL="0" rtl="0" algn="l">
+              <a:pPr marL="0" lvl="0" indent="0" algn="l" rtl="0">
                 <a:spcBef>
                   <a:spcPts val="0"/>
                 </a:spcBef>
@@ -6215,9 +6174,6 @@
                 </a:spcAft>
                 <a:buNone/>
               </a:pPr>
-              <a:r>
-                <a:t/>
-              </a:r>
               <a:endParaRPr/>
             </a:p>
           </p:txBody>
@@ -6250,7 +6206,7 @@
             </a:xfrm>
             <a:prstGeom prst="parallelogram">
               <a:avLst>
-                <a:gd fmla="val 158024" name="adj"/>
+                <a:gd name="adj" fmla="val 158024"/>
               </a:avLst>
             </a:prstGeom>
             <a:solidFill>
@@ -6261,12 +6217,12 @@
             </a:ln>
           </p:spPr>
           <p:txBody>
-            <a:bodyPr anchorCtr="0" anchor="ctr" bIns="91425" lIns="91425" spcFirstLastPara="1" rIns="91425" wrap="square" tIns="91425">
+            <a:bodyPr spcFirstLastPara="1" wrap="square" lIns="91425" tIns="91425" rIns="91425" bIns="91425" anchor="ctr" anchorCtr="0">
               <a:noAutofit/>
             </a:bodyPr>
             <a:lstStyle/>
             <a:p>
-              <a:pPr indent="0" lvl="0" marL="0" rtl="0" algn="l">
+              <a:pPr marL="0" lvl="0" indent="0" algn="l" rtl="0">
                 <a:spcBef>
                   <a:spcPts val="0"/>
                 </a:spcBef>
@@ -6275,9 +6231,6 @@
                 </a:spcAft>
                 <a:buNone/>
               </a:pPr>
-              <a:r>
-                <a:t/>
-              </a:r>
               <a:endParaRPr/>
             </a:p>
           </p:txBody>
@@ -6295,7 +6248,7 @@
             </a:xfrm>
             <a:prstGeom prst="parallelogram">
               <a:avLst>
-                <a:gd fmla="val 158024" name="adj"/>
+                <a:gd name="adj" fmla="val 158024"/>
               </a:avLst>
             </a:prstGeom>
             <a:solidFill>
@@ -6306,12 +6259,12 @@
             </a:ln>
           </p:spPr>
           <p:txBody>
-            <a:bodyPr anchorCtr="0" anchor="ctr" bIns="91425" lIns="91425" spcFirstLastPara="1" rIns="91425" wrap="square" tIns="91425">
+            <a:bodyPr spcFirstLastPara="1" wrap="square" lIns="91425" tIns="91425" rIns="91425" bIns="91425" anchor="ctr" anchorCtr="0">
               <a:noAutofit/>
             </a:bodyPr>
             <a:lstStyle/>
             <a:p>
-              <a:pPr indent="0" lvl="0" marL="0" rtl="0" algn="l">
+              <a:pPr marL="0" lvl="0" indent="0" algn="l" rtl="0">
                 <a:spcBef>
                   <a:spcPts val="0"/>
                 </a:spcBef>
@@ -6320,9 +6273,6 @@
                 </a:spcAft>
                 <a:buNone/>
               </a:pPr>
-              <a:r>
-                <a:t/>
-              </a:r>
               <a:endParaRPr/>
             </a:p>
           </p:txBody>
@@ -6340,7 +6290,7 @@
             </a:xfrm>
             <a:prstGeom prst="parallelogram">
               <a:avLst>
-                <a:gd fmla="val 158024" name="adj"/>
+                <a:gd name="adj" fmla="val 158024"/>
               </a:avLst>
             </a:prstGeom>
             <a:solidFill>
@@ -6351,12 +6301,12 @@
             </a:ln>
           </p:spPr>
           <p:txBody>
-            <a:bodyPr anchorCtr="0" anchor="ctr" bIns="91425" lIns="91425" spcFirstLastPara="1" rIns="91425" wrap="square" tIns="91425">
+            <a:bodyPr spcFirstLastPara="1" wrap="square" lIns="91425" tIns="91425" rIns="91425" bIns="91425" anchor="ctr" anchorCtr="0">
               <a:noAutofit/>
             </a:bodyPr>
             <a:lstStyle/>
             <a:p>
-              <a:pPr indent="0" lvl="0" marL="0" rtl="0" algn="l">
+              <a:pPr marL="0" lvl="0" indent="0" algn="l" rtl="0">
                 <a:spcBef>
                   <a:spcPts val="0"/>
                 </a:spcBef>
@@ -6365,9 +6315,6 @@
                 </a:spcAft>
                 <a:buNone/>
               </a:pPr>
-              <a:r>
-                <a:t/>
-              </a:r>
               <a:endParaRPr/>
             </a:p>
           </p:txBody>
@@ -6376,7 +6323,9 @@
       <p:sp>
         <p:nvSpPr>
           <p:cNvPr id="93" name="Google Shape;93;p8"/>
-          <p:cNvSpPr txBox="1"/>
+          <p:cNvSpPr txBox="1">
+            <a:spLocks noGrp="1"/>
+          </p:cNvSpPr>
           <p:nvPr>
             <p:ph type="title"/>
           </p:nvPr>
@@ -6391,7 +6340,7 @@
           </a:prstGeom>
         </p:spPr>
         <p:txBody>
-          <a:bodyPr anchorCtr="0" anchor="ctr" bIns="91425" lIns="91425" spcFirstLastPara="1" rIns="91425" wrap="square" tIns="91425">
+          <a:bodyPr spcFirstLastPara="1" wrap="square" lIns="91425" tIns="91425" rIns="91425" bIns="91425" anchor="ctr" anchorCtr="0">
             <a:normAutofit/>
           </a:bodyPr>
           <a:lstStyle>
@@ -6495,15 +6444,19 @@
               <a:defRPr sz="3200"/>
             </a:lvl9pPr>
           </a:lstStyle>
-          <a:p/>
+          <a:p>
+            <a:endParaRPr/>
+          </a:p>
         </p:txBody>
       </p:sp>
       <p:sp>
         <p:nvSpPr>
           <p:cNvPr id="94" name="Google Shape;94;p8"/>
-          <p:cNvSpPr txBox="1"/>
+          <p:cNvSpPr txBox="1">
+            <a:spLocks noGrp="1"/>
+          </p:cNvSpPr>
           <p:nvPr>
-            <p:ph idx="12" type="sldNum"/>
+            <p:ph type="sldNum" idx="12"/>
           </p:nvPr>
         </p:nvSpPr>
         <p:spPr>
@@ -6516,7 +6469,7 @@
           </a:prstGeom>
         </p:spPr>
         <p:txBody>
-          <a:bodyPr anchorCtr="0" anchor="ctr" bIns="91425" lIns="91425" spcFirstLastPara="1" rIns="91425" wrap="square" tIns="91425">
+          <a:bodyPr spcFirstLastPara="1" wrap="square" lIns="91425" tIns="91425" rIns="91425" bIns="91425" anchor="ctr" anchorCtr="0">
             <a:normAutofit/>
           </a:bodyPr>
           <a:lstStyle>
@@ -6558,7 +6511,7 @@
             </a:lvl9pPr>
           </a:lstStyle>
           <a:p>
-            <a:pPr indent="0" lvl="0" marL="0" rtl="0" algn="r">
+            <a:pPr marL="0" lvl="0" indent="0" algn="r" rtl="0">
               <a:spcBef>
                 <a:spcPts val="0"/>
               </a:spcBef>
@@ -6584,18 +6537,19 @@
 </file>
 
 <file path=ppt/slideLayouts/slideLayout8.xml><?xml version="1.0" encoding="utf-8"?>
-<p:sldLayout xmlns:a="http://schemas.openxmlformats.org/drawingml/2006/main" xmlns:r="http://schemas.openxmlformats.org/officeDocument/2006/relationships" xmlns:mc="http://schemas.openxmlformats.org/markup-compatibility/2006" xmlns:mv="urn:schemas-microsoft-com:mac:vml" xmlns:p="http://schemas.openxmlformats.org/presentationml/2006/main" xmlns:c="http://schemas.openxmlformats.org/drawingml/2006/chart" xmlns:dgm="http://schemas.openxmlformats.org/drawingml/2006/diagram" xmlns:o="urn:schemas-microsoft-com:office:office" xmlns:v="urn:schemas-microsoft-com:vml" xmlns:pvml="urn:schemas-microsoft-com:office:powerpoint" xmlns:com="http://schemas.openxmlformats.org/drawingml/2006/compatibility" xmlns:p14="http://schemas.microsoft.com/office/powerpoint/2010/main" xmlns:p15="http://schemas.microsoft.com/office/powerpoint/2012/main" xmlns:ahyp="http://schemas.microsoft.com/office/drawing/2018/hyperlinkcolor" matchingName="Section title and description">
+<p:sldLayout xmlns:a="http://schemas.openxmlformats.org/drawingml/2006/main" xmlns:r="http://schemas.openxmlformats.org/officeDocument/2006/relationships" xmlns:p="http://schemas.openxmlformats.org/presentationml/2006/main" matchingName="Section title and description">
   <p:cSld name="SECTION_TITLE_AND_DESCRIPTION">
     <p:bg>
       <p:bgPr>
         <a:solidFill>
           <a:schemeClr val="dk2"/>
         </a:solidFill>
+        <a:effectLst/>
       </p:bgPr>
     </p:bg>
     <p:spTree>
       <p:nvGrpSpPr>
-        <p:cNvPr id="95" name="Shape 95"/>
+        <p:cNvPr id="1" name="Shape 95"/>
         <p:cNvGrpSpPr/>
         <p:nvPr/>
       </p:nvGrpSpPr>
@@ -6629,12 +6583,12 @@
           </a:ln>
         </p:spPr>
         <p:txBody>
-          <a:bodyPr anchorCtr="0" anchor="ctr" bIns="91425" lIns="91425" spcFirstLastPara="1" rIns="91425" wrap="square" tIns="91425">
+          <a:bodyPr spcFirstLastPara="1" wrap="square" lIns="91425" tIns="91425" rIns="91425" bIns="91425" anchor="ctr" anchorCtr="0">
             <a:noAutofit/>
           </a:bodyPr>
           <a:lstStyle/>
           <a:p>
-            <a:pPr indent="0" lvl="0" marL="0" rtl="0" algn="l">
+            <a:pPr marL="0" lvl="0" indent="0" algn="l" rtl="0">
               <a:spcBef>
                 <a:spcPts val="0"/>
               </a:spcBef>
@@ -6643,9 +6597,6 @@
               </a:spcAft>
               <a:buNone/>
             </a:pPr>
-            <a:r>
-              <a:t/>
-            </a:r>
             <a:endParaRPr/>
           </a:p>
         </p:txBody>
@@ -6672,12 +6623,12 @@
           </a:ln>
         </p:spPr>
         <p:txBody>
-          <a:bodyPr anchorCtr="0" anchor="ctr" bIns="91425" lIns="91425" spcFirstLastPara="1" rIns="91425" wrap="square" tIns="91425">
+          <a:bodyPr spcFirstLastPara="1" wrap="square" lIns="91425" tIns="91425" rIns="91425" bIns="91425" anchor="ctr" anchorCtr="0">
             <a:noAutofit/>
           </a:bodyPr>
           <a:lstStyle/>
           <a:p>
-            <a:pPr indent="0" lvl="0" marL="0" rtl="0" algn="l">
+            <a:pPr marL="0" lvl="0" indent="0" algn="l" rtl="0">
               <a:spcBef>
                 <a:spcPts val="0"/>
               </a:spcBef>
@@ -6686,9 +6637,6 @@
               </a:spcAft>
               <a:buNone/>
             </a:pPr>
-            <a:r>
-              <a:t/>
-            </a:r>
             <a:endParaRPr/>
           </a:p>
         </p:txBody>
@@ -6714,7 +6662,7 @@
             <a:noFill/>
           </a:ln>
           <a:effectLst>
-            <a:outerShdw blurRad="228600" sx="101000" rotWithShape="0" algn="ctr" sy="101000">
+            <a:outerShdw blurRad="228600" sx="101000" sy="101000" algn="ctr" rotWithShape="0">
               <a:srgbClr val="000000">
                 <a:alpha val="40000"/>
               </a:srgbClr>
@@ -6722,12 +6670,12 @@
           </a:effectLst>
         </p:spPr>
         <p:txBody>
-          <a:bodyPr anchorCtr="0" anchor="ctr" bIns="91425" lIns="91425" spcFirstLastPara="1" rIns="91425" wrap="square" tIns="91425">
+          <a:bodyPr spcFirstLastPara="1" wrap="square" lIns="91425" tIns="91425" rIns="91425" bIns="91425" anchor="ctr" anchorCtr="0">
             <a:noAutofit/>
           </a:bodyPr>
           <a:lstStyle/>
           <a:p>
-            <a:pPr indent="0" lvl="0" marL="0" rtl="0" algn="l">
+            <a:pPr marL="0" lvl="0" indent="0" algn="l" rtl="0">
               <a:spcBef>
                 <a:spcPts val="0"/>
               </a:spcBef>
@@ -6736,9 +6684,6 @@
               </a:spcAft>
               <a:buNone/>
             </a:pPr>
-            <a:r>
-              <a:t/>
-            </a:r>
             <a:endParaRPr/>
           </a:p>
         </p:txBody>
@@ -6746,7 +6691,9 @@
       <p:sp>
         <p:nvSpPr>
           <p:cNvPr id="99" name="Google Shape;99;p9"/>
-          <p:cNvSpPr txBox="1"/>
+          <p:cNvSpPr txBox="1">
+            <a:spLocks noGrp="1"/>
+          </p:cNvSpPr>
           <p:nvPr>
             <p:ph type="title"/>
           </p:nvPr>
@@ -6761,7 +6708,7 @@
           </a:prstGeom>
         </p:spPr>
         <p:txBody>
-          <a:bodyPr anchorCtr="0" anchor="t" bIns="91425" lIns="91425" spcFirstLastPara="1" rIns="91425" wrap="square" tIns="91425">
+          <a:bodyPr spcFirstLastPara="1" wrap="square" lIns="91425" tIns="91425" rIns="91425" bIns="91425" anchor="t" anchorCtr="0">
             <a:normAutofit/>
           </a:bodyPr>
           <a:lstStyle>
@@ -6865,15 +6812,19 @@
               <a:defRPr sz="3000"/>
             </a:lvl9pPr>
           </a:lstStyle>
-          <a:p/>
+          <a:p>
+            <a:endParaRPr/>
+          </a:p>
         </p:txBody>
       </p:sp>
       <p:sp>
         <p:nvSpPr>
           <p:cNvPr id="100" name="Google Shape;100;p9"/>
-          <p:cNvSpPr txBox="1"/>
+          <p:cNvSpPr txBox="1">
+            <a:spLocks noGrp="1"/>
+          </p:cNvSpPr>
           <p:nvPr>
-            <p:ph idx="1" type="subTitle"/>
+            <p:ph type="subTitle" idx="1"/>
           </p:nvPr>
         </p:nvSpPr>
         <p:spPr>
@@ -6886,7 +6837,7 @@
           </a:prstGeom>
         </p:spPr>
         <p:txBody>
-          <a:bodyPr anchorCtr="0" anchor="t" bIns="91425" lIns="91425" spcFirstLastPara="1" rIns="91425" wrap="square" tIns="91425">
+          <a:bodyPr spcFirstLastPara="1" wrap="square" lIns="91425" tIns="91425" rIns="91425" bIns="91425" anchor="t" anchorCtr="0">
             <a:normAutofit/>
           </a:bodyPr>
           <a:lstStyle>
@@ -7080,15 +7031,19 @@
               </a:defRPr>
             </a:lvl9pPr>
           </a:lstStyle>
-          <a:p/>
+          <a:p>
+            <a:endParaRPr/>
+          </a:p>
         </p:txBody>
       </p:sp>
       <p:sp>
         <p:nvSpPr>
           <p:cNvPr id="101" name="Google Shape;101;p9"/>
-          <p:cNvSpPr txBox="1"/>
+          <p:cNvSpPr txBox="1">
+            <a:spLocks noGrp="1"/>
+          </p:cNvSpPr>
           <p:nvPr>
-            <p:ph idx="2" type="body"/>
+            <p:ph type="body" idx="2"/>
           </p:nvPr>
         </p:nvSpPr>
         <p:spPr>
@@ -7101,11 +7056,11 @@
           </a:prstGeom>
         </p:spPr>
         <p:txBody>
-          <a:bodyPr anchorCtr="0" anchor="t" bIns="91425" lIns="91425" spcFirstLastPara="1" rIns="91425" wrap="square" tIns="91425">
+          <a:bodyPr spcFirstLastPara="1" wrap="square" lIns="91425" tIns="91425" rIns="91425" bIns="91425" anchor="t" anchorCtr="0">
             <a:normAutofit/>
           </a:bodyPr>
           <a:lstStyle>
-            <a:lvl1pPr indent="-311150" lvl="0" marL="457200">
+            <a:lvl1pPr marL="457200" lvl="0" indent="-311150">
               <a:spcBef>
                 <a:spcPts val="0"/>
               </a:spcBef>
@@ -7116,7 +7071,7 @@
               <a:buChar char="●"/>
               <a:defRPr/>
             </a:lvl1pPr>
-            <a:lvl2pPr indent="-298450" lvl="1" marL="914400">
+            <a:lvl2pPr marL="914400" lvl="1" indent="-298450">
               <a:spcBef>
                 <a:spcPts val="0"/>
               </a:spcBef>
@@ -7127,7 +7082,7 @@
               <a:buChar char="○"/>
               <a:defRPr/>
             </a:lvl2pPr>
-            <a:lvl3pPr indent="-298450" lvl="2" marL="1371600">
+            <a:lvl3pPr marL="1371600" lvl="2" indent="-298450">
               <a:spcBef>
                 <a:spcPts val="0"/>
               </a:spcBef>
@@ -7138,7 +7093,7 @@
               <a:buChar char="■"/>
               <a:defRPr/>
             </a:lvl3pPr>
-            <a:lvl4pPr indent="-298450" lvl="3" marL="1828800">
+            <a:lvl4pPr marL="1828800" lvl="3" indent="-298450">
               <a:spcBef>
                 <a:spcPts val="0"/>
               </a:spcBef>
@@ -7149,7 +7104,7 @@
               <a:buChar char="●"/>
               <a:defRPr/>
             </a:lvl4pPr>
-            <a:lvl5pPr indent="-298450" lvl="4" marL="2286000">
+            <a:lvl5pPr marL="2286000" lvl="4" indent="-298450">
               <a:spcBef>
                 <a:spcPts val="0"/>
               </a:spcBef>
@@ -7160,7 +7115,7 @@
               <a:buChar char="○"/>
               <a:defRPr/>
             </a:lvl5pPr>
-            <a:lvl6pPr indent="-298450" lvl="5" marL="2743200">
+            <a:lvl6pPr marL="2743200" lvl="5" indent="-298450">
               <a:spcBef>
                 <a:spcPts val="0"/>
               </a:spcBef>
@@ -7171,7 +7126,7 @@
               <a:buChar char="■"/>
               <a:defRPr/>
             </a:lvl6pPr>
-            <a:lvl7pPr indent="-298450" lvl="6" marL="3200400">
+            <a:lvl7pPr marL="3200400" lvl="6" indent="-298450">
               <a:spcBef>
                 <a:spcPts val="0"/>
               </a:spcBef>
@@ -7182,7 +7137,7 @@
               <a:buChar char="●"/>
               <a:defRPr/>
             </a:lvl7pPr>
-            <a:lvl8pPr indent="-298450" lvl="7" marL="3657600">
+            <a:lvl8pPr marL="3657600" lvl="7" indent="-298450">
               <a:spcBef>
                 <a:spcPts val="0"/>
               </a:spcBef>
@@ -7193,7 +7148,7 @@
               <a:buChar char="○"/>
               <a:defRPr/>
             </a:lvl8pPr>
-            <a:lvl9pPr indent="-298450" lvl="8" marL="4114800">
+            <a:lvl9pPr marL="4114800" lvl="8" indent="-298450">
               <a:spcBef>
                 <a:spcPts val="0"/>
               </a:spcBef>
@@ -7205,15 +7160,19 @@
               <a:defRPr/>
             </a:lvl9pPr>
           </a:lstStyle>
-          <a:p/>
+          <a:p>
+            <a:endParaRPr/>
+          </a:p>
         </p:txBody>
       </p:sp>
       <p:sp>
         <p:nvSpPr>
           <p:cNvPr id="102" name="Google Shape;102;p9"/>
-          <p:cNvSpPr txBox="1"/>
+          <p:cNvSpPr txBox="1">
+            <a:spLocks noGrp="1"/>
+          </p:cNvSpPr>
           <p:nvPr>
-            <p:ph idx="12" type="sldNum"/>
+            <p:ph type="sldNum" idx="12"/>
           </p:nvPr>
         </p:nvSpPr>
         <p:spPr>
@@ -7226,7 +7185,7 @@
           </a:prstGeom>
         </p:spPr>
         <p:txBody>
-          <a:bodyPr anchorCtr="0" anchor="ctr" bIns="91425" lIns="91425" spcFirstLastPara="1" rIns="91425" wrap="square" tIns="91425">
+          <a:bodyPr spcFirstLastPara="1" wrap="square" lIns="91425" tIns="91425" rIns="91425" bIns="91425" anchor="ctr" anchorCtr="0">
             <a:normAutofit/>
           </a:bodyPr>
           <a:lstStyle>
@@ -7268,7 +7227,7 @@
             </a:lvl9pPr>
           </a:lstStyle>
           <a:p>
-            <a:pPr indent="0" lvl="0" marL="0" rtl="0" algn="r">
+            <a:pPr marL="0" lvl="0" indent="0" algn="r" rtl="0">
               <a:spcBef>
                 <a:spcPts val="0"/>
               </a:spcBef>
@@ -7294,18 +7253,19 @@
 </file>
 
 <file path=ppt/slideLayouts/slideLayout9.xml><?xml version="1.0" encoding="utf-8"?>
-<p:sldLayout xmlns:a="http://schemas.openxmlformats.org/drawingml/2006/main" xmlns:r="http://schemas.openxmlformats.org/officeDocument/2006/relationships" xmlns:mc="http://schemas.openxmlformats.org/markup-compatibility/2006" xmlns:mv="urn:schemas-microsoft-com:mac:vml" xmlns:p="http://schemas.openxmlformats.org/presentationml/2006/main" xmlns:c="http://schemas.openxmlformats.org/drawingml/2006/chart" xmlns:dgm="http://schemas.openxmlformats.org/drawingml/2006/diagram" xmlns:o="urn:schemas-microsoft-com:office:office" xmlns:v="urn:schemas-microsoft-com:vml" xmlns:pvml="urn:schemas-microsoft-com:office:powerpoint" xmlns:com="http://schemas.openxmlformats.org/drawingml/2006/compatibility" xmlns:p14="http://schemas.microsoft.com/office/powerpoint/2010/main" xmlns:p15="http://schemas.microsoft.com/office/powerpoint/2012/main" xmlns:ahyp="http://schemas.microsoft.com/office/drawing/2018/hyperlinkcolor" matchingName="Caption">
+<p:sldLayout xmlns:a="http://schemas.openxmlformats.org/drawingml/2006/main" xmlns:r="http://schemas.openxmlformats.org/officeDocument/2006/relationships" xmlns:p="http://schemas.openxmlformats.org/presentationml/2006/main" matchingName="Caption">
   <p:cSld name="CAPTION_ONLY">
     <p:bg>
       <p:bgPr>
         <a:solidFill>
           <a:schemeClr val="accent1"/>
         </a:solidFill>
+        <a:effectLst/>
       </p:bgPr>
     </p:bg>
     <p:spTree>
       <p:nvGrpSpPr>
-        <p:cNvPr id="103" name="Shape 103"/>
+        <p:cNvPr id="1" name="Shape 103"/>
         <p:cNvGrpSpPr/>
         <p:nvPr/>
       </p:nvGrpSpPr>
@@ -7339,12 +7299,12 @@
           </a:ln>
         </p:spPr>
         <p:txBody>
-          <a:bodyPr anchorCtr="0" anchor="ctr" bIns="91425" lIns="91425" spcFirstLastPara="1" rIns="91425" wrap="square" tIns="91425">
+          <a:bodyPr spcFirstLastPara="1" wrap="square" lIns="91425" tIns="91425" rIns="91425" bIns="91425" anchor="ctr" anchorCtr="0">
             <a:noAutofit/>
           </a:bodyPr>
           <a:lstStyle/>
           <a:p>
-            <a:pPr indent="0" lvl="0" marL="0" rtl="0" algn="l">
+            <a:pPr marL="0" lvl="0" indent="0" algn="l" rtl="0">
               <a:spcBef>
                 <a:spcPts val="0"/>
               </a:spcBef>
@@ -7353,9 +7313,6 @@
               </a:spcAft>
               <a:buNone/>
             </a:pPr>
-            <a:r>
-              <a:t/>
-            </a:r>
             <a:endParaRPr/>
           </a:p>
         </p:txBody>
@@ -7382,12 +7339,12 @@
           </a:ln>
         </p:spPr>
         <p:txBody>
-          <a:bodyPr anchorCtr="0" anchor="ctr" bIns="91425" lIns="91425" spcFirstLastPara="1" rIns="91425" wrap="square" tIns="91425">
+          <a:bodyPr spcFirstLastPara="1" wrap="square" lIns="91425" tIns="91425" rIns="91425" bIns="91425" anchor="ctr" anchorCtr="0">
             <a:noAutofit/>
           </a:bodyPr>
           <a:lstStyle/>
           <a:p>
-            <a:pPr indent="0" lvl="0" marL="0" rtl="0" algn="l">
+            <a:pPr marL="0" lvl="0" indent="0" algn="l" rtl="0">
               <a:spcBef>
                 <a:spcPts val="0"/>
               </a:spcBef>
@@ -7396,9 +7353,6 @@
               </a:spcAft>
               <a:buNone/>
             </a:pPr>
-            <a:r>
-              <a:t/>
-            </a:r>
             <a:endParaRPr/>
           </a:p>
         </p:txBody>
@@ -7424,7 +7378,7 @@
             <a:noFill/>
           </a:ln>
           <a:effectLst>
-            <a:outerShdw blurRad="228600" sx="101000" rotWithShape="0" algn="ctr" sy="101000">
+            <a:outerShdw blurRad="228600" sx="101000" sy="101000" algn="ctr" rotWithShape="0">
               <a:srgbClr val="000000">
                 <a:alpha val="40000"/>
               </a:srgbClr>
@@ -7432,12 +7386,12 @@
           </a:effectLst>
         </p:spPr>
         <p:txBody>
-          <a:bodyPr anchorCtr="0" anchor="ctr" bIns="91425" lIns="91425" spcFirstLastPara="1" rIns="91425" wrap="square" tIns="91425">
+          <a:bodyPr spcFirstLastPara="1" wrap="square" lIns="91425" tIns="91425" rIns="91425" bIns="91425" anchor="ctr" anchorCtr="0">
             <a:noAutofit/>
           </a:bodyPr>
           <a:lstStyle/>
           <a:p>
-            <a:pPr indent="0" lvl="0" marL="0" rtl="0" algn="l">
+            <a:pPr marL="0" lvl="0" indent="0" algn="l" rtl="0">
               <a:spcBef>
                 <a:spcPts val="0"/>
               </a:spcBef>
@@ -7446,9 +7400,6 @@
               </a:spcAft>
               <a:buNone/>
             </a:pPr>
-            <a:r>
-              <a:t/>
-            </a:r>
             <a:endParaRPr/>
           </a:p>
         </p:txBody>
@@ -7456,9 +7407,11 @@
       <p:sp>
         <p:nvSpPr>
           <p:cNvPr id="107" name="Google Shape;107;p10"/>
-          <p:cNvSpPr txBox="1"/>
+          <p:cNvSpPr txBox="1">
+            <a:spLocks noGrp="1"/>
+          </p:cNvSpPr>
           <p:nvPr>
-            <p:ph idx="1" type="body"/>
+            <p:ph type="body" idx="1"/>
           </p:nvPr>
         </p:nvSpPr>
         <p:spPr>
@@ -7471,11 +7424,11 @@
           </a:prstGeom>
         </p:spPr>
         <p:txBody>
-          <a:bodyPr anchorCtr="0" anchor="b" bIns="91425" lIns="91425" spcFirstLastPara="1" rIns="91425" wrap="square" tIns="91425">
+          <a:bodyPr spcFirstLastPara="1" wrap="square" lIns="91425" tIns="91425" rIns="91425" bIns="91425" anchor="b" anchorCtr="0">
             <a:normAutofit/>
           </a:bodyPr>
           <a:lstStyle>
-            <a:lvl1pPr indent="-228600" lvl="0" marL="457200">
+            <a:lvl1pPr marL="457200" lvl="0" indent="-228600">
               <a:lnSpc>
                 <a:spcPct val="100000"/>
               </a:lnSpc>
@@ -7490,15 +7443,19 @@
               <a:defRPr/>
             </a:lvl1pPr>
           </a:lstStyle>
-          <a:p/>
+          <a:p>
+            <a:endParaRPr/>
+          </a:p>
         </p:txBody>
       </p:sp>
       <p:sp>
         <p:nvSpPr>
           <p:cNvPr id="108" name="Google Shape;108;p10"/>
-          <p:cNvSpPr txBox="1"/>
+          <p:cNvSpPr txBox="1">
+            <a:spLocks noGrp="1"/>
+          </p:cNvSpPr>
           <p:nvPr>
-            <p:ph idx="12" type="sldNum"/>
+            <p:ph type="sldNum" idx="12"/>
           </p:nvPr>
         </p:nvSpPr>
         <p:spPr>
@@ -7511,7 +7468,7 @@
           </a:prstGeom>
         </p:spPr>
         <p:txBody>
-          <a:bodyPr anchorCtr="0" anchor="ctr" bIns="91425" lIns="91425" spcFirstLastPara="1" rIns="91425" wrap="square" tIns="91425">
+          <a:bodyPr spcFirstLastPara="1" wrap="square" lIns="91425" tIns="91425" rIns="91425" bIns="91425" anchor="ctr" anchorCtr="0">
             <a:normAutofit/>
           </a:bodyPr>
           <a:lstStyle>
@@ -7553,7 +7510,7 @@
             </a:lvl9pPr>
           </a:lstStyle>
           <a:p>
-            <a:pPr indent="0" lvl="0" marL="0" rtl="0" algn="r">
+            <a:pPr marL="0" lvl="0" indent="0" algn="r" rtl="0">
               <a:spcBef>
                 <a:spcPts val="0"/>
               </a:spcBef>
@@ -7579,18 +7536,19 @@
 </file>
 
 <file path=ppt/slideMasters/slideMaster1.xml><?xml version="1.0" encoding="utf-8"?>
-<p:sldMaster xmlns:a="http://schemas.openxmlformats.org/drawingml/2006/main" xmlns:r="http://schemas.openxmlformats.org/officeDocument/2006/relationships" xmlns:mc="http://schemas.openxmlformats.org/markup-compatibility/2006" xmlns:mv="urn:schemas-microsoft-com:mac:vml" xmlns:p="http://schemas.openxmlformats.org/presentationml/2006/main" xmlns:c="http://schemas.openxmlformats.org/drawingml/2006/chart" xmlns:dgm="http://schemas.openxmlformats.org/drawingml/2006/diagram" xmlns:o="urn:schemas-microsoft-com:office:office" xmlns:v="urn:schemas-microsoft-com:vml" xmlns:pvml="urn:schemas-microsoft-com:office:powerpoint" xmlns:com="http://schemas.openxmlformats.org/drawingml/2006/compatibility" xmlns:p14="http://schemas.microsoft.com/office/powerpoint/2010/main" xmlns:p15="http://schemas.microsoft.com/office/powerpoint/2012/main" xmlns:ahyp="http://schemas.microsoft.com/office/drawing/2018/hyperlinkcolor">
+<p:sldMaster xmlns:a="http://schemas.openxmlformats.org/drawingml/2006/main" xmlns:r="http://schemas.openxmlformats.org/officeDocument/2006/relationships" xmlns:p="http://schemas.openxmlformats.org/presentationml/2006/main">
   <p:cSld name="shift">
     <p:bg>
       <p:bgPr>
         <a:solidFill>
           <a:schemeClr val="dk1"/>
         </a:solidFill>
+        <a:effectLst/>
       </p:bgPr>
     </p:bg>
     <p:spTree>
       <p:nvGrpSpPr>
-        <p:cNvPr id="5" name="Shape 5"/>
+        <p:cNvPr id="1" name="Shape 5"/>
         <p:cNvGrpSpPr/>
         <p:nvPr/>
       </p:nvGrpSpPr>
@@ -7605,7 +7563,9 @@
       <p:sp>
         <p:nvSpPr>
           <p:cNvPr id="6" name="Google Shape;6;p1"/>
-          <p:cNvSpPr txBox="1"/>
+          <p:cNvSpPr txBox="1">
+            <a:spLocks noGrp="1"/>
+          </p:cNvSpPr>
           <p:nvPr>
             <p:ph type="title"/>
           </p:nvPr>
@@ -7624,7 +7584,7 @@
           </a:ln>
         </p:spPr>
         <p:txBody>
-          <a:bodyPr anchorCtr="0" anchor="t" bIns="91425" lIns="91425" spcFirstLastPara="1" rIns="91425" wrap="square" tIns="91425">
+          <a:bodyPr spcFirstLastPara="1" wrap="square" lIns="91425" tIns="91425" rIns="91425" bIns="91425" anchor="t" anchorCtr="0">
             <a:normAutofit/>
           </a:bodyPr>
           <a:lstStyle>
@@ -7836,15 +7796,19 @@
               </a:defRPr>
             </a:lvl9pPr>
           </a:lstStyle>
-          <a:p/>
+          <a:p>
+            <a:endParaRPr/>
+          </a:p>
         </p:txBody>
       </p:sp>
       <p:sp>
         <p:nvSpPr>
           <p:cNvPr id="7" name="Google Shape;7;p1"/>
-          <p:cNvSpPr txBox="1"/>
+          <p:cNvSpPr txBox="1">
+            <a:spLocks noGrp="1"/>
+          </p:cNvSpPr>
           <p:nvPr>
-            <p:ph idx="1" type="body"/>
+            <p:ph type="body" idx="1"/>
           </p:nvPr>
         </p:nvSpPr>
         <p:spPr>
@@ -7861,11 +7825,11 @@
           </a:ln>
         </p:spPr>
         <p:txBody>
-          <a:bodyPr anchorCtr="0" anchor="t" bIns="91425" lIns="91425" spcFirstLastPara="1" rIns="91425" wrap="square" tIns="91425">
+          <a:bodyPr spcFirstLastPara="1" wrap="square" lIns="91425" tIns="91425" rIns="91425" bIns="91425" anchor="t" anchorCtr="0">
             <a:normAutofit/>
           </a:bodyPr>
           <a:lstStyle>
-            <a:lvl1pPr indent="-311150" lvl="0" marL="457200">
+            <a:lvl1pPr marL="457200" lvl="0" indent="-311150">
               <a:lnSpc>
                 <a:spcPct val="115000"/>
               </a:lnSpc>
@@ -7891,7 +7855,7 @@
                 <a:sym typeface="Calibri"/>
               </a:defRPr>
             </a:lvl1pPr>
-            <a:lvl2pPr indent="-298450" lvl="1" marL="914400">
+            <a:lvl2pPr marL="914400" lvl="1" indent="-298450">
               <a:lnSpc>
                 <a:spcPct val="115000"/>
               </a:lnSpc>
@@ -7917,7 +7881,7 @@
                 <a:sym typeface="Calibri"/>
               </a:defRPr>
             </a:lvl2pPr>
-            <a:lvl3pPr indent="-298450" lvl="2" marL="1371600">
+            <a:lvl3pPr marL="1371600" lvl="2" indent="-298450">
               <a:lnSpc>
                 <a:spcPct val="115000"/>
               </a:lnSpc>
@@ -7943,7 +7907,7 @@
                 <a:sym typeface="Calibri"/>
               </a:defRPr>
             </a:lvl3pPr>
-            <a:lvl4pPr indent="-298450" lvl="3" marL="1828800">
+            <a:lvl4pPr marL="1828800" lvl="3" indent="-298450">
               <a:lnSpc>
                 <a:spcPct val="115000"/>
               </a:lnSpc>
@@ -7969,7 +7933,7 @@
                 <a:sym typeface="Calibri"/>
               </a:defRPr>
             </a:lvl4pPr>
-            <a:lvl5pPr indent="-298450" lvl="4" marL="2286000">
+            <a:lvl5pPr marL="2286000" lvl="4" indent="-298450">
               <a:lnSpc>
                 <a:spcPct val="115000"/>
               </a:lnSpc>
@@ -7995,7 +7959,7 @@
                 <a:sym typeface="Calibri"/>
               </a:defRPr>
             </a:lvl5pPr>
-            <a:lvl6pPr indent="-298450" lvl="5" marL="2743200">
+            <a:lvl6pPr marL="2743200" lvl="5" indent="-298450">
               <a:lnSpc>
                 <a:spcPct val="115000"/>
               </a:lnSpc>
@@ -8021,7 +7985,7 @@
                 <a:sym typeface="Calibri"/>
               </a:defRPr>
             </a:lvl6pPr>
-            <a:lvl7pPr indent="-298450" lvl="6" marL="3200400">
+            <a:lvl7pPr marL="3200400" lvl="6" indent="-298450">
               <a:lnSpc>
                 <a:spcPct val="115000"/>
               </a:lnSpc>
@@ -8047,7 +8011,7 @@
                 <a:sym typeface="Calibri"/>
               </a:defRPr>
             </a:lvl7pPr>
-            <a:lvl8pPr indent="-298450" lvl="7" marL="3657600">
+            <a:lvl8pPr marL="3657600" lvl="7" indent="-298450">
               <a:lnSpc>
                 <a:spcPct val="115000"/>
               </a:lnSpc>
@@ -8073,7 +8037,7 @@
                 <a:sym typeface="Calibri"/>
               </a:defRPr>
             </a:lvl8pPr>
-            <a:lvl9pPr indent="-298450" lvl="8" marL="4114800">
+            <a:lvl9pPr marL="4114800" lvl="8" indent="-298450">
               <a:lnSpc>
                 <a:spcPct val="115000"/>
               </a:lnSpc>
@@ -8100,15 +8064,19 @@
               </a:defRPr>
             </a:lvl9pPr>
           </a:lstStyle>
-          <a:p/>
+          <a:p>
+            <a:endParaRPr/>
+          </a:p>
         </p:txBody>
       </p:sp>
       <p:sp>
         <p:nvSpPr>
           <p:cNvPr id="8" name="Google Shape;8;p1"/>
-          <p:cNvSpPr txBox="1"/>
+          <p:cNvSpPr txBox="1">
+            <a:spLocks noGrp="1"/>
+          </p:cNvSpPr>
           <p:nvPr>
-            <p:ph idx="12" type="sldNum"/>
+            <p:ph type="sldNum" idx="12"/>
           </p:nvPr>
         </p:nvSpPr>
         <p:spPr>
@@ -8125,7 +8093,7 @@
           </a:ln>
         </p:spPr>
         <p:txBody>
-          <a:bodyPr anchorCtr="0" anchor="ctr" bIns="91425" lIns="91425" spcFirstLastPara="1" rIns="91425" wrap="square" tIns="91425">
+          <a:bodyPr spcFirstLastPara="1" wrap="square" lIns="91425" tIns="91425" rIns="91425" bIns="91425" anchor="ctr" anchorCtr="0">
             <a:normAutofit/>
           </a:bodyPr>
           <a:lstStyle>
@@ -8239,7 +8207,7 @@
             </a:lvl9pPr>
           </a:lstStyle>
           <a:p>
-            <a:pPr indent="0" lvl="0" marL="0" rtl="0" algn="r">
+            <a:pPr marL="0" lvl="0" indent="0" algn="r" rtl="0">
               <a:spcBef>
                 <a:spcPts val="0"/>
               </a:spcBef>
@@ -8258,7 +8226,7 @@
       </p:sp>
     </p:spTree>
   </p:cSld>
-  <p:clrMap accent1="accent1" accent2="accent2" accent3="accent3" accent4="accent4" accent5="accent5" accent6="accent6" bg1="lt1" bg2="dk2" tx1="dk1" tx2="lt2" folHlink="folHlink" hlink="hlink"/>
+  <p:clrMap bg1="lt1" tx1="dk1" bg2="dk2" tx2="lt2" accent1="accent1" accent2="accent2" accent3="accent3" accent4="accent4" accent5="accent5" accent6="accent6" hlink="hlink" folHlink="folHlink"/>
   <p:sldLayoutIdLst>
     <p:sldLayoutId id="2147483648" r:id="rId1"/>
     <p:sldLayoutId id="2147483649" r:id="rId2"/>
@@ -8272,10 +8240,10 @@
     <p:sldLayoutId id="2147483657" r:id="rId10"/>
     <p:sldLayoutId id="2147483658" r:id="rId11"/>
   </p:sldLayoutIdLst>
-  <p:hf dt="0" ftr="0" hdr="0" sldNum="0"/>
+  <p:hf sldNum="0" hdr="0" ftr="0" dt="0"/>
   <p:txStyles>
     <p:titleStyle>
-      <a:defPPr lvl="0" marR="0" rtl="0" algn="l">
+      <a:defPPr marR="0" lvl="0" algn="l" rtl="0">
         <a:lnSpc>
           <a:spcPct val="100000"/>
         </a:lnSpc>
@@ -8286,7 +8254,7 @@
           <a:spcPts val="0"/>
         </a:spcAft>
       </a:defPPr>
-      <a:lvl1pPr lvl="0" marR="0" rtl="0" algn="l">
+      <a:lvl1pPr marR="0" lvl="0" algn="l" rtl="0">
         <a:lnSpc>
           <a:spcPct val="100000"/>
         </a:lnSpc>
@@ -8300,7 +8268,7 @@
           <a:srgbClr val="000000"/>
         </a:buClr>
         <a:buFont typeface="Arial"/>
-        <a:defRPr b="0" i="0" sz="1400" u="none" cap="none" strike="noStrike">
+        <a:defRPr sz="1400" b="0" i="0" u="none" strike="noStrike" cap="none">
           <a:solidFill>
             <a:srgbClr val="000000"/>
           </a:solidFill>
@@ -8310,7 +8278,7 @@
           <a:sym typeface="Arial"/>
         </a:defRPr>
       </a:lvl1pPr>
-      <a:lvl2pPr lvl="1" marR="0" rtl="0" algn="l">
+      <a:lvl2pPr marR="0" lvl="1" algn="l" rtl="0">
         <a:lnSpc>
           <a:spcPct val="100000"/>
         </a:lnSpc>
@@ -8324,7 +8292,7 @@
           <a:srgbClr val="000000"/>
         </a:buClr>
         <a:buFont typeface="Arial"/>
-        <a:defRPr b="0" i="0" sz="1400" u="none" cap="none" strike="noStrike">
+        <a:defRPr sz="1400" b="0" i="0" u="none" strike="noStrike" cap="none">
           <a:solidFill>
             <a:srgbClr val="000000"/>
           </a:solidFill>
@@ -8334,7 +8302,7 @@
           <a:sym typeface="Arial"/>
         </a:defRPr>
       </a:lvl2pPr>
-      <a:lvl3pPr lvl="2" marR="0" rtl="0" algn="l">
+      <a:lvl3pPr marR="0" lvl="2" algn="l" rtl="0">
         <a:lnSpc>
           <a:spcPct val="100000"/>
         </a:lnSpc>
@@ -8348,7 +8316,7 @@
           <a:srgbClr val="000000"/>
         </a:buClr>
         <a:buFont typeface="Arial"/>
-        <a:defRPr b="0" i="0" sz="1400" u="none" cap="none" strike="noStrike">
+        <a:defRPr sz="1400" b="0" i="0" u="none" strike="noStrike" cap="none">
           <a:solidFill>
             <a:srgbClr val="000000"/>
           </a:solidFill>
@@ -8358,7 +8326,7 @@
           <a:sym typeface="Arial"/>
         </a:defRPr>
       </a:lvl3pPr>
-      <a:lvl4pPr lvl="3" marR="0" rtl="0" algn="l">
+      <a:lvl4pPr marR="0" lvl="3" algn="l" rtl="0">
         <a:lnSpc>
           <a:spcPct val="100000"/>
         </a:lnSpc>
@@ -8372,7 +8340,7 @@
           <a:srgbClr val="000000"/>
         </a:buClr>
         <a:buFont typeface="Arial"/>
-        <a:defRPr b="0" i="0" sz="1400" u="none" cap="none" strike="noStrike">
+        <a:defRPr sz="1400" b="0" i="0" u="none" strike="noStrike" cap="none">
           <a:solidFill>
             <a:srgbClr val="000000"/>
           </a:solidFill>
@@ -8382,7 +8350,7 @@
           <a:sym typeface="Arial"/>
         </a:defRPr>
       </a:lvl4pPr>
-      <a:lvl5pPr lvl="4" marR="0" rtl="0" algn="l">
+      <a:lvl5pPr marR="0" lvl="4" algn="l" rtl="0">
         <a:lnSpc>
           <a:spcPct val="100000"/>
         </a:lnSpc>
@@ -8396,7 +8364,7 @@
           <a:srgbClr val="000000"/>
         </a:buClr>
         <a:buFont typeface="Arial"/>
-        <a:defRPr b="0" i="0" sz="1400" u="none" cap="none" strike="noStrike">
+        <a:defRPr sz="1400" b="0" i="0" u="none" strike="noStrike" cap="none">
           <a:solidFill>
             <a:srgbClr val="000000"/>
           </a:solidFill>
@@ -8406,7 +8374,7 @@
           <a:sym typeface="Arial"/>
         </a:defRPr>
       </a:lvl5pPr>
-      <a:lvl6pPr lvl="5" marR="0" rtl="0" algn="l">
+      <a:lvl6pPr marR="0" lvl="5" algn="l" rtl="0">
         <a:lnSpc>
           <a:spcPct val="100000"/>
         </a:lnSpc>
@@ -8420,7 +8388,7 @@
           <a:srgbClr val="000000"/>
         </a:buClr>
         <a:buFont typeface="Arial"/>
-        <a:defRPr b="0" i="0" sz="1400" u="none" cap="none" strike="noStrike">
+        <a:defRPr sz="1400" b="0" i="0" u="none" strike="noStrike" cap="none">
           <a:solidFill>
             <a:srgbClr val="000000"/>
           </a:solidFill>
@@ -8430,7 +8398,7 @@
           <a:sym typeface="Arial"/>
         </a:defRPr>
       </a:lvl6pPr>
-      <a:lvl7pPr lvl="6" marR="0" rtl="0" algn="l">
+      <a:lvl7pPr marR="0" lvl="6" algn="l" rtl="0">
         <a:lnSpc>
           <a:spcPct val="100000"/>
         </a:lnSpc>
@@ -8444,7 +8412,7 @@
           <a:srgbClr val="000000"/>
         </a:buClr>
         <a:buFont typeface="Arial"/>
-        <a:defRPr b="0" i="0" sz="1400" u="none" cap="none" strike="noStrike">
+        <a:defRPr sz="1400" b="0" i="0" u="none" strike="noStrike" cap="none">
           <a:solidFill>
             <a:srgbClr val="000000"/>
           </a:solidFill>
@@ -8454,7 +8422,7 @@
           <a:sym typeface="Arial"/>
         </a:defRPr>
       </a:lvl7pPr>
-      <a:lvl8pPr lvl="7" marR="0" rtl="0" algn="l">
+      <a:lvl8pPr marR="0" lvl="7" algn="l" rtl="0">
         <a:lnSpc>
           <a:spcPct val="100000"/>
         </a:lnSpc>
@@ -8468,7 +8436,7 @@
           <a:srgbClr val="000000"/>
         </a:buClr>
         <a:buFont typeface="Arial"/>
-        <a:defRPr b="0" i="0" sz="1400" u="none" cap="none" strike="noStrike">
+        <a:defRPr sz="1400" b="0" i="0" u="none" strike="noStrike" cap="none">
           <a:solidFill>
             <a:srgbClr val="000000"/>
           </a:solidFill>
@@ -8478,7 +8446,7 @@
           <a:sym typeface="Arial"/>
         </a:defRPr>
       </a:lvl8pPr>
-      <a:lvl9pPr lvl="8" marR="0" rtl="0" algn="l">
+      <a:lvl9pPr marR="0" lvl="8" algn="l" rtl="0">
         <a:lnSpc>
           <a:spcPct val="100000"/>
         </a:lnSpc>
@@ -8492,7 +8460,7 @@
           <a:srgbClr val="000000"/>
         </a:buClr>
         <a:buFont typeface="Arial"/>
-        <a:defRPr b="0" i="0" sz="1400" u="none" cap="none" strike="noStrike">
+        <a:defRPr sz="1400" b="0" i="0" u="none" strike="noStrike" cap="none">
           <a:solidFill>
             <a:srgbClr val="000000"/>
           </a:solidFill>
@@ -8504,7 +8472,7 @@
       </a:lvl9pPr>
     </p:titleStyle>
     <p:bodyStyle>
-      <a:defPPr lvl="0" marR="0" rtl="0" algn="l">
+      <a:defPPr marR="0" lvl="0" algn="l" rtl="0">
         <a:lnSpc>
           <a:spcPct val="100000"/>
         </a:lnSpc>
@@ -8515,7 +8483,7 @@
           <a:spcPts val="0"/>
         </a:spcAft>
       </a:defPPr>
-      <a:lvl1pPr lvl="0" marR="0" rtl="0" algn="l">
+      <a:lvl1pPr marR="0" lvl="0" algn="l" rtl="0">
         <a:lnSpc>
           <a:spcPct val="100000"/>
         </a:lnSpc>
@@ -8529,7 +8497,7 @@
           <a:srgbClr val="000000"/>
         </a:buClr>
         <a:buFont typeface="Arial"/>
-        <a:defRPr b="0" i="0" sz="1400" u="none" cap="none" strike="noStrike">
+        <a:defRPr sz="1400" b="0" i="0" u="none" strike="noStrike" cap="none">
           <a:solidFill>
             <a:srgbClr val="000000"/>
           </a:solidFill>
@@ -8539,7 +8507,7 @@
           <a:sym typeface="Arial"/>
         </a:defRPr>
       </a:lvl1pPr>
-      <a:lvl2pPr lvl="1" marR="0" rtl="0" algn="l">
+      <a:lvl2pPr marR="0" lvl="1" algn="l" rtl="0">
         <a:lnSpc>
           <a:spcPct val="100000"/>
         </a:lnSpc>
@@ -8553,7 +8521,7 @@
           <a:srgbClr val="000000"/>
         </a:buClr>
         <a:buFont typeface="Arial"/>
-        <a:defRPr b="0" i="0" sz="1400" u="none" cap="none" strike="noStrike">
+        <a:defRPr sz="1400" b="0" i="0" u="none" strike="noStrike" cap="none">
           <a:solidFill>
             <a:srgbClr val="000000"/>
           </a:solidFill>
@@ -8563,7 +8531,7 @@
           <a:sym typeface="Arial"/>
         </a:defRPr>
       </a:lvl2pPr>
-      <a:lvl3pPr lvl="2" marR="0" rtl="0" algn="l">
+      <a:lvl3pPr marR="0" lvl="2" algn="l" rtl="0">
         <a:lnSpc>
           <a:spcPct val="100000"/>
         </a:lnSpc>
@@ -8577,7 +8545,7 @@
           <a:srgbClr val="000000"/>
         </a:buClr>
         <a:buFont typeface="Arial"/>
-        <a:defRPr b="0" i="0" sz="1400" u="none" cap="none" strike="noStrike">
+        <a:defRPr sz="1400" b="0" i="0" u="none" strike="noStrike" cap="none">
           <a:solidFill>
             <a:srgbClr val="000000"/>
           </a:solidFill>
@@ -8587,7 +8555,7 @@
           <a:sym typeface="Arial"/>
         </a:defRPr>
       </a:lvl3pPr>
-      <a:lvl4pPr lvl="3" marR="0" rtl="0" algn="l">
+      <a:lvl4pPr marR="0" lvl="3" algn="l" rtl="0">
         <a:lnSpc>
           <a:spcPct val="100000"/>
         </a:lnSpc>
@@ -8601,7 +8569,7 @@
           <a:srgbClr val="000000"/>
         </a:buClr>
         <a:buFont typeface="Arial"/>
-        <a:defRPr b="0" i="0" sz="1400" u="none" cap="none" strike="noStrike">
+        <a:defRPr sz="1400" b="0" i="0" u="none" strike="noStrike" cap="none">
           <a:solidFill>
             <a:srgbClr val="000000"/>
           </a:solidFill>
@@ -8611,7 +8579,7 @@
           <a:sym typeface="Arial"/>
         </a:defRPr>
       </a:lvl4pPr>
-      <a:lvl5pPr lvl="4" marR="0" rtl="0" algn="l">
+      <a:lvl5pPr marR="0" lvl="4" algn="l" rtl="0">
         <a:lnSpc>
           <a:spcPct val="100000"/>
         </a:lnSpc>
@@ -8625,7 +8593,7 @@
           <a:srgbClr val="000000"/>
         </a:buClr>
         <a:buFont typeface="Arial"/>
-        <a:defRPr b="0" i="0" sz="1400" u="none" cap="none" strike="noStrike">
+        <a:defRPr sz="1400" b="0" i="0" u="none" strike="noStrike" cap="none">
           <a:solidFill>
             <a:srgbClr val="000000"/>
           </a:solidFill>
@@ -8635,7 +8603,7 @@
           <a:sym typeface="Arial"/>
         </a:defRPr>
       </a:lvl5pPr>
-      <a:lvl6pPr lvl="5" marR="0" rtl="0" algn="l">
+      <a:lvl6pPr marR="0" lvl="5" algn="l" rtl="0">
         <a:lnSpc>
           <a:spcPct val="100000"/>
         </a:lnSpc>
@@ -8649,7 +8617,7 @@
           <a:srgbClr val="000000"/>
         </a:buClr>
         <a:buFont typeface="Arial"/>
-        <a:defRPr b="0" i="0" sz="1400" u="none" cap="none" strike="noStrike">
+        <a:defRPr sz="1400" b="0" i="0" u="none" strike="noStrike" cap="none">
           <a:solidFill>
             <a:srgbClr val="000000"/>
           </a:solidFill>
@@ -8659,7 +8627,7 @@
           <a:sym typeface="Arial"/>
         </a:defRPr>
       </a:lvl6pPr>
-      <a:lvl7pPr lvl="6" marR="0" rtl="0" algn="l">
+      <a:lvl7pPr marR="0" lvl="6" algn="l" rtl="0">
         <a:lnSpc>
           <a:spcPct val="100000"/>
         </a:lnSpc>
@@ -8673,7 +8641,7 @@
           <a:srgbClr val="000000"/>
         </a:buClr>
         <a:buFont typeface="Arial"/>
-        <a:defRPr b="0" i="0" sz="1400" u="none" cap="none" strike="noStrike">
+        <a:defRPr sz="1400" b="0" i="0" u="none" strike="noStrike" cap="none">
           <a:solidFill>
             <a:srgbClr val="000000"/>
           </a:solidFill>
@@ -8683,7 +8651,7 @@
           <a:sym typeface="Arial"/>
         </a:defRPr>
       </a:lvl7pPr>
-      <a:lvl8pPr lvl="7" marR="0" rtl="0" algn="l">
+      <a:lvl8pPr marR="0" lvl="7" algn="l" rtl="0">
         <a:lnSpc>
           <a:spcPct val="100000"/>
         </a:lnSpc>
@@ -8697,7 +8665,7 @@
           <a:srgbClr val="000000"/>
         </a:buClr>
         <a:buFont typeface="Arial"/>
-        <a:defRPr b="0" i="0" sz="1400" u="none" cap="none" strike="noStrike">
+        <a:defRPr sz="1400" b="0" i="0" u="none" strike="noStrike" cap="none">
           <a:solidFill>
             <a:srgbClr val="000000"/>
           </a:solidFill>
@@ -8707,7 +8675,7 @@
           <a:sym typeface="Arial"/>
         </a:defRPr>
       </a:lvl8pPr>
-      <a:lvl9pPr lvl="8" marR="0" rtl="0" algn="l">
+      <a:lvl9pPr marR="0" lvl="8" algn="l" rtl="0">
         <a:lnSpc>
           <a:spcPct val="100000"/>
         </a:lnSpc>
@@ -8721,7 +8689,7 @@
           <a:srgbClr val="000000"/>
         </a:buClr>
         <a:buFont typeface="Arial"/>
-        <a:defRPr b="0" i="0" sz="1400" u="none" cap="none" strike="noStrike">
+        <a:defRPr sz="1400" b="0" i="0" u="none" strike="noStrike" cap="none">
           <a:solidFill>
             <a:srgbClr val="000000"/>
           </a:solidFill>
@@ -8733,7 +8701,7 @@
       </a:lvl9pPr>
     </p:bodyStyle>
     <p:otherStyle>
-      <a:defPPr lvl="0" marR="0" rtl="0" algn="l">
+      <a:defPPr marR="0" lvl="0" algn="l" rtl="0">
         <a:lnSpc>
           <a:spcPct val="100000"/>
         </a:lnSpc>
@@ -8744,7 +8712,7 @@
           <a:spcPts val="0"/>
         </a:spcAft>
       </a:defPPr>
-      <a:lvl1pPr lvl="0" marR="0" rtl="0" algn="l">
+      <a:lvl1pPr marR="0" lvl="0" algn="l" rtl="0">
         <a:lnSpc>
           <a:spcPct val="100000"/>
         </a:lnSpc>
@@ -8758,7 +8726,7 @@
           <a:srgbClr val="000000"/>
         </a:buClr>
         <a:buFont typeface="Arial"/>
-        <a:defRPr b="0" i="0" sz="1400" u="none" cap="none" strike="noStrike">
+        <a:defRPr sz="1400" b="0" i="0" u="none" strike="noStrike" cap="none">
           <a:solidFill>
             <a:srgbClr val="000000"/>
           </a:solidFill>
@@ -8768,7 +8736,7 @@
           <a:sym typeface="Arial"/>
         </a:defRPr>
       </a:lvl1pPr>
-      <a:lvl2pPr lvl="1" marR="0" rtl="0" algn="l">
+      <a:lvl2pPr marR="0" lvl="1" algn="l" rtl="0">
         <a:lnSpc>
           <a:spcPct val="100000"/>
         </a:lnSpc>
@@ -8782,7 +8750,7 @@
           <a:srgbClr val="000000"/>
         </a:buClr>
         <a:buFont typeface="Arial"/>
-        <a:defRPr b="0" i="0" sz="1400" u="none" cap="none" strike="noStrike">
+        <a:defRPr sz="1400" b="0" i="0" u="none" strike="noStrike" cap="none">
           <a:solidFill>
             <a:srgbClr val="000000"/>
           </a:solidFill>
@@ -8792,7 +8760,7 @@
           <a:sym typeface="Arial"/>
         </a:defRPr>
       </a:lvl2pPr>
-      <a:lvl3pPr lvl="2" marR="0" rtl="0" algn="l">
+      <a:lvl3pPr marR="0" lvl="2" algn="l" rtl="0">
         <a:lnSpc>
           <a:spcPct val="100000"/>
         </a:lnSpc>
@@ -8806,7 +8774,7 @@
           <a:srgbClr val="000000"/>
         </a:buClr>
         <a:buFont typeface="Arial"/>
-        <a:defRPr b="0" i="0" sz="1400" u="none" cap="none" strike="noStrike">
+        <a:defRPr sz="1400" b="0" i="0" u="none" strike="noStrike" cap="none">
           <a:solidFill>
             <a:srgbClr val="000000"/>
           </a:solidFill>
@@ -8816,7 +8784,7 @@
           <a:sym typeface="Arial"/>
         </a:defRPr>
       </a:lvl3pPr>
-      <a:lvl4pPr lvl="3" marR="0" rtl="0" algn="l">
+      <a:lvl4pPr marR="0" lvl="3" algn="l" rtl="0">
         <a:lnSpc>
           <a:spcPct val="100000"/>
         </a:lnSpc>
@@ -8830,7 +8798,7 @@
           <a:srgbClr val="000000"/>
         </a:buClr>
         <a:buFont typeface="Arial"/>
-        <a:defRPr b="0" i="0" sz="1400" u="none" cap="none" strike="noStrike">
+        <a:defRPr sz="1400" b="0" i="0" u="none" strike="noStrike" cap="none">
           <a:solidFill>
             <a:srgbClr val="000000"/>
           </a:solidFill>
@@ -8840,7 +8808,7 @@
           <a:sym typeface="Arial"/>
         </a:defRPr>
       </a:lvl4pPr>
-      <a:lvl5pPr lvl="4" marR="0" rtl="0" algn="l">
+      <a:lvl5pPr marR="0" lvl="4" algn="l" rtl="0">
         <a:lnSpc>
           <a:spcPct val="100000"/>
         </a:lnSpc>
@@ -8854,7 +8822,7 @@
           <a:srgbClr val="000000"/>
         </a:buClr>
         <a:buFont typeface="Arial"/>
-        <a:defRPr b="0" i="0" sz="1400" u="none" cap="none" strike="noStrike">
+        <a:defRPr sz="1400" b="0" i="0" u="none" strike="noStrike" cap="none">
           <a:solidFill>
             <a:srgbClr val="000000"/>
           </a:solidFill>
@@ -8864,7 +8832,7 @@
           <a:sym typeface="Arial"/>
         </a:defRPr>
       </a:lvl5pPr>
-      <a:lvl6pPr lvl="5" marR="0" rtl="0" algn="l">
+      <a:lvl6pPr marR="0" lvl="5" algn="l" rtl="0">
         <a:lnSpc>
           <a:spcPct val="100000"/>
         </a:lnSpc>
@@ -8878,7 +8846,7 @@
           <a:srgbClr val="000000"/>
         </a:buClr>
         <a:buFont typeface="Arial"/>
-        <a:defRPr b="0" i="0" sz="1400" u="none" cap="none" strike="noStrike">
+        <a:defRPr sz="1400" b="0" i="0" u="none" strike="noStrike" cap="none">
           <a:solidFill>
             <a:srgbClr val="000000"/>
           </a:solidFill>
@@ -8888,7 +8856,7 @@
           <a:sym typeface="Arial"/>
         </a:defRPr>
       </a:lvl6pPr>
-      <a:lvl7pPr lvl="6" marR="0" rtl="0" algn="l">
+      <a:lvl7pPr marR="0" lvl="6" algn="l" rtl="0">
         <a:lnSpc>
           <a:spcPct val="100000"/>
         </a:lnSpc>
@@ -8902,7 +8870,7 @@
           <a:srgbClr val="000000"/>
         </a:buClr>
         <a:buFont typeface="Arial"/>
-        <a:defRPr b="0" i="0" sz="1400" u="none" cap="none" strike="noStrike">
+        <a:defRPr sz="1400" b="0" i="0" u="none" strike="noStrike" cap="none">
           <a:solidFill>
             <a:srgbClr val="000000"/>
           </a:solidFill>
@@ -8912,7 +8880,7 @@
           <a:sym typeface="Arial"/>
         </a:defRPr>
       </a:lvl7pPr>
-      <a:lvl8pPr lvl="7" marR="0" rtl="0" algn="l">
+      <a:lvl8pPr marR="0" lvl="7" algn="l" rtl="0">
         <a:lnSpc>
           <a:spcPct val="100000"/>
         </a:lnSpc>
@@ -8926,7 +8894,7 @@
           <a:srgbClr val="000000"/>
         </a:buClr>
         <a:buFont typeface="Arial"/>
-        <a:defRPr b="0" i="0" sz="1400" u="none" cap="none" strike="noStrike">
+        <a:defRPr sz="1400" b="0" i="0" u="none" strike="noStrike" cap="none">
           <a:solidFill>
             <a:srgbClr val="000000"/>
           </a:solidFill>
@@ -8936,7 +8904,7 @@
           <a:sym typeface="Arial"/>
         </a:defRPr>
       </a:lvl8pPr>
-      <a:lvl9pPr lvl="8" marR="0" rtl="0" algn="l">
+      <a:lvl9pPr marR="0" lvl="8" algn="l" rtl="0">
         <a:lnSpc>
           <a:spcPct val="100000"/>
         </a:lnSpc>
@@ -8950,7 +8918,7 @@
           <a:srgbClr val="000000"/>
         </a:buClr>
         <a:buFont typeface="Arial"/>
-        <a:defRPr b="0" i="0" sz="1400" u="none" cap="none" strike="noStrike">
+        <a:defRPr sz="1400" b="0" i="0" u="none" strike="noStrike" cap="none">
           <a:solidFill>
             <a:srgbClr val="000000"/>
           </a:solidFill>
@@ -8966,11 +8934,11 @@
 </file>
 
 <file path=ppt/slides/slide1.xml><?xml version="1.0" encoding="utf-8"?>
-<p:sld xmlns:a="http://schemas.openxmlformats.org/drawingml/2006/main" xmlns:r="http://schemas.openxmlformats.org/officeDocument/2006/relationships" xmlns:mc="http://schemas.openxmlformats.org/markup-compatibility/2006" xmlns:mv="urn:schemas-microsoft-com:mac:vml" xmlns:p="http://schemas.openxmlformats.org/presentationml/2006/main" xmlns:c="http://schemas.openxmlformats.org/drawingml/2006/chart" xmlns:dgm="http://schemas.openxmlformats.org/drawingml/2006/diagram" xmlns:o="urn:schemas-microsoft-com:office:office" xmlns:v="urn:schemas-microsoft-com:vml" xmlns:pvml="urn:schemas-microsoft-com:office:powerpoint" xmlns:com="http://schemas.openxmlformats.org/drawingml/2006/compatibility" xmlns:p14="http://schemas.microsoft.com/office/powerpoint/2010/main" xmlns:p15="http://schemas.microsoft.com/office/powerpoint/2012/main" xmlns:ahyp="http://schemas.microsoft.com/office/drawing/2018/hyperlinkcolor">
+<p:sld xmlns:a="http://schemas.openxmlformats.org/drawingml/2006/main" xmlns:r="http://schemas.openxmlformats.org/officeDocument/2006/relationships" xmlns:p="http://schemas.openxmlformats.org/presentationml/2006/main">
   <p:cSld>
     <p:spTree>
       <p:nvGrpSpPr>
-        <p:cNvPr id="127" name="Shape 127"/>
+        <p:cNvPr id="1" name="Shape 127"/>
         <p:cNvGrpSpPr/>
         <p:nvPr/>
       </p:nvGrpSpPr>
@@ -8985,7 +8953,9 @@
       <p:sp>
         <p:nvSpPr>
           <p:cNvPr id="128" name="Google Shape;128;p13"/>
-          <p:cNvSpPr txBox="1"/>
+          <p:cNvSpPr txBox="1">
+            <a:spLocks noGrp="1"/>
+          </p:cNvSpPr>
           <p:nvPr>
             <p:ph type="ctrTitle"/>
           </p:nvPr>
@@ -9000,12 +8970,12 @@
           </a:prstGeom>
         </p:spPr>
         <p:txBody>
-          <a:bodyPr anchorCtr="0" anchor="ctr" bIns="91425" lIns="91425" spcFirstLastPara="1" rIns="91425" wrap="square" tIns="91425">
+          <a:bodyPr spcFirstLastPara="1" wrap="square" lIns="91425" tIns="91425" rIns="91425" bIns="91425" anchor="ctr" anchorCtr="0">
             <a:normAutofit/>
           </a:bodyPr>
           <a:lstStyle/>
           <a:p>
-            <a:pPr indent="0" lvl="0" marL="0" rtl="0" algn="ctr">
+            <a:pPr marL="0" lvl="0" indent="0" algn="ctr" rtl="0">
               <a:spcBef>
                 <a:spcPts val="0"/>
               </a:spcBef>
@@ -9015,7 +8985,7 @@
               <a:buNone/>
             </a:pPr>
             <a:r>
-              <a:rPr b="1" lang="en"/>
+              <a:rPr lang="en" b="1"/>
               <a:t>THE KC HOUSE PROJECT</a:t>
             </a:r>
             <a:endParaRPr b="1"/>
@@ -9031,11 +9001,11 @@
 </file>
 
 <file path=ppt/slides/slide2.xml><?xml version="1.0" encoding="utf-8"?>
-<p:sld xmlns:a="http://schemas.openxmlformats.org/drawingml/2006/main" xmlns:r="http://schemas.openxmlformats.org/officeDocument/2006/relationships" xmlns:mc="http://schemas.openxmlformats.org/markup-compatibility/2006" xmlns:mv="urn:schemas-microsoft-com:mac:vml" xmlns:p="http://schemas.openxmlformats.org/presentationml/2006/main" xmlns:c="http://schemas.openxmlformats.org/drawingml/2006/chart" xmlns:dgm="http://schemas.openxmlformats.org/drawingml/2006/diagram" xmlns:o="urn:schemas-microsoft-com:office:office" xmlns:v="urn:schemas-microsoft-com:vml" xmlns:pvml="urn:schemas-microsoft-com:office:powerpoint" xmlns:com="http://schemas.openxmlformats.org/drawingml/2006/compatibility" xmlns:p14="http://schemas.microsoft.com/office/powerpoint/2010/main" xmlns:p15="http://schemas.microsoft.com/office/powerpoint/2012/main" xmlns:ahyp="http://schemas.microsoft.com/office/drawing/2018/hyperlinkcolor">
+<p:sld xmlns:a="http://schemas.openxmlformats.org/drawingml/2006/main" xmlns:r="http://schemas.openxmlformats.org/officeDocument/2006/relationships" xmlns:p="http://schemas.openxmlformats.org/presentationml/2006/main">
   <p:cSld>
     <p:spTree>
       <p:nvGrpSpPr>
-        <p:cNvPr id="132" name="Shape 132"/>
+        <p:cNvPr id="1" name="Shape 132"/>
         <p:cNvGrpSpPr/>
         <p:nvPr/>
       </p:nvGrpSpPr>
@@ -9050,7 +9020,9 @@
       <p:sp>
         <p:nvSpPr>
           <p:cNvPr id="133" name="Google Shape;133;p14"/>
-          <p:cNvSpPr txBox="1"/>
+          <p:cNvSpPr txBox="1">
+            <a:spLocks noGrp="1"/>
+          </p:cNvSpPr>
           <p:nvPr>
             <p:ph type="title"/>
           </p:nvPr>
@@ -9065,12 +9037,12 @@
           </a:prstGeom>
         </p:spPr>
         <p:txBody>
-          <a:bodyPr anchorCtr="0" anchor="t" bIns="91425" lIns="91425" spcFirstLastPara="1" rIns="91425" wrap="square" tIns="91425">
+          <a:bodyPr spcFirstLastPara="1" wrap="square" lIns="91425" tIns="91425" rIns="91425" bIns="91425" anchor="t" anchorCtr="0">
             <a:normAutofit/>
           </a:bodyPr>
           <a:lstStyle/>
           <a:p>
-            <a:pPr indent="0" lvl="0" marL="0" rtl="0" algn="l">
+            <a:pPr marL="0" lvl="0" indent="0" algn="l" rtl="0">
               <a:spcBef>
                 <a:spcPts val="0"/>
               </a:spcBef>
@@ -9080,180 +9052,186 @@
               <a:buNone/>
             </a:pPr>
             <a:r>
-              <a:t/>
+              <a:rPr lang="en-US" dirty="0"/>
+              <a:t>                	           </a:t>
             </a:r>
-            <a:endParaRPr/>
+            <a:r>
+              <a:rPr lang="en-US" dirty="0">
+                <a:solidFill>
+                  <a:srgbClr val="C00000"/>
+                </a:solidFill>
+              </a:rPr>
+              <a:t>The Goal</a:t>
+            </a:r>
+            <a:endParaRPr dirty="0"/>
           </a:p>
         </p:txBody>
       </p:sp>
       <p:sp>
         <p:nvSpPr>
           <p:cNvPr id="134" name="Google Shape;134;p14"/>
-          <p:cNvSpPr txBox="1"/>
+          <p:cNvSpPr txBox="1">
+            <a:spLocks noGrp="1"/>
+          </p:cNvSpPr>
           <p:nvPr>
-            <p:ph idx="1" type="body"/>
+            <p:ph type="body" idx="1"/>
           </p:nvPr>
         </p:nvSpPr>
         <p:spPr>
           <a:xfrm>
-            <a:off x="819150" y="1990725"/>
-            <a:ext cx="7505700" cy="2448000"/>
+            <a:off x="819150" y="1652954"/>
+            <a:ext cx="7505700" cy="2785771"/>
           </a:xfrm>
           <a:prstGeom prst="rect">
             <a:avLst/>
           </a:prstGeom>
         </p:spPr>
         <p:txBody>
-          <a:bodyPr anchorCtr="0" anchor="t" bIns="91425" lIns="91425" spcFirstLastPara="1" rIns="91425" wrap="square" tIns="91425">
+          <a:bodyPr spcFirstLastPara="1" wrap="square" lIns="91425" tIns="91425" rIns="91425" bIns="91425" anchor="t" anchorCtr="0">
             <a:normAutofit/>
           </a:bodyPr>
           <a:lstStyle/>
           <a:p>
-            <a:pPr indent="0" lvl="0" marL="0" rtl="0" algn="l">
-              <a:spcBef>
-                <a:spcPts val="0"/>
-              </a:spcBef>
-              <a:spcAft>
-                <a:spcPts val="1200"/>
-              </a:spcAft>
-              <a:buNone/>
+            <a:pPr>
+              <a:buFont typeface="Wingdings" panose="05000000000000000000" pitchFamily="2" charset="2"/>
+              <a:buChar char="v"/>
             </a:pPr>
             <a:r>
-              <a:rPr lang="en" sz="1200">
+              <a:rPr lang="en-US" sz="1800" kern="0" dirty="0">
                 <a:solidFill>
-                  <a:srgbClr val="E6EDF3"/>
+                  <a:schemeClr val="tx2">
+                    <a:lumMod val="10000"/>
+                  </a:schemeClr>
                 </a:solidFill>
-                <a:highlight>
-                  <a:srgbClr val="0D1117"/>
-                </a:highlight>
-                <a:latin typeface="Arial"/>
-                <a:ea typeface="Arial"/>
-                <a:cs typeface="Arial"/>
-                <a:sym typeface="Arial"/>
+                <a:effectLst/>
+                <a:latin typeface="Trebuchet MS" panose="020B0603020202020204" pitchFamily="34" charset="0"/>
+                <a:ea typeface="Times New Roman" panose="02020603050405020304" pitchFamily="18" charset="0"/>
+                <a:cs typeface="Times New Roman" panose="02020603050405020304" pitchFamily="18" charset="0"/>
               </a:rPr>
-              <a:t>The presentation describes the project </a:t>
+              <a:t>T</a:t>
             </a:r>
             <a:r>
-              <a:rPr i="1" lang="en" sz="1200">
+              <a:rPr lang="en-KE" sz="1800" kern="0" dirty="0">
                 <a:solidFill>
-                  <a:srgbClr val="E6EDF3"/>
+                  <a:schemeClr val="tx2">
+                    <a:lumMod val="10000"/>
+                  </a:schemeClr>
                 </a:solidFill>
-                <a:highlight>
-                  <a:srgbClr val="0D1117"/>
-                </a:highlight>
-                <a:latin typeface="Arial"/>
-                <a:ea typeface="Arial"/>
-                <a:cs typeface="Arial"/>
-                <a:sym typeface="Arial"/>
+                <a:effectLst/>
+                <a:latin typeface="Trebuchet MS" panose="020B0603020202020204" pitchFamily="34" charset="0"/>
+                <a:ea typeface="Times New Roman" panose="02020603050405020304" pitchFamily="18" charset="0"/>
+                <a:cs typeface="Times New Roman" panose="02020603050405020304" pitchFamily="18" charset="0"/>
               </a:rPr>
-              <a:t>goals, data, methods, and results</a:t>
+              <a:t>o build</a:t>
             </a:r>
             <a:r>
-              <a:rPr lang="en" sz="1200">
+              <a:rPr lang="en-US" sz="1800" kern="0" dirty="0">
                 <a:solidFill>
-                  <a:srgbClr val="E6EDF3"/>
+                  <a:schemeClr val="tx2">
+                    <a:lumMod val="10000"/>
+                  </a:schemeClr>
                 </a:solidFill>
-                <a:highlight>
-                  <a:srgbClr val="0D1117"/>
-                </a:highlight>
-                <a:latin typeface="Arial"/>
-                <a:ea typeface="Arial"/>
-                <a:cs typeface="Arial"/>
-                <a:sym typeface="Arial"/>
+                <a:effectLst/>
+                <a:latin typeface="Trebuchet MS" panose="020B0603020202020204" pitchFamily="34" charset="0"/>
+                <a:ea typeface="Times New Roman" panose="02020603050405020304" pitchFamily="18" charset="0"/>
+                <a:cs typeface="Times New Roman" panose="02020603050405020304" pitchFamily="18" charset="0"/>
               </a:rPr>
-              <a:t>. It must include at least </a:t>
+              <a:t> understand the factors tha</a:t>
             </a:r>
             <a:r>
-              <a:rPr i="1" lang="en" sz="1200">
+              <a:rPr lang="en-US" sz="1800" dirty="0">
                 <a:solidFill>
-                  <a:srgbClr val="E6EDF3"/>
+                  <a:schemeClr val="tx2">
+                    <a:lumMod val="10000"/>
+                  </a:schemeClr>
                 </a:solidFill>
-                <a:highlight>
-                  <a:srgbClr val="0D1117"/>
-                </a:highlight>
-                <a:latin typeface="Arial"/>
-                <a:ea typeface="Arial"/>
-                <a:cs typeface="Arial"/>
-                <a:sym typeface="Arial"/>
+                <a:latin typeface="Trebuchet MS" panose="020B0603020202020204" pitchFamily="34" charset="0"/>
+                <a:ea typeface="Times New Roman" panose="02020603050405020304" pitchFamily="18" charset="0"/>
+                <a:cs typeface="Times New Roman" panose="02020603050405020304" pitchFamily="18" charset="0"/>
               </a:rPr>
-              <a:t>three </a:t>
+              <a:t>t</a:t>
             </a:r>
             <a:r>
-              <a:rPr i="1" lang="en">
+              <a:rPr lang="en-KE" sz="1800" kern="0" dirty="0">
                 <a:solidFill>
-                  <a:srgbClr val="E6EDF3"/>
+                  <a:schemeClr val="tx2">
+                    <a:lumMod val="10000"/>
+                  </a:schemeClr>
                 </a:solidFill>
-                <a:highlight>
-                  <a:srgbClr val="0D1117"/>
-                </a:highlight>
-                <a:latin typeface="Arial"/>
-                <a:ea typeface="Arial"/>
-                <a:cs typeface="Arial"/>
-                <a:sym typeface="Arial"/>
+                <a:effectLst/>
+                <a:latin typeface="Trebuchet MS" panose="020B0603020202020204" pitchFamily="34" charset="0"/>
+                <a:ea typeface="Times New Roman" panose="02020603050405020304" pitchFamily="18" charset="0"/>
+                <a:cs typeface="Times New Roman" panose="02020603050405020304" pitchFamily="18" charset="0"/>
               </a:rPr>
-              <a:t>visualizations</a:t>
+              <a:t> can predict the impact of home renovations on the estimated value of houses. </a:t>
+            </a:r>
+            <a:endParaRPr lang="en-US" sz="1800" kern="0" dirty="0">
+              <a:solidFill>
+                <a:schemeClr val="tx2">
+                  <a:lumMod val="10000"/>
+                </a:schemeClr>
+              </a:solidFill>
+              <a:effectLst/>
+              <a:latin typeface="Trebuchet MS" panose="020B0603020202020204" pitchFamily="34" charset="0"/>
+              <a:ea typeface="Times New Roman" panose="02020603050405020304" pitchFamily="18" charset="0"/>
+              <a:cs typeface="Times New Roman" panose="02020603050405020304" pitchFamily="18" charset="0"/>
+            </a:endParaRPr>
+          </a:p>
+          <a:p>
+            <a:pPr>
+              <a:buFont typeface="Wingdings" panose="05000000000000000000" pitchFamily="2" charset="2"/>
+              <a:buChar char="v"/>
+            </a:pPr>
+            <a:endParaRPr lang="en-US" sz="1800" dirty="0">
+              <a:solidFill>
+                <a:schemeClr val="tx2">
+                  <a:lumMod val="10000"/>
+                </a:schemeClr>
+              </a:solidFill>
+              <a:latin typeface="Trebuchet MS" panose="020B0603020202020204" pitchFamily="34" charset="0"/>
+              <a:ea typeface="Times New Roman" panose="02020603050405020304" pitchFamily="18" charset="0"/>
+              <a:cs typeface="Times New Roman" panose="02020603050405020304" pitchFamily="18" charset="0"/>
+            </a:endParaRPr>
+          </a:p>
+          <a:p>
+            <a:pPr>
+              <a:buFont typeface="Wingdings" panose="05000000000000000000" pitchFamily="2" charset="2"/>
+              <a:buChar char="v"/>
+            </a:pPr>
+            <a:r>
+              <a:rPr lang="en-US" sz="1800" dirty="0">
+                <a:solidFill>
+                  <a:schemeClr val="tx2">
+                    <a:lumMod val="10000"/>
+                  </a:schemeClr>
+                </a:solidFill>
+                <a:latin typeface="Trebuchet MS" panose="020B0603020202020204" pitchFamily="34" charset="0"/>
+                <a:ea typeface="Times New Roman" panose="02020603050405020304" pitchFamily="18" charset="0"/>
+                <a:cs typeface="Times New Roman" panose="02020603050405020304" pitchFamily="18" charset="0"/>
+              </a:rPr>
+              <a:t>To help t</a:t>
             </a:r>
             <a:r>
-              <a:rPr lang="en">
+              <a:rPr lang="en-KE" sz="1800" kern="0" dirty="0">
                 <a:solidFill>
-                  <a:srgbClr val="E6EDF3"/>
+                  <a:schemeClr val="tx2">
+                    <a:lumMod val="10000"/>
+                  </a:schemeClr>
                 </a:solidFill>
-                <a:highlight>
-                  <a:srgbClr val="0D1117"/>
-                </a:highlight>
-                <a:latin typeface="Arial"/>
-                <a:ea typeface="Arial"/>
-                <a:cs typeface="Arial"/>
-                <a:sym typeface="Arial"/>
+                <a:effectLst/>
+                <a:latin typeface="Trebuchet MS" panose="020B0603020202020204" pitchFamily="34" charset="0"/>
+                <a:ea typeface="Times New Roman" panose="02020603050405020304" pitchFamily="18" charset="0"/>
+                <a:cs typeface="Times New Roman" panose="02020603050405020304" pitchFamily="18" charset="0"/>
               </a:rPr>
-              <a:t> which correspond to </a:t>
+              <a:t>he real estate agency  provide homeowners with actionable recommendations on which renovations are most likely to yield a higher return on investment</a:t>
             </a:r>
-            <a:r>
-              <a:rPr i="1" lang="en">
-                <a:solidFill>
-                  <a:srgbClr val="E6EDF3"/>
-                </a:solidFill>
-                <a:highlight>
-                  <a:srgbClr val="0D1117"/>
-                </a:highlight>
-                <a:latin typeface="Arial"/>
-                <a:ea typeface="Arial"/>
-                <a:cs typeface="Arial"/>
-                <a:sym typeface="Arial"/>
-              </a:rPr>
-              <a:t>three business recommendations</a:t>
-            </a:r>
-            <a:r>
-              <a:rPr lang="en">
-                <a:solidFill>
-                  <a:srgbClr val="E6EDF3"/>
-                </a:solidFill>
-                <a:highlight>
-                  <a:srgbClr val="0D1117"/>
-                </a:highlight>
-                <a:latin typeface="Arial"/>
-                <a:ea typeface="Arial"/>
-                <a:cs typeface="Arial"/>
-                <a:sym typeface="Arial"/>
-              </a:rPr>
-              <a:t>.</a:t>
-            </a:r>
-            <a:r>
-              <a:rPr i="1" lang="en">
-                <a:solidFill>
-                  <a:srgbClr val="E6EDF3"/>
-                </a:solidFill>
-                <a:highlight>
-                  <a:srgbClr val="0D1117"/>
-                </a:highlight>
-                <a:latin typeface="Arial"/>
-                <a:ea typeface="Arial"/>
-                <a:cs typeface="Arial"/>
-                <a:sym typeface="Arial"/>
-              </a:rPr>
-              <a:t>goals, data, methods, and results</a:t>
-            </a:r>
-            <a:endParaRPr sz="1400"/>
+            <a:endParaRPr sz="1400" dirty="0">
+              <a:solidFill>
+                <a:schemeClr val="tx2">
+                  <a:lumMod val="10000"/>
+                </a:schemeClr>
+              </a:solidFill>
+            </a:endParaRPr>
           </a:p>
         </p:txBody>
       </p:sp>
@@ -9265,8 +9243,1670 @@
 </p:sld>
 </file>
 
+<file path=ppt/slides/slide3.xml><?xml version="1.0" encoding="utf-8"?>
+<p:sld xmlns:a="http://schemas.openxmlformats.org/drawingml/2006/main" xmlns:r="http://schemas.openxmlformats.org/officeDocument/2006/relationships" xmlns:p="http://schemas.openxmlformats.org/presentationml/2006/main">
+  <p:cSld>
+    <p:spTree>
+      <p:nvGrpSpPr>
+        <p:cNvPr id="1" name=""/>
+        <p:cNvGrpSpPr/>
+        <p:nvPr/>
+      </p:nvGrpSpPr>
+      <p:grpSpPr>
+        <a:xfrm>
+          <a:off x="0" y="0"/>
+          <a:ext cx="0" cy="0"/>
+          <a:chOff x="0" y="0"/>
+          <a:chExt cx="0" cy="0"/>
+        </a:xfrm>
+      </p:grpSpPr>
+      <p:sp>
+        <p:nvSpPr>
+          <p:cNvPr id="2" name="Title 1">
+            <a:extLst>
+              <a:ext uri="{FF2B5EF4-FFF2-40B4-BE49-F238E27FC236}">
+                <a16:creationId xmlns:a16="http://schemas.microsoft.com/office/drawing/2014/main" id="{D284EA68-4CFF-13D2-ED3B-61BB9FF8E8D1}"/>
+              </a:ext>
+            </a:extLst>
+          </p:cNvPr>
+          <p:cNvSpPr>
+            <a:spLocks noGrp="1"/>
+          </p:cNvSpPr>
+          <p:nvPr>
+            <p:ph type="title"/>
+          </p:nvPr>
+        </p:nvSpPr>
+        <p:spPr>
+          <a:xfrm>
+            <a:off x="819150" y="845600"/>
+            <a:ext cx="7505700" cy="604828"/>
+          </a:xfrm>
+        </p:spPr>
+        <p:txBody>
+          <a:bodyPr>
+            <a:normAutofit fontScale="90000"/>
+          </a:bodyPr>
+          <a:lstStyle/>
+          <a:p>
+            <a:r>
+              <a:rPr lang="en-US" dirty="0">
+                <a:solidFill>
+                  <a:srgbClr val="C00000"/>
+                </a:solidFill>
+              </a:rPr>
+              <a:t>        Factors that affect the buying of a  house</a:t>
+            </a:r>
+            <a:endParaRPr lang="en-KE" dirty="0"/>
+          </a:p>
+        </p:txBody>
+      </p:sp>
+      <p:sp>
+        <p:nvSpPr>
+          <p:cNvPr id="3" name="Text Placeholder 2">
+            <a:extLst>
+              <a:ext uri="{FF2B5EF4-FFF2-40B4-BE49-F238E27FC236}">
+                <a16:creationId xmlns:a16="http://schemas.microsoft.com/office/drawing/2014/main" id="{0CCB5007-7F43-AADA-DD51-80E129D4591F}"/>
+              </a:ext>
+            </a:extLst>
+          </p:cNvPr>
+          <p:cNvSpPr>
+            <a:spLocks noGrp="1"/>
+          </p:cNvSpPr>
+          <p:nvPr>
+            <p:ph type="body" idx="1"/>
+          </p:nvPr>
+        </p:nvSpPr>
+        <p:spPr>
+          <a:xfrm>
+            <a:off x="819150" y="1555423"/>
+            <a:ext cx="3686100" cy="2883302"/>
+          </a:xfrm>
+        </p:spPr>
+        <p:txBody>
+          <a:bodyPr>
+            <a:normAutofit fontScale="77500" lnSpcReduction="20000"/>
+          </a:bodyPr>
+          <a:lstStyle/>
+          <a:p>
+            <a:pPr>
+              <a:lnSpc>
+                <a:spcPct val="150000"/>
+              </a:lnSpc>
+              <a:spcAft>
+                <a:spcPts val="800"/>
+              </a:spcAft>
+              <a:buFont typeface="Wingdings" panose="05000000000000000000" pitchFamily="2" charset="2"/>
+              <a:buChar char="v"/>
+            </a:pPr>
+            <a:r>
+              <a:rPr lang="en-US" sz="1400" dirty="0">
+                <a:solidFill>
+                  <a:srgbClr val="000000"/>
+                </a:solidFill>
+                <a:latin typeface="Trebuchet MS" panose="020B0603020202020204" pitchFamily="34" charset="0"/>
+                <a:ea typeface="Times New Roman" panose="02020603050405020304" pitchFamily="18" charset="0"/>
+                <a:cs typeface="Times New Roman" panose="02020603050405020304" pitchFamily="18" charset="0"/>
+              </a:rPr>
+              <a:t>Location </a:t>
+            </a:r>
+            <a:r>
+              <a:rPr lang="en-US" sz="1400" dirty="0" err="1">
+                <a:solidFill>
+                  <a:srgbClr val="000000"/>
+                </a:solidFill>
+                <a:latin typeface="Trebuchet MS" panose="020B0603020202020204" pitchFamily="34" charset="0"/>
+                <a:ea typeface="Times New Roman" panose="02020603050405020304" pitchFamily="18" charset="0"/>
+                <a:cs typeface="Times New Roman" panose="02020603050405020304" pitchFamily="18" charset="0"/>
+              </a:rPr>
+              <a:t>i.e</a:t>
+            </a:r>
+            <a:r>
+              <a:rPr lang="en-US" sz="1400" dirty="0">
+                <a:solidFill>
+                  <a:srgbClr val="000000"/>
+                </a:solidFill>
+                <a:latin typeface="Trebuchet MS" panose="020B0603020202020204" pitchFamily="34" charset="0"/>
+                <a:ea typeface="Times New Roman" panose="02020603050405020304" pitchFamily="18" charset="0"/>
+                <a:cs typeface="Times New Roman" panose="02020603050405020304" pitchFamily="18" charset="0"/>
+              </a:rPr>
+              <a:t> </a:t>
+            </a:r>
+            <a:r>
+              <a:rPr lang="en-KE" sz="1400" kern="0" dirty="0">
+                <a:solidFill>
+                  <a:srgbClr val="000000"/>
+                </a:solidFill>
+                <a:effectLst/>
+                <a:latin typeface="Trebuchet MS" panose="020B0603020202020204" pitchFamily="34" charset="0"/>
+                <a:ea typeface="Times New Roman" panose="02020603050405020304" pitchFamily="18" charset="0"/>
+                <a:cs typeface="Times New Roman" panose="02020603050405020304" pitchFamily="18" charset="0"/>
+              </a:rPr>
+              <a:t> </a:t>
+            </a:r>
+            <a:r>
+              <a:rPr lang="en-KE" sz="1400" kern="0" dirty="0" err="1">
+                <a:solidFill>
+                  <a:srgbClr val="000000"/>
+                </a:solidFill>
+                <a:effectLst/>
+                <a:latin typeface="Trebuchet MS" panose="020B0603020202020204" pitchFamily="34" charset="0"/>
+                <a:ea typeface="Times New Roman" panose="02020603050405020304" pitchFamily="18" charset="0"/>
+                <a:cs typeface="Times New Roman" panose="02020603050405020304" pitchFamily="18" charset="0"/>
+              </a:rPr>
+              <a:t>lat</a:t>
+            </a:r>
+            <a:r>
+              <a:rPr lang="en-US" sz="1400" dirty="0">
+                <a:solidFill>
+                  <a:srgbClr val="000000"/>
+                </a:solidFill>
+                <a:latin typeface="Trebuchet MS" panose="020B0603020202020204" pitchFamily="34" charset="0"/>
+                <a:ea typeface="Times New Roman" panose="02020603050405020304" pitchFamily="18" charset="0"/>
+                <a:cs typeface="Times New Roman" panose="02020603050405020304" pitchFamily="18" charset="0"/>
+              </a:rPr>
+              <a:t>, </a:t>
+            </a:r>
+            <a:r>
+              <a:rPr lang="en-KE" sz="1400" kern="0" dirty="0">
+                <a:solidFill>
+                  <a:srgbClr val="000000"/>
+                </a:solidFill>
+                <a:effectLst/>
+                <a:latin typeface="Trebuchet MS" panose="020B0603020202020204" pitchFamily="34" charset="0"/>
+                <a:ea typeface="Times New Roman" panose="02020603050405020304" pitchFamily="18" charset="0"/>
+                <a:cs typeface="Times New Roman" panose="02020603050405020304" pitchFamily="18" charset="0"/>
+              </a:rPr>
+              <a:t> long</a:t>
+            </a:r>
+            <a:r>
+              <a:rPr lang="en-US" sz="1400" kern="0" dirty="0">
+                <a:solidFill>
+                  <a:srgbClr val="000000"/>
+                </a:solidFill>
+                <a:effectLst/>
+                <a:latin typeface="Trebuchet MS" panose="020B0603020202020204" pitchFamily="34" charset="0"/>
+                <a:ea typeface="Times New Roman" panose="02020603050405020304" pitchFamily="18" charset="0"/>
+                <a:cs typeface="Times New Roman" panose="02020603050405020304" pitchFamily="18" charset="0"/>
+              </a:rPr>
+              <a:t>    </a:t>
+            </a:r>
+          </a:p>
+          <a:p>
+            <a:pPr marL="432054" marR="0" indent="-285750" algn="l" rtl="0">
+              <a:lnSpc>
+                <a:spcPct val="150000"/>
+              </a:lnSpc>
+              <a:spcBef>
+                <a:spcPts val="0"/>
+              </a:spcBef>
+              <a:spcAft>
+                <a:spcPts val="800"/>
+              </a:spcAft>
+              <a:buFont typeface="Wingdings" panose="05000000000000000000" pitchFamily="2" charset="2"/>
+              <a:buChar char="v"/>
+            </a:pPr>
+            <a:r>
+              <a:rPr lang="en-KE" sz="1400" b="0" i="0" dirty="0">
+                <a:solidFill>
+                  <a:srgbClr val="233A44"/>
+                </a:solidFill>
+                <a:effectLst/>
+                <a:latin typeface="Trebuchet MS" panose="020B0603020202020204" pitchFamily="34" charset="0"/>
+                <a:ea typeface="Times New Roman" panose="02020603050405020304" pitchFamily="18" charset="0"/>
+                <a:cs typeface="Times New Roman" panose="02020603050405020304" pitchFamily="18" charset="0"/>
+              </a:rPr>
+              <a:t> </a:t>
+            </a:r>
+            <a:r>
+              <a:rPr lang="en-KE" sz="1400" b="0" i="0" dirty="0">
+                <a:solidFill>
+                  <a:srgbClr val="000000"/>
+                </a:solidFill>
+                <a:effectLst/>
+                <a:latin typeface="Trebuchet MS" panose="020B0603020202020204" pitchFamily="34" charset="0"/>
+                <a:ea typeface="Times New Roman" panose="02020603050405020304" pitchFamily="18" charset="0"/>
+                <a:cs typeface="Times New Roman" panose="02020603050405020304" pitchFamily="18" charset="0"/>
+              </a:rPr>
+              <a:t>Price of the house</a:t>
+            </a:r>
+            <a:endParaRPr lang="en-KE" sz="1800" dirty="0">
+              <a:effectLst/>
+            </a:endParaRPr>
+          </a:p>
+          <a:p>
+            <a:pPr marL="432054" marR="0" indent="-285750" algn="l" rtl="0">
+              <a:lnSpc>
+                <a:spcPct val="150000"/>
+              </a:lnSpc>
+              <a:spcBef>
+                <a:spcPts val="0"/>
+              </a:spcBef>
+              <a:spcAft>
+                <a:spcPts val="800"/>
+              </a:spcAft>
+              <a:buFont typeface="Wingdings" panose="05000000000000000000" pitchFamily="2" charset="2"/>
+              <a:buChar char="v"/>
+            </a:pPr>
+            <a:r>
+              <a:rPr lang="en-KE" sz="1400" b="0" i="0" dirty="0">
+                <a:solidFill>
+                  <a:srgbClr val="233A44"/>
+                </a:solidFill>
+                <a:effectLst/>
+                <a:latin typeface="Trebuchet MS" panose="020B0603020202020204" pitchFamily="34" charset="0"/>
+                <a:ea typeface="Times New Roman" panose="02020603050405020304" pitchFamily="18" charset="0"/>
+                <a:cs typeface="Times New Roman" panose="02020603050405020304" pitchFamily="18" charset="0"/>
+              </a:rPr>
+              <a:t> </a:t>
+            </a:r>
+            <a:r>
+              <a:rPr lang="en-KE" sz="1400" b="0" i="0" dirty="0">
+                <a:solidFill>
+                  <a:srgbClr val="000000"/>
+                </a:solidFill>
+                <a:effectLst/>
+                <a:latin typeface="Trebuchet MS" panose="020B0603020202020204" pitchFamily="34" charset="0"/>
+                <a:ea typeface="Times New Roman" panose="02020603050405020304" pitchFamily="18" charset="0"/>
+                <a:cs typeface="Times New Roman" panose="02020603050405020304" pitchFamily="18" charset="0"/>
+              </a:rPr>
+              <a:t>Number of bedrooms</a:t>
+            </a:r>
+            <a:endParaRPr lang="en-US" sz="1400" dirty="0">
+              <a:solidFill>
+                <a:srgbClr val="233A44"/>
+              </a:solidFill>
+              <a:latin typeface="Trebuchet MS" panose="020B0603020202020204" pitchFamily="34" charset="0"/>
+              <a:ea typeface="Times New Roman" panose="02020603050405020304" pitchFamily="18" charset="0"/>
+              <a:cs typeface="Times New Roman" panose="02020603050405020304" pitchFamily="18" charset="0"/>
+            </a:endParaRPr>
+          </a:p>
+          <a:p>
+            <a:pPr marL="432054" marR="0" indent="-285750" algn="l" rtl="0">
+              <a:lnSpc>
+                <a:spcPct val="150000"/>
+              </a:lnSpc>
+              <a:spcBef>
+                <a:spcPts val="0"/>
+              </a:spcBef>
+              <a:spcAft>
+                <a:spcPts val="800"/>
+              </a:spcAft>
+              <a:buFont typeface="Wingdings" panose="05000000000000000000" pitchFamily="2" charset="2"/>
+              <a:buChar char="v"/>
+            </a:pPr>
+            <a:r>
+              <a:rPr lang="en-KE" sz="1400" b="0" i="0" dirty="0">
+                <a:solidFill>
+                  <a:srgbClr val="000000"/>
+                </a:solidFill>
+                <a:effectLst/>
+                <a:latin typeface="Trebuchet MS" panose="020B0603020202020204" pitchFamily="34" charset="0"/>
+                <a:ea typeface="Times New Roman" panose="02020603050405020304" pitchFamily="18" charset="0"/>
+                <a:cs typeface="Times New Roman" panose="02020603050405020304" pitchFamily="18" charset="0"/>
+              </a:rPr>
+              <a:t>Number of bathrooms</a:t>
+            </a:r>
+            <a:endParaRPr lang="en-US" sz="1400" b="0" i="0" dirty="0">
+              <a:solidFill>
+                <a:srgbClr val="000000"/>
+              </a:solidFill>
+              <a:effectLst/>
+              <a:latin typeface="Trebuchet MS" panose="020B0603020202020204" pitchFamily="34" charset="0"/>
+              <a:ea typeface="Times New Roman" panose="02020603050405020304" pitchFamily="18" charset="0"/>
+              <a:cs typeface="Times New Roman" panose="02020603050405020304" pitchFamily="18" charset="0"/>
+            </a:endParaRPr>
+          </a:p>
+          <a:p>
+            <a:pPr marL="432054" marR="0" indent="-285750" algn="l" rtl="0">
+              <a:lnSpc>
+                <a:spcPct val="150000"/>
+              </a:lnSpc>
+              <a:spcBef>
+                <a:spcPts val="0"/>
+              </a:spcBef>
+              <a:spcAft>
+                <a:spcPts val="800"/>
+              </a:spcAft>
+              <a:buFont typeface="Wingdings" panose="05000000000000000000" pitchFamily="2" charset="2"/>
+              <a:buChar char="v"/>
+            </a:pPr>
+            <a:r>
+              <a:rPr lang="en-KE" sz="1400" b="0" i="0" dirty="0">
+                <a:solidFill>
+                  <a:srgbClr val="000000"/>
+                </a:solidFill>
+                <a:effectLst/>
+                <a:latin typeface="Trebuchet MS" panose="020B0603020202020204" pitchFamily="34" charset="0"/>
+                <a:ea typeface="Times New Roman" panose="02020603050405020304" pitchFamily="18" charset="0"/>
+                <a:cs typeface="Times New Roman" panose="02020603050405020304" pitchFamily="18" charset="0"/>
+              </a:rPr>
+              <a:t>Square footage of the living space</a:t>
+            </a:r>
+            <a:endParaRPr lang="en-US" sz="1400" b="0" i="0" dirty="0">
+              <a:solidFill>
+                <a:srgbClr val="000000"/>
+              </a:solidFill>
+              <a:effectLst/>
+              <a:latin typeface="Trebuchet MS" panose="020B0603020202020204" pitchFamily="34" charset="0"/>
+              <a:ea typeface="Times New Roman" panose="02020603050405020304" pitchFamily="18" charset="0"/>
+              <a:cs typeface="Times New Roman" panose="02020603050405020304" pitchFamily="18" charset="0"/>
+            </a:endParaRPr>
+          </a:p>
+          <a:p>
+            <a:pPr marL="432054" marR="0" indent="-285750" algn="l" rtl="0">
+              <a:lnSpc>
+                <a:spcPct val="150000"/>
+              </a:lnSpc>
+              <a:spcBef>
+                <a:spcPts val="0"/>
+              </a:spcBef>
+              <a:spcAft>
+                <a:spcPts val="800"/>
+              </a:spcAft>
+              <a:buFont typeface="Wingdings" panose="05000000000000000000" pitchFamily="2" charset="2"/>
+              <a:buChar char="v"/>
+            </a:pPr>
+            <a:r>
+              <a:rPr lang="en-KE" sz="1400" b="0" i="0" dirty="0">
+                <a:solidFill>
+                  <a:srgbClr val="000000"/>
+                </a:solidFill>
+                <a:effectLst/>
+                <a:latin typeface="Trebuchet MS" panose="020B0603020202020204" pitchFamily="34" charset="0"/>
+                <a:ea typeface="Times New Roman" panose="02020603050405020304" pitchFamily="18" charset="0"/>
+                <a:cs typeface="Times New Roman" panose="02020603050405020304" pitchFamily="18" charset="0"/>
+              </a:rPr>
+              <a:t>Square footage of the lot</a:t>
+            </a:r>
+            <a:endParaRPr lang="en-US" sz="1400" b="0" i="0" dirty="0">
+              <a:solidFill>
+                <a:srgbClr val="000000"/>
+              </a:solidFill>
+              <a:effectLst/>
+              <a:latin typeface="Trebuchet MS" panose="020B0603020202020204" pitchFamily="34" charset="0"/>
+              <a:ea typeface="Times New Roman" panose="02020603050405020304" pitchFamily="18" charset="0"/>
+              <a:cs typeface="Times New Roman" panose="02020603050405020304" pitchFamily="18" charset="0"/>
+            </a:endParaRPr>
+          </a:p>
+          <a:p>
+            <a:pPr marL="432054" marR="0" indent="-285750" algn="l" rtl="0">
+              <a:lnSpc>
+                <a:spcPct val="150000"/>
+              </a:lnSpc>
+              <a:spcBef>
+                <a:spcPts val="0"/>
+              </a:spcBef>
+              <a:spcAft>
+                <a:spcPts val="800"/>
+              </a:spcAft>
+              <a:buFont typeface="Wingdings" panose="05000000000000000000" pitchFamily="2" charset="2"/>
+              <a:buChar char="v"/>
+            </a:pPr>
+            <a:r>
+              <a:rPr lang="en-KE" sz="1400" b="0" i="0" dirty="0">
+                <a:solidFill>
+                  <a:srgbClr val="000000"/>
+                </a:solidFill>
+                <a:effectLst/>
+                <a:latin typeface="Trebuchet MS" panose="020B0603020202020204" pitchFamily="34" charset="0"/>
+                <a:ea typeface="Times New Roman" panose="02020603050405020304" pitchFamily="18" charset="0"/>
+                <a:cs typeface="Times New Roman" panose="02020603050405020304" pitchFamily="18" charset="0"/>
+              </a:rPr>
+              <a:t>Total floors in the house</a:t>
+            </a:r>
+            <a:endParaRPr lang="en-US" sz="1400" b="0" i="0" dirty="0">
+              <a:solidFill>
+                <a:srgbClr val="000000"/>
+              </a:solidFill>
+              <a:effectLst/>
+              <a:latin typeface="Trebuchet MS" panose="020B0603020202020204" pitchFamily="34" charset="0"/>
+              <a:ea typeface="Times New Roman" panose="02020603050405020304" pitchFamily="18" charset="0"/>
+              <a:cs typeface="Times New Roman" panose="02020603050405020304" pitchFamily="18" charset="0"/>
+            </a:endParaRPr>
+          </a:p>
+          <a:p>
+            <a:pPr marL="432054" marR="0" indent="-285750" algn="l" rtl="0">
+              <a:lnSpc>
+                <a:spcPct val="150000"/>
+              </a:lnSpc>
+              <a:spcBef>
+                <a:spcPts val="0"/>
+              </a:spcBef>
+              <a:spcAft>
+                <a:spcPts val="800"/>
+              </a:spcAft>
+              <a:buFont typeface="Wingdings" panose="05000000000000000000" pitchFamily="2" charset="2"/>
+              <a:buChar char="v"/>
+            </a:pPr>
+            <a:r>
+              <a:rPr lang="en-KE" sz="1400" b="0" i="0" dirty="0">
+                <a:solidFill>
+                  <a:srgbClr val="000000"/>
+                </a:solidFill>
+                <a:effectLst/>
+                <a:latin typeface="Trebuchet MS" panose="020B0603020202020204" pitchFamily="34" charset="0"/>
+                <a:ea typeface="Times New Roman" panose="02020603050405020304" pitchFamily="18" charset="0"/>
+                <a:cs typeface="Times New Roman" panose="02020603050405020304" pitchFamily="18" charset="0"/>
+              </a:rPr>
+              <a:t>Whether the house is on a waterfront </a:t>
+            </a:r>
+            <a:endParaRPr lang="en-US" sz="1400" b="0" i="0" dirty="0">
+              <a:solidFill>
+                <a:srgbClr val="000000"/>
+              </a:solidFill>
+              <a:effectLst/>
+              <a:latin typeface="Trebuchet MS" panose="020B0603020202020204" pitchFamily="34" charset="0"/>
+              <a:ea typeface="Times New Roman" panose="02020603050405020304" pitchFamily="18" charset="0"/>
+              <a:cs typeface="Times New Roman" panose="02020603050405020304" pitchFamily="18" charset="0"/>
+            </a:endParaRPr>
+          </a:p>
+          <a:p>
+            <a:endParaRPr lang="en-KE" dirty="0"/>
+          </a:p>
+        </p:txBody>
+      </p:sp>
+      <p:sp>
+        <p:nvSpPr>
+          <p:cNvPr id="4" name="Text Placeholder 3">
+            <a:extLst>
+              <a:ext uri="{FF2B5EF4-FFF2-40B4-BE49-F238E27FC236}">
+                <a16:creationId xmlns:a16="http://schemas.microsoft.com/office/drawing/2014/main" id="{193416C2-5F5A-4552-1371-3FCF3BC5FAD9}"/>
+              </a:ext>
+            </a:extLst>
+          </p:cNvPr>
+          <p:cNvSpPr>
+            <a:spLocks noGrp="1"/>
+          </p:cNvSpPr>
+          <p:nvPr>
+            <p:ph type="body" idx="2"/>
+          </p:nvPr>
+        </p:nvSpPr>
+        <p:spPr>
+          <a:xfrm>
+            <a:off x="4638675" y="1555422"/>
+            <a:ext cx="3686100" cy="2883302"/>
+          </a:xfrm>
+        </p:spPr>
+        <p:txBody>
+          <a:bodyPr>
+            <a:normAutofit fontScale="47500" lnSpcReduction="20000"/>
+          </a:bodyPr>
+          <a:lstStyle/>
+          <a:p>
+            <a:pPr>
+              <a:lnSpc>
+                <a:spcPct val="150000"/>
+              </a:lnSpc>
+              <a:spcAft>
+                <a:spcPts val="800"/>
+              </a:spcAft>
+              <a:buFont typeface="Wingdings" panose="05000000000000000000" pitchFamily="2" charset="2"/>
+              <a:buChar char="v"/>
+            </a:pPr>
+            <a:r>
+              <a:rPr lang="en-KE" sz="2000" kern="0" dirty="0">
+                <a:solidFill>
+                  <a:srgbClr val="000000"/>
+                </a:solidFill>
+                <a:effectLst/>
+                <a:latin typeface="Trebuchet MS" panose="020B0603020202020204" pitchFamily="34" charset="0"/>
+                <a:ea typeface="Times New Roman" panose="02020603050405020304" pitchFamily="18" charset="0"/>
+                <a:cs typeface="Times New Roman" panose="02020603050405020304" pitchFamily="18" charset="0"/>
+              </a:rPr>
+              <a:t> Grading level around the house</a:t>
+            </a:r>
+            <a:endParaRPr lang="en-KE" sz="2000" kern="100" dirty="0">
+              <a:effectLst/>
+              <a:latin typeface="Calibri" panose="020F0502020204030204" pitchFamily="34" charset="0"/>
+              <a:ea typeface="PMingLiU" panose="02020500000000000000" pitchFamily="18" charset="-120"/>
+              <a:cs typeface="Times New Roman" panose="02020603050405020304" pitchFamily="18" charset="0"/>
+            </a:endParaRPr>
+          </a:p>
+          <a:p>
+            <a:pPr>
+              <a:lnSpc>
+                <a:spcPct val="150000"/>
+              </a:lnSpc>
+              <a:spcAft>
+                <a:spcPts val="800"/>
+              </a:spcAft>
+              <a:buFont typeface="Wingdings" panose="05000000000000000000" pitchFamily="2" charset="2"/>
+              <a:buChar char="v"/>
+            </a:pPr>
+            <a:r>
+              <a:rPr lang="en-KE" sz="2000" kern="0" dirty="0">
+                <a:solidFill>
+                  <a:srgbClr val="000000"/>
+                </a:solidFill>
+                <a:effectLst/>
+                <a:latin typeface="Trebuchet MS" panose="020B0603020202020204" pitchFamily="34" charset="0"/>
+                <a:ea typeface="Times New Roman" panose="02020603050405020304" pitchFamily="18" charset="0"/>
+                <a:cs typeface="Times New Roman" panose="02020603050405020304" pitchFamily="18" charset="0"/>
+              </a:rPr>
+              <a:t>Square footage of the house apart from the basement</a:t>
+            </a:r>
+            <a:endParaRPr lang="en-KE" sz="2000" kern="100" dirty="0">
+              <a:effectLst/>
+              <a:latin typeface="Calibri" panose="020F0502020204030204" pitchFamily="34" charset="0"/>
+              <a:ea typeface="PMingLiU" panose="02020500000000000000" pitchFamily="18" charset="-120"/>
+              <a:cs typeface="Times New Roman" panose="02020603050405020304" pitchFamily="18" charset="0"/>
+            </a:endParaRPr>
+          </a:p>
+          <a:p>
+            <a:pPr>
+              <a:lnSpc>
+                <a:spcPct val="150000"/>
+              </a:lnSpc>
+              <a:spcAft>
+                <a:spcPts val="800"/>
+              </a:spcAft>
+              <a:buFont typeface="Wingdings" panose="05000000000000000000" pitchFamily="2" charset="2"/>
+              <a:buChar char="v"/>
+            </a:pPr>
+            <a:r>
+              <a:rPr lang="en-KE" sz="2000" kern="0" dirty="0">
+                <a:solidFill>
+                  <a:srgbClr val="000000"/>
+                </a:solidFill>
+                <a:effectLst/>
+                <a:latin typeface="Trebuchet MS" panose="020B0603020202020204" pitchFamily="34" charset="0"/>
+                <a:ea typeface="Times New Roman" panose="02020603050405020304" pitchFamily="18" charset="0"/>
+                <a:cs typeface="Times New Roman" panose="02020603050405020304" pitchFamily="18" charset="0"/>
+              </a:rPr>
+              <a:t>Square footage of the basement area</a:t>
+            </a:r>
+            <a:r>
+              <a:rPr lang="en-KE" sz="2000" kern="0" dirty="0">
+                <a:effectLst/>
+                <a:latin typeface="Trebuchet MS" panose="020B0603020202020204" pitchFamily="34" charset="0"/>
+                <a:ea typeface="Times New Roman" panose="02020603050405020304" pitchFamily="18" charset="0"/>
+                <a:cs typeface="Times New Roman" panose="02020603050405020304" pitchFamily="18" charset="0"/>
+              </a:rPr>
+              <a:t> </a:t>
+            </a:r>
+            <a:endParaRPr lang="en-KE" sz="2000" kern="100" dirty="0">
+              <a:effectLst/>
+              <a:latin typeface="Calibri" panose="020F0502020204030204" pitchFamily="34" charset="0"/>
+              <a:ea typeface="PMingLiU" panose="02020500000000000000" pitchFamily="18" charset="-120"/>
+              <a:cs typeface="Times New Roman" panose="02020603050405020304" pitchFamily="18" charset="0"/>
+            </a:endParaRPr>
+          </a:p>
+          <a:p>
+            <a:pPr>
+              <a:lnSpc>
+                <a:spcPct val="150000"/>
+              </a:lnSpc>
+              <a:spcAft>
+                <a:spcPts val="800"/>
+              </a:spcAft>
+              <a:buFont typeface="Wingdings" panose="05000000000000000000" pitchFamily="2" charset="2"/>
+              <a:buChar char="v"/>
+            </a:pPr>
+            <a:r>
+              <a:rPr lang="en-KE" sz="2000" kern="0" dirty="0">
+                <a:solidFill>
+                  <a:srgbClr val="000000"/>
+                </a:solidFill>
+                <a:effectLst/>
+                <a:latin typeface="Trebuchet MS" panose="020B0603020202020204" pitchFamily="34" charset="0"/>
+                <a:ea typeface="Times New Roman" panose="02020603050405020304" pitchFamily="18" charset="0"/>
+                <a:cs typeface="Times New Roman" panose="02020603050405020304" pitchFamily="18" charset="0"/>
+              </a:rPr>
+              <a:t>Year when the house was built</a:t>
+            </a:r>
+            <a:r>
+              <a:rPr lang="en-KE" sz="2000" kern="0" dirty="0">
+                <a:effectLst/>
+                <a:latin typeface="Trebuchet MS" panose="020B0603020202020204" pitchFamily="34" charset="0"/>
+                <a:ea typeface="Times New Roman" panose="02020603050405020304" pitchFamily="18" charset="0"/>
+                <a:cs typeface="Times New Roman" panose="02020603050405020304" pitchFamily="18" charset="0"/>
+              </a:rPr>
+              <a:t> </a:t>
+            </a:r>
+            <a:endParaRPr lang="en-KE" sz="2000" kern="100" dirty="0">
+              <a:effectLst/>
+              <a:latin typeface="Calibri" panose="020F0502020204030204" pitchFamily="34" charset="0"/>
+              <a:ea typeface="PMingLiU" panose="02020500000000000000" pitchFamily="18" charset="-120"/>
+              <a:cs typeface="Times New Roman" panose="02020603050405020304" pitchFamily="18" charset="0"/>
+            </a:endParaRPr>
+          </a:p>
+          <a:p>
+            <a:pPr>
+              <a:lnSpc>
+                <a:spcPct val="150000"/>
+              </a:lnSpc>
+              <a:spcAft>
+                <a:spcPts val="800"/>
+              </a:spcAft>
+              <a:buFont typeface="Wingdings" panose="05000000000000000000" pitchFamily="2" charset="2"/>
+              <a:buChar char="v"/>
+            </a:pPr>
+            <a:r>
+              <a:rPr lang="en-KE" sz="2000" kern="0" dirty="0">
+                <a:solidFill>
+                  <a:srgbClr val="000000"/>
+                </a:solidFill>
+                <a:effectLst/>
+                <a:latin typeface="Trebuchet MS" panose="020B0603020202020204" pitchFamily="34" charset="0"/>
+                <a:ea typeface="Times New Roman" panose="02020603050405020304" pitchFamily="18" charset="0"/>
+                <a:cs typeface="Times New Roman" panose="02020603050405020304" pitchFamily="18" charset="0"/>
+              </a:rPr>
+              <a:t>Year when the house was renovated</a:t>
+            </a:r>
+            <a:r>
+              <a:rPr lang="en-KE" sz="2000" kern="0" dirty="0">
+                <a:effectLst/>
+                <a:latin typeface="Trebuchet MS" panose="020B0603020202020204" pitchFamily="34" charset="0"/>
+                <a:ea typeface="Times New Roman" panose="02020603050405020304" pitchFamily="18" charset="0"/>
+                <a:cs typeface="Times New Roman" panose="02020603050405020304" pitchFamily="18" charset="0"/>
+              </a:rPr>
+              <a:t> </a:t>
+            </a:r>
+            <a:endParaRPr lang="en-US" sz="2000" kern="0" dirty="0">
+              <a:effectLst/>
+              <a:latin typeface="Trebuchet MS" panose="020B0603020202020204" pitchFamily="34" charset="0"/>
+              <a:ea typeface="Times New Roman" panose="02020603050405020304" pitchFamily="18" charset="0"/>
+              <a:cs typeface="Times New Roman" panose="02020603050405020304" pitchFamily="18" charset="0"/>
+            </a:endParaRPr>
+          </a:p>
+          <a:p>
+            <a:pPr>
+              <a:lnSpc>
+                <a:spcPct val="150000"/>
+              </a:lnSpc>
+              <a:spcAft>
+                <a:spcPts val="800"/>
+              </a:spcAft>
+              <a:buFont typeface="Wingdings" panose="05000000000000000000" pitchFamily="2" charset="2"/>
+              <a:buChar char="v"/>
+            </a:pPr>
+            <a:r>
+              <a:rPr lang="en-KE" sz="2000" kern="0" dirty="0">
+                <a:solidFill>
+                  <a:srgbClr val="000000"/>
+                </a:solidFill>
+                <a:effectLst/>
+                <a:latin typeface="Trebuchet MS" panose="020B0603020202020204" pitchFamily="34" charset="0"/>
+                <a:ea typeface="Times New Roman" panose="02020603050405020304" pitchFamily="18" charset="0"/>
+                <a:cs typeface="Times New Roman" panose="02020603050405020304" pitchFamily="18" charset="0"/>
+              </a:rPr>
+              <a:t>Zip code of the house</a:t>
+            </a:r>
+            <a:endParaRPr lang="en-US" sz="2000" kern="0" dirty="0">
+              <a:solidFill>
+                <a:srgbClr val="000000"/>
+              </a:solidFill>
+              <a:effectLst/>
+              <a:latin typeface="Trebuchet MS" panose="020B0603020202020204" pitchFamily="34" charset="0"/>
+              <a:ea typeface="Times New Roman" panose="02020603050405020304" pitchFamily="18" charset="0"/>
+              <a:cs typeface="Times New Roman" panose="02020603050405020304" pitchFamily="18" charset="0"/>
+            </a:endParaRPr>
+          </a:p>
+          <a:p>
+            <a:pPr marL="432054" marR="0" indent="-285750" algn="l" rtl="0">
+              <a:lnSpc>
+                <a:spcPct val="150000"/>
+              </a:lnSpc>
+              <a:spcBef>
+                <a:spcPts val="0"/>
+              </a:spcBef>
+              <a:spcAft>
+                <a:spcPts val="800"/>
+              </a:spcAft>
+              <a:buFont typeface="Wingdings" panose="05000000000000000000" pitchFamily="2" charset="2"/>
+              <a:buChar char="v"/>
+            </a:pPr>
+            <a:r>
+              <a:rPr lang="en-US" sz="2000" b="0" i="0" dirty="0">
+                <a:solidFill>
+                  <a:srgbClr val="000000"/>
+                </a:solidFill>
+                <a:effectLst/>
+                <a:latin typeface="Trebuchet MS" panose="020B0603020202020204" pitchFamily="34" charset="0"/>
+                <a:ea typeface="Times New Roman" panose="02020603050405020304" pitchFamily="18" charset="0"/>
+                <a:cs typeface="Times New Roman" panose="02020603050405020304" pitchFamily="18" charset="0"/>
+              </a:rPr>
+              <a:t> </a:t>
+            </a:r>
+            <a:r>
+              <a:rPr lang="en-KE" sz="2000" b="0" i="0" dirty="0">
+                <a:solidFill>
+                  <a:srgbClr val="000000"/>
+                </a:solidFill>
+                <a:effectLst/>
+                <a:latin typeface="Trebuchet MS" panose="020B0603020202020204" pitchFamily="34" charset="0"/>
+                <a:ea typeface="Times New Roman" panose="02020603050405020304" pitchFamily="18" charset="0"/>
+                <a:cs typeface="Times New Roman" panose="02020603050405020304" pitchFamily="18" charset="0"/>
+              </a:rPr>
+              <a:t>Special view</a:t>
+            </a:r>
+            <a:endParaRPr lang="en-US" sz="2000" b="0" i="0" dirty="0">
+              <a:solidFill>
+                <a:srgbClr val="000000"/>
+              </a:solidFill>
+              <a:effectLst/>
+              <a:latin typeface="Trebuchet MS" panose="020B0603020202020204" pitchFamily="34" charset="0"/>
+              <a:ea typeface="Times New Roman" panose="02020603050405020304" pitchFamily="18" charset="0"/>
+              <a:cs typeface="Times New Roman" panose="02020603050405020304" pitchFamily="18" charset="0"/>
+            </a:endParaRPr>
+          </a:p>
+          <a:p>
+            <a:pPr marL="432054" marR="0" indent="-285750" algn="l" rtl="0">
+              <a:lnSpc>
+                <a:spcPct val="150000"/>
+              </a:lnSpc>
+              <a:spcBef>
+                <a:spcPts val="0"/>
+              </a:spcBef>
+              <a:spcAft>
+                <a:spcPts val="800"/>
+              </a:spcAft>
+              <a:buFont typeface="Wingdings" panose="05000000000000000000" pitchFamily="2" charset="2"/>
+              <a:buChar char="v"/>
+            </a:pPr>
+            <a:r>
+              <a:rPr lang="en-US" sz="2000" dirty="0">
+                <a:solidFill>
+                  <a:srgbClr val="000000"/>
+                </a:solidFill>
+                <a:latin typeface="Trebuchet MS" panose="020B0603020202020204" pitchFamily="34" charset="0"/>
+                <a:cs typeface="Times New Roman" panose="02020603050405020304" pitchFamily="18" charset="0"/>
+              </a:rPr>
+              <a:t>Conditional of the house </a:t>
+            </a:r>
+            <a:endParaRPr lang="en-KE" sz="2000" kern="100" dirty="0">
+              <a:effectLst/>
+              <a:latin typeface="Calibri" panose="020F0502020204030204" pitchFamily="34" charset="0"/>
+              <a:ea typeface="PMingLiU" panose="02020500000000000000" pitchFamily="18" charset="-120"/>
+              <a:cs typeface="Times New Roman" panose="02020603050405020304" pitchFamily="18" charset="0"/>
+            </a:endParaRPr>
+          </a:p>
+          <a:p>
+            <a:pPr marL="146050" indent="0">
+              <a:lnSpc>
+                <a:spcPct val="150000"/>
+              </a:lnSpc>
+              <a:spcAft>
+                <a:spcPts val="800"/>
+              </a:spcAft>
+              <a:buNone/>
+            </a:pPr>
+            <a:endParaRPr lang="en-KE" sz="1800" kern="100" dirty="0">
+              <a:effectLst/>
+              <a:latin typeface="Calibri" panose="020F0502020204030204" pitchFamily="34" charset="0"/>
+              <a:ea typeface="PMingLiU" panose="02020500000000000000" pitchFamily="18" charset="-120"/>
+              <a:cs typeface="Times New Roman" panose="02020603050405020304" pitchFamily="18" charset="0"/>
+            </a:endParaRPr>
+          </a:p>
+          <a:p>
+            <a:pPr>
+              <a:buFont typeface="Wingdings" panose="05000000000000000000" pitchFamily="2" charset="2"/>
+              <a:buChar char="v"/>
+            </a:pPr>
+            <a:endParaRPr lang="en-KE" dirty="0"/>
+          </a:p>
+        </p:txBody>
+      </p:sp>
+    </p:spTree>
+    <p:extLst>
+      <p:ext uri="{BB962C8B-B14F-4D97-AF65-F5344CB8AC3E}">
+        <p14:creationId xmlns:p14="http://schemas.microsoft.com/office/powerpoint/2010/main" val="3632688159"/>
+      </p:ext>
+    </p:extLst>
+  </p:cSld>
+  <p:clrMapOvr>
+    <a:masterClrMapping/>
+  </p:clrMapOvr>
+</p:sld>
+</file>
+
+<file path=ppt/slides/slide4.xml><?xml version="1.0" encoding="utf-8"?>
+<p:sld xmlns:a="http://schemas.openxmlformats.org/drawingml/2006/main" xmlns:r="http://schemas.openxmlformats.org/officeDocument/2006/relationships" xmlns:p="http://schemas.openxmlformats.org/presentationml/2006/main">
+  <p:cSld>
+    <p:spTree>
+      <p:nvGrpSpPr>
+        <p:cNvPr id="1" name=""/>
+        <p:cNvGrpSpPr/>
+        <p:nvPr/>
+      </p:nvGrpSpPr>
+      <p:grpSpPr>
+        <a:xfrm>
+          <a:off x="0" y="0"/>
+          <a:ext cx="0" cy="0"/>
+          <a:chOff x="0" y="0"/>
+          <a:chExt cx="0" cy="0"/>
+        </a:xfrm>
+      </p:grpSpPr>
+      <p:sp>
+        <p:nvSpPr>
+          <p:cNvPr id="2" name="Title 1">
+            <a:extLst>
+              <a:ext uri="{FF2B5EF4-FFF2-40B4-BE49-F238E27FC236}">
+                <a16:creationId xmlns:a16="http://schemas.microsoft.com/office/drawing/2014/main" id="{D99A8A08-EF4E-3E11-C1DB-E718E95E5256}"/>
+              </a:ext>
+            </a:extLst>
+          </p:cNvPr>
+          <p:cNvSpPr>
+            <a:spLocks noGrp="1"/>
+          </p:cNvSpPr>
+          <p:nvPr>
+            <p:ph type="title"/>
+          </p:nvPr>
+        </p:nvSpPr>
+        <p:spPr/>
+        <p:txBody>
+          <a:bodyPr/>
+          <a:lstStyle/>
+          <a:p>
+            <a:r>
+              <a:rPr lang="en-US" dirty="0"/>
+              <a:t>DATA HANDLING METHODS USED :</a:t>
+            </a:r>
+            <a:endParaRPr lang="en-KE" dirty="0"/>
+          </a:p>
+        </p:txBody>
+      </p:sp>
+      <p:sp>
+        <p:nvSpPr>
+          <p:cNvPr id="3" name="Text Placeholder 2">
+            <a:extLst>
+              <a:ext uri="{FF2B5EF4-FFF2-40B4-BE49-F238E27FC236}">
+                <a16:creationId xmlns:a16="http://schemas.microsoft.com/office/drawing/2014/main" id="{6213927F-D20B-0C5D-89CD-01BBD6E7663B}"/>
+              </a:ext>
+            </a:extLst>
+          </p:cNvPr>
+          <p:cNvSpPr>
+            <a:spLocks noGrp="1"/>
+          </p:cNvSpPr>
+          <p:nvPr>
+            <p:ph type="body" idx="1"/>
+          </p:nvPr>
+        </p:nvSpPr>
+        <p:spPr/>
+        <p:txBody>
+          <a:bodyPr>
+            <a:normAutofit/>
+          </a:bodyPr>
+          <a:lstStyle/>
+          <a:p>
+            <a:r>
+              <a:rPr lang="en-US" sz="1800" dirty="0">
+                <a:solidFill>
+                  <a:schemeClr val="tx2">
+                    <a:lumMod val="10000"/>
+                  </a:schemeClr>
+                </a:solidFill>
+                <a:latin typeface="Times New Roman" panose="02020603050405020304" pitchFamily="18" charset="0"/>
+                <a:ea typeface="HP Simplified Jpan" panose="020B0500000000000000" pitchFamily="34" charset="-128"/>
+                <a:cs typeface="Times New Roman" panose="02020603050405020304" pitchFamily="18" charset="0"/>
+              </a:rPr>
+              <a:t>Data cleaning</a:t>
+            </a:r>
+          </a:p>
+          <a:p>
+            <a:r>
+              <a:rPr lang="en-US" sz="1800" dirty="0">
+                <a:solidFill>
+                  <a:schemeClr val="tx2">
+                    <a:lumMod val="10000"/>
+                  </a:schemeClr>
+                </a:solidFill>
+                <a:latin typeface="Times New Roman" panose="02020603050405020304" pitchFamily="18" charset="0"/>
+                <a:ea typeface="HP Simplified Jpan" panose="020B0500000000000000" pitchFamily="34" charset="-128"/>
+                <a:cs typeface="Times New Roman" panose="02020603050405020304" pitchFamily="18" charset="0"/>
+              </a:rPr>
+              <a:t>Handling outliers</a:t>
+            </a:r>
+          </a:p>
+          <a:p>
+            <a:r>
+              <a:rPr lang="en-US" sz="1800" dirty="0">
+                <a:solidFill>
+                  <a:schemeClr val="tx2">
+                    <a:lumMod val="10000"/>
+                  </a:schemeClr>
+                </a:solidFill>
+                <a:latin typeface="Times New Roman" panose="02020603050405020304" pitchFamily="18" charset="0"/>
+                <a:ea typeface="HP Simplified Jpan" panose="020B0500000000000000" pitchFamily="34" charset="-128"/>
+                <a:cs typeface="Times New Roman" panose="02020603050405020304" pitchFamily="18" charset="0"/>
+              </a:rPr>
+              <a:t>Handling duplicated</a:t>
+            </a:r>
+          </a:p>
+          <a:p>
+            <a:r>
+              <a:rPr lang="en-US" sz="1800" dirty="0">
+                <a:solidFill>
+                  <a:schemeClr val="tx2">
+                    <a:lumMod val="10000"/>
+                  </a:schemeClr>
+                </a:solidFill>
+                <a:latin typeface="Times New Roman" panose="02020603050405020304" pitchFamily="18" charset="0"/>
+                <a:ea typeface="HP Simplified Jpan" panose="020B0500000000000000" pitchFamily="34" charset="-128"/>
+                <a:cs typeface="Times New Roman" panose="02020603050405020304" pitchFamily="18" charset="0"/>
+              </a:rPr>
+              <a:t>Explanatory analysis</a:t>
+            </a:r>
+          </a:p>
+          <a:p>
+            <a:r>
+              <a:rPr lang="en-US" sz="1800" dirty="0">
+                <a:solidFill>
+                  <a:schemeClr val="tx2">
+                    <a:lumMod val="10000"/>
+                  </a:schemeClr>
+                </a:solidFill>
+                <a:latin typeface="Times New Roman" panose="02020603050405020304" pitchFamily="18" charset="0"/>
+                <a:ea typeface="HP Simplified Jpan" panose="020B0500000000000000" pitchFamily="34" charset="-128"/>
+                <a:cs typeface="Times New Roman" panose="02020603050405020304" pitchFamily="18" charset="0"/>
+              </a:rPr>
+              <a:t>Data </a:t>
+            </a:r>
+            <a:r>
+              <a:rPr lang="en-US" sz="1800" dirty="0" err="1">
+                <a:solidFill>
+                  <a:schemeClr val="tx2">
+                    <a:lumMod val="10000"/>
+                  </a:schemeClr>
+                </a:solidFill>
+                <a:latin typeface="Times New Roman" panose="02020603050405020304" pitchFamily="18" charset="0"/>
+                <a:ea typeface="HP Simplified Jpan" panose="020B0500000000000000" pitchFamily="34" charset="-128"/>
+                <a:cs typeface="Times New Roman" panose="02020603050405020304" pitchFamily="18" charset="0"/>
+              </a:rPr>
+              <a:t>analyis</a:t>
+            </a:r>
+            <a:endParaRPr lang="en-US" sz="1800" dirty="0">
+              <a:solidFill>
+                <a:schemeClr val="tx2">
+                  <a:lumMod val="10000"/>
+                </a:schemeClr>
+              </a:solidFill>
+              <a:latin typeface="Times New Roman" panose="02020603050405020304" pitchFamily="18" charset="0"/>
+              <a:ea typeface="HP Simplified Jpan" panose="020B0500000000000000" pitchFamily="34" charset="-128"/>
+              <a:cs typeface="Times New Roman" panose="02020603050405020304" pitchFamily="18" charset="0"/>
+            </a:endParaRPr>
+          </a:p>
+          <a:p>
+            <a:r>
+              <a:rPr lang="en-US" sz="1800" dirty="0">
+                <a:solidFill>
+                  <a:schemeClr val="tx2">
+                    <a:lumMod val="10000"/>
+                  </a:schemeClr>
+                </a:solidFill>
+                <a:latin typeface="Times New Roman" panose="02020603050405020304" pitchFamily="18" charset="0"/>
+                <a:ea typeface="HP Simplified Jpan" panose="020B0500000000000000" pitchFamily="34" charset="-128"/>
+                <a:cs typeface="Times New Roman" panose="02020603050405020304" pitchFamily="18" charset="0"/>
+              </a:rPr>
+              <a:t>Data modelling /predictive analysis</a:t>
+            </a:r>
+          </a:p>
+          <a:p>
+            <a:r>
+              <a:rPr lang="en-US" sz="1800" dirty="0">
+                <a:solidFill>
+                  <a:schemeClr val="tx2">
+                    <a:lumMod val="10000"/>
+                  </a:schemeClr>
+                </a:solidFill>
+                <a:latin typeface="Times New Roman" panose="02020603050405020304" pitchFamily="18" charset="0"/>
+                <a:ea typeface="HP Simplified Jpan" panose="020B0500000000000000" pitchFamily="34" charset="-128"/>
+                <a:cs typeface="Times New Roman" panose="02020603050405020304" pitchFamily="18" charset="0"/>
+              </a:rPr>
+              <a:t>Data visualization</a:t>
+            </a:r>
+            <a:endParaRPr lang="en-KE" sz="1800" dirty="0">
+              <a:solidFill>
+                <a:schemeClr val="tx2">
+                  <a:lumMod val="10000"/>
+                </a:schemeClr>
+              </a:solidFill>
+              <a:latin typeface="Times New Roman" panose="02020603050405020304" pitchFamily="18" charset="0"/>
+              <a:ea typeface="HP Simplified Jpan" panose="020B0500000000000000" pitchFamily="34" charset="-128"/>
+              <a:cs typeface="Times New Roman" panose="02020603050405020304" pitchFamily="18" charset="0"/>
+            </a:endParaRPr>
+          </a:p>
+        </p:txBody>
+      </p:sp>
+    </p:spTree>
+    <p:extLst>
+      <p:ext uri="{BB962C8B-B14F-4D97-AF65-F5344CB8AC3E}">
+        <p14:creationId xmlns:p14="http://schemas.microsoft.com/office/powerpoint/2010/main" val="3980838446"/>
+      </p:ext>
+    </p:extLst>
+  </p:cSld>
+  <p:clrMapOvr>
+    <a:masterClrMapping/>
+  </p:clrMapOvr>
+</p:sld>
+</file>
+
+<file path=ppt/slides/slide5.xml><?xml version="1.0" encoding="utf-8"?>
+<p:sld xmlns:a="http://schemas.openxmlformats.org/drawingml/2006/main" xmlns:r="http://schemas.openxmlformats.org/officeDocument/2006/relationships" xmlns:p="http://schemas.openxmlformats.org/presentationml/2006/main">
+  <p:cSld>
+    <p:spTree>
+      <p:nvGrpSpPr>
+        <p:cNvPr id="1" name=""/>
+        <p:cNvGrpSpPr/>
+        <p:nvPr/>
+      </p:nvGrpSpPr>
+      <p:grpSpPr>
+        <a:xfrm>
+          <a:off x="0" y="0"/>
+          <a:ext cx="0" cy="0"/>
+          <a:chOff x="0" y="0"/>
+          <a:chExt cx="0" cy="0"/>
+        </a:xfrm>
+      </p:grpSpPr>
+      <p:sp>
+        <p:nvSpPr>
+          <p:cNvPr id="2" name="Title 1">
+            <a:extLst>
+              <a:ext uri="{FF2B5EF4-FFF2-40B4-BE49-F238E27FC236}">
+                <a16:creationId xmlns:a16="http://schemas.microsoft.com/office/drawing/2014/main" id="{A18B12F8-970B-D910-9841-6506CB025878}"/>
+              </a:ext>
+            </a:extLst>
+          </p:cNvPr>
+          <p:cNvSpPr>
+            <a:spLocks noGrp="1"/>
+          </p:cNvSpPr>
+          <p:nvPr>
+            <p:ph type="title"/>
+          </p:nvPr>
+        </p:nvSpPr>
+        <p:spPr/>
+        <p:txBody>
+          <a:bodyPr>
+            <a:normAutofit fontScale="90000"/>
+          </a:bodyPr>
+          <a:lstStyle/>
+          <a:p>
+            <a:r>
+              <a:rPr lang="en-US" b="0" i="0" dirty="0">
+                <a:solidFill>
+                  <a:srgbClr val="000000"/>
+                </a:solidFill>
+                <a:effectLst/>
+                <a:latin typeface="Helvetica Neue"/>
+              </a:rPr>
+              <a:t>To check the correlation between the variables</a:t>
+            </a:r>
+            <a:endParaRPr lang="en-KE" dirty="0"/>
+          </a:p>
+        </p:txBody>
+      </p:sp>
+      <p:sp>
+        <p:nvSpPr>
+          <p:cNvPr id="3" name="Text Placeholder 2">
+            <a:extLst>
+              <a:ext uri="{FF2B5EF4-FFF2-40B4-BE49-F238E27FC236}">
+                <a16:creationId xmlns:a16="http://schemas.microsoft.com/office/drawing/2014/main" id="{64AC698C-1DF9-21CE-6E58-87E8415AB4A1}"/>
+              </a:ext>
+            </a:extLst>
+          </p:cNvPr>
+          <p:cNvSpPr>
+            <a:spLocks noGrp="1"/>
+          </p:cNvSpPr>
+          <p:nvPr>
+            <p:ph type="body" idx="1"/>
+          </p:nvPr>
+        </p:nvSpPr>
+        <p:spPr>
+          <a:xfrm>
+            <a:off x="819150" y="1345474"/>
+            <a:ext cx="7505700" cy="3093251"/>
+          </a:xfrm>
+        </p:spPr>
+        <p:txBody>
+          <a:bodyPr/>
+          <a:lstStyle/>
+          <a:p>
+            <a:endParaRPr lang="en-KE" dirty="0"/>
+          </a:p>
+        </p:txBody>
+      </p:sp>
+      <p:pic>
+        <p:nvPicPr>
+          <p:cNvPr id="5" name="Picture 4">
+            <a:extLst>
+              <a:ext uri="{FF2B5EF4-FFF2-40B4-BE49-F238E27FC236}">
+                <a16:creationId xmlns:a16="http://schemas.microsoft.com/office/drawing/2014/main" id="{FAB41B1E-969E-B29D-61B8-3191BD50D290}"/>
+              </a:ext>
+            </a:extLst>
+          </p:cNvPr>
+          <p:cNvPicPr>
+            <a:picLocks noChangeAspect="1"/>
+          </p:cNvPicPr>
+          <p:nvPr/>
+        </p:nvPicPr>
+        <p:blipFill>
+          <a:blip r:embed="rId2"/>
+          <a:stretch>
+            <a:fillRect/>
+          </a:stretch>
+        </p:blipFill>
+        <p:spPr>
+          <a:xfrm>
+            <a:off x="819150" y="1240970"/>
+            <a:ext cx="7505700" cy="3631475"/>
+          </a:xfrm>
+          <a:prstGeom prst="rect">
+            <a:avLst/>
+          </a:prstGeom>
+        </p:spPr>
+      </p:pic>
+    </p:spTree>
+    <p:extLst>
+      <p:ext uri="{BB962C8B-B14F-4D97-AF65-F5344CB8AC3E}">
+        <p14:creationId xmlns:p14="http://schemas.microsoft.com/office/powerpoint/2010/main" val="240265593"/>
+      </p:ext>
+    </p:extLst>
+  </p:cSld>
+  <p:clrMapOvr>
+    <a:masterClrMapping/>
+  </p:clrMapOvr>
+</p:sld>
+</file>
+
+<file path=ppt/slides/slide6.xml><?xml version="1.0" encoding="utf-8"?>
+<p:sld xmlns:a="http://schemas.openxmlformats.org/drawingml/2006/main" xmlns:r="http://schemas.openxmlformats.org/officeDocument/2006/relationships" xmlns:p="http://schemas.openxmlformats.org/presentationml/2006/main">
+  <p:cSld>
+    <p:spTree>
+      <p:nvGrpSpPr>
+        <p:cNvPr id="1" name=""/>
+        <p:cNvGrpSpPr/>
+        <p:nvPr/>
+      </p:nvGrpSpPr>
+      <p:grpSpPr>
+        <a:xfrm>
+          <a:off x="0" y="0"/>
+          <a:ext cx="0" cy="0"/>
+          <a:chOff x="0" y="0"/>
+          <a:chExt cx="0" cy="0"/>
+        </a:xfrm>
+      </p:grpSpPr>
+      <p:sp>
+        <p:nvSpPr>
+          <p:cNvPr id="2" name="Title 1">
+            <a:extLst>
+              <a:ext uri="{FF2B5EF4-FFF2-40B4-BE49-F238E27FC236}">
+                <a16:creationId xmlns:a16="http://schemas.microsoft.com/office/drawing/2014/main" id="{D3EBD9F6-8AD9-0E9C-2277-6BA839C3ADFC}"/>
+              </a:ext>
+            </a:extLst>
+          </p:cNvPr>
+          <p:cNvSpPr>
+            <a:spLocks noGrp="1"/>
+          </p:cNvSpPr>
+          <p:nvPr>
+            <p:ph type="title"/>
+          </p:nvPr>
+        </p:nvSpPr>
+        <p:spPr>
+          <a:xfrm>
+            <a:off x="819150" y="845601"/>
+            <a:ext cx="7505700" cy="3593124"/>
+          </a:xfrm>
+        </p:spPr>
+        <p:txBody>
+          <a:bodyPr>
+            <a:normAutofit/>
+          </a:bodyPr>
+          <a:lstStyle/>
+          <a:p>
+            <a:r>
+              <a:rPr lang="en-US" b="0" i="0" dirty="0">
+                <a:solidFill>
+                  <a:srgbClr val="000000"/>
+                </a:solidFill>
+                <a:effectLst/>
+                <a:latin typeface="Helvetica Neue"/>
+              </a:rPr>
+              <a:t>There is a close relationship between the price of a house and the grade where the fact on whether a house is a graded as a </a:t>
+            </a:r>
+            <a:r>
+              <a:rPr lang="en-US" b="0" i="0" dirty="0" err="1">
+                <a:solidFill>
+                  <a:srgbClr val="000000"/>
+                </a:solidFill>
+                <a:effectLst/>
+                <a:latin typeface="Helvetica Neue"/>
+              </a:rPr>
+              <a:t>mansion,luxury,excellent</a:t>
+            </a:r>
+            <a:r>
+              <a:rPr lang="en-US" b="0" i="0" dirty="0">
+                <a:solidFill>
+                  <a:srgbClr val="000000"/>
+                </a:solidFill>
+                <a:effectLst/>
+                <a:latin typeface="Helvetica Neue"/>
+              </a:rPr>
+              <a:t>, better it will affect the price of the house.</a:t>
+            </a:r>
+            <a:endParaRPr lang="en-KE" dirty="0"/>
+          </a:p>
+        </p:txBody>
+      </p:sp>
+      <p:sp>
+        <p:nvSpPr>
+          <p:cNvPr id="3" name="Text Placeholder 2">
+            <a:extLst>
+              <a:ext uri="{FF2B5EF4-FFF2-40B4-BE49-F238E27FC236}">
+                <a16:creationId xmlns:a16="http://schemas.microsoft.com/office/drawing/2014/main" id="{0879BDE7-CB65-A3E2-2DFD-A7AE38569CD6}"/>
+              </a:ext>
+            </a:extLst>
+          </p:cNvPr>
+          <p:cNvSpPr>
+            <a:spLocks noGrp="1"/>
+          </p:cNvSpPr>
+          <p:nvPr>
+            <p:ph type="body" idx="1"/>
+          </p:nvPr>
+        </p:nvSpPr>
+        <p:spPr>
+          <a:xfrm>
+            <a:off x="819150" y="1515291"/>
+            <a:ext cx="7505700" cy="2923434"/>
+          </a:xfrm>
+        </p:spPr>
+        <p:txBody>
+          <a:bodyPr/>
+          <a:lstStyle/>
+          <a:p>
+            <a:r>
+              <a:rPr lang="en-US" dirty="0"/>
+              <a:t> </a:t>
+            </a:r>
+            <a:endParaRPr lang="en-KE" dirty="0"/>
+          </a:p>
+        </p:txBody>
+      </p:sp>
+    </p:spTree>
+    <p:extLst>
+      <p:ext uri="{BB962C8B-B14F-4D97-AF65-F5344CB8AC3E}">
+        <p14:creationId xmlns:p14="http://schemas.microsoft.com/office/powerpoint/2010/main" val="2769788539"/>
+      </p:ext>
+    </p:extLst>
+  </p:cSld>
+  <p:clrMapOvr>
+    <a:masterClrMapping/>
+  </p:clrMapOvr>
+</p:sld>
+</file>
+
+<file path=ppt/slides/slide7.xml><?xml version="1.0" encoding="utf-8"?>
+<p:sld xmlns:a="http://schemas.openxmlformats.org/drawingml/2006/main" xmlns:r="http://schemas.openxmlformats.org/officeDocument/2006/relationships" xmlns:p="http://schemas.openxmlformats.org/presentationml/2006/main">
+  <p:cSld>
+    <p:spTree>
+      <p:nvGrpSpPr>
+        <p:cNvPr id="1" name=""/>
+        <p:cNvGrpSpPr/>
+        <p:nvPr/>
+      </p:nvGrpSpPr>
+      <p:grpSpPr>
+        <a:xfrm>
+          <a:off x="0" y="0"/>
+          <a:ext cx="0" cy="0"/>
+          <a:chOff x="0" y="0"/>
+          <a:chExt cx="0" cy="0"/>
+        </a:xfrm>
+      </p:grpSpPr>
+      <p:sp>
+        <p:nvSpPr>
+          <p:cNvPr id="3" name="Text Placeholder 2">
+            <a:extLst>
+              <a:ext uri="{FF2B5EF4-FFF2-40B4-BE49-F238E27FC236}">
+                <a16:creationId xmlns:a16="http://schemas.microsoft.com/office/drawing/2014/main" id="{47EFBAD2-7235-F9E8-654D-60163D6556B5}"/>
+              </a:ext>
+            </a:extLst>
+          </p:cNvPr>
+          <p:cNvSpPr>
+            <a:spLocks noGrp="1"/>
+          </p:cNvSpPr>
+          <p:nvPr>
+            <p:ph type="body" idx="1"/>
+          </p:nvPr>
+        </p:nvSpPr>
+        <p:spPr>
+          <a:xfrm>
+            <a:off x="988967" y="300446"/>
+            <a:ext cx="7505700" cy="6040468"/>
+          </a:xfrm>
+        </p:spPr>
+        <p:txBody>
+          <a:bodyPr/>
+          <a:lstStyle/>
+          <a:p>
+            <a:endParaRPr lang="en-KE" dirty="0"/>
+          </a:p>
+        </p:txBody>
+      </p:sp>
+      <p:pic>
+        <p:nvPicPr>
+          <p:cNvPr id="5" name="Picture 4">
+            <a:extLst>
+              <a:ext uri="{FF2B5EF4-FFF2-40B4-BE49-F238E27FC236}">
+                <a16:creationId xmlns:a16="http://schemas.microsoft.com/office/drawing/2014/main" id="{E561C18F-BD6C-2598-F877-13428405E892}"/>
+              </a:ext>
+            </a:extLst>
+          </p:cNvPr>
+          <p:cNvPicPr>
+            <a:picLocks noChangeAspect="1"/>
+          </p:cNvPicPr>
+          <p:nvPr/>
+        </p:nvPicPr>
+        <p:blipFill>
+          <a:blip r:embed="rId2"/>
+          <a:stretch>
+            <a:fillRect/>
+          </a:stretch>
+        </p:blipFill>
+        <p:spPr>
+          <a:xfrm>
+            <a:off x="1862137" y="519112"/>
+            <a:ext cx="5419725" cy="4105275"/>
+          </a:xfrm>
+          <a:prstGeom prst="rect">
+            <a:avLst/>
+          </a:prstGeom>
+        </p:spPr>
+      </p:pic>
+    </p:spTree>
+    <p:extLst>
+      <p:ext uri="{BB962C8B-B14F-4D97-AF65-F5344CB8AC3E}">
+        <p14:creationId xmlns:p14="http://schemas.microsoft.com/office/powerpoint/2010/main" val="3213154201"/>
+      </p:ext>
+    </p:extLst>
+  </p:cSld>
+  <p:clrMapOvr>
+    <a:masterClrMapping/>
+  </p:clrMapOvr>
+</p:sld>
+</file>
+
 <file path=ppt/theme/theme1.xml><?xml version="1.0" encoding="utf-8"?>
-<a:theme xmlns:a="http://schemas.openxmlformats.org/drawingml/2006/main" xmlns:r="http://schemas.openxmlformats.org/officeDocument/2006/relationships">
+<a:theme xmlns:a="http://schemas.openxmlformats.org/drawingml/2006/main" name="Shift">
+  <a:themeElements>
+    <a:clrScheme name="Shift">
+      <a:dk1>
+        <a:srgbClr val="FFFFFF"/>
+      </a:dk1>
+      <a:lt1>
+        <a:srgbClr val="AF7B51"/>
+      </a:lt1>
+      <a:dk2>
+        <a:srgbClr val="233A44"/>
+      </a:dk2>
+      <a:lt2>
+        <a:srgbClr val="D9D9D9"/>
+      </a:lt2>
+      <a:accent1>
+        <a:srgbClr val="00796B"/>
+      </a:accent1>
+      <a:accent2>
+        <a:srgbClr val="D9563F"/>
+      </a:accent2>
+      <a:accent3>
+        <a:srgbClr val="C4A15A"/>
+      </a:accent3>
+      <a:accent4>
+        <a:srgbClr val="14F597"/>
+      </a:accent4>
+      <a:accent5>
+        <a:srgbClr val="3D4594"/>
+      </a:accent5>
+      <a:accent6>
+        <a:srgbClr val="163EF5"/>
+      </a:accent6>
+      <a:hlink>
+        <a:srgbClr val="3D4594"/>
+      </a:hlink>
+      <a:folHlink>
+        <a:srgbClr val="3D4594"/>
+      </a:folHlink>
+    </a:clrScheme>
+    <a:fontScheme name="Office">
+      <a:majorFont>
+        <a:latin typeface="Arial"/>
+        <a:ea typeface=""/>
+        <a:cs typeface=""/>
+        <a:font script="Jpan" typeface="ＭＳ Ｐゴシック"/>
+        <a:font script="Hang" typeface="맑은 고딕"/>
+        <a:font script="Hans" typeface="宋体"/>
+        <a:font script="Hant" typeface="新細明體"/>
+        <a:font script="Arab" typeface="Times New Roman"/>
+        <a:font script="Hebr" typeface="Times New Roman"/>
+        <a:font script="Thai" typeface="Angsana New"/>
+        <a:font script="Ethi" typeface="Nyala"/>
+        <a:font script="Beng" typeface="Vrinda"/>
+        <a:font script="Gujr" typeface="Shruti"/>
+        <a:font script="Khmr" typeface="MoolBoran"/>
+        <a:font script="Knda" typeface="Tunga"/>
+        <a:font script="Guru" typeface="Raavi"/>
+        <a:font script="Cans" typeface="Euphemia"/>
+        <a:font script="Cher" typeface="Plantagenet Cherokee"/>
+        <a:font script="Yiii" typeface="Microsoft Yi Baiti"/>
+        <a:font script="Tibt" typeface="Microsoft Himalaya"/>
+        <a:font script="Thaa" typeface="MV Boli"/>
+        <a:font script="Deva" typeface="Mangal"/>
+        <a:font script="Telu" typeface="Gautami"/>
+        <a:font script="Taml" typeface="Latha"/>
+        <a:font script="Syrc" typeface="Estrangelo Edessa"/>
+        <a:font script="Orya" typeface="Kalinga"/>
+        <a:font script="Mlym" typeface="Kartika"/>
+        <a:font script="Laoo" typeface="DokChampa"/>
+        <a:font script="Sinh" typeface="Iskoola Pota"/>
+        <a:font script="Mong" typeface="Mongolian Baiti"/>
+        <a:font script="Viet" typeface="Times New Roman"/>
+        <a:font script="Uigh" typeface="Microsoft Uighur"/>
+        <a:font script="Geor" typeface="Sylfaen"/>
+      </a:majorFont>
+      <a:minorFont>
+        <a:latin typeface="Arial"/>
+        <a:ea typeface=""/>
+        <a:cs typeface=""/>
+        <a:font script="Jpan" typeface="ＭＳ Ｐゴシック"/>
+        <a:font script="Hang" typeface="맑은 고딕"/>
+        <a:font script="Hans" typeface="宋体"/>
+        <a:font script="Hant" typeface="新細明體"/>
+        <a:font script="Arab" typeface="Arial"/>
+        <a:font script="Hebr" typeface="Arial"/>
+        <a:font script="Thai" typeface="Cordia New"/>
+        <a:font script="Ethi" typeface="Nyala"/>
+        <a:font script="Beng" typeface="Vrinda"/>
+        <a:font script="Gujr" typeface="Shruti"/>
+        <a:font script="Khmr" typeface="DaunPenh"/>
+        <a:font script="Knda" typeface="Tunga"/>
+        <a:font script="Guru" typeface="Raavi"/>
+        <a:font script="Cans" typeface="Euphemia"/>
+        <a:font script="Cher" typeface="Plantagenet Cherokee"/>
+        <a:font script="Yiii" typeface="Microsoft Yi Baiti"/>
+        <a:font script="Tibt" typeface="Microsoft Himalaya"/>
+        <a:font script="Thaa" typeface="MV Boli"/>
+        <a:font script="Deva" typeface="Mangal"/>
+        <a:font script="Telu" typeface="Gautami"/>
+        <a:font script="Taml" typeface="Latha"/>
+        <a:font script="Syrc" typeface="Estrangelo Edessa"/>
+        <a:font script="Orya" typeface="Kalinga"/>
+        <a:font script="Mlym" typeface="Kartika"/>
+        <a:font script="Laoo" typeface="DokChampa"/>
+        <a:font script="Sinh" typeface="Iskoola Pota"/>
+        <a:font script="Mong" typeface="Mongolian Baiti"/>
+        <a:font script="Viet" typeface="Arial"/>
+        <a:font script="Uigh" typeface="Microsoft Uighur"/>
+        <a:font script="Geor" typeface="Sylfaen"/>
+      </a:minorFont>
+    </a:fontScheme>
+    <a:fmtScheme name="Office">
+      <a:fillStyleLst>
+        <a:solidFill>
+          <a:schemeClr val="phClr"/>
+        </a:solidFill>
+        <a:gradFill rotWithShape="1">
+          <a:gsLst>
+            <a:gs pos="0">
+              <a:schemeClr val="phClr">
+                <a:tint val="50000"/>
+                <a:satMod val="300000"/>
+              </a:schemeClr>
+            </a:gs>
+            <a:gs pos="35000">
+              <a:schemeClr val="phClr">
+                <a:tint val="37000"/>
+                <a:satMod val="300000"/>
+              </a:schemeClr>
+            </a:gs>
+            <a:gs pos="100000">
+              <a:schemeClr val="phClr">
+                <a:tint val="15000"/>
+                <a:satMod val="350000"/>
+              </a:schemeClr>
+            </a:gs>
+          </a:gsLst>
+          <a:lin ang="16200000" scaled="1"/>
+        </a:gradFill>
+        <a:gradFill rotWithShape="1">
+          <a:gsLst>
+            <a:gs pos="0">
+              <a:schemeClr val="phClr">
+                <a:tint val="100000"/>
+                <a:shade val="100000"/>
+                <a:satMod val="130000"/>
+              </a:schemeClr>
+            </a:gs>
+            <a:gs pos="100000">
+              <a:schemeClr val="phClr">
+                <a:tint val="50000"/>
+                <a:shade val="100000"/>
+                <a:satMod val="350000"/>
+              </a:schemeClr>
+            </a:gs>
+          </a:gsLst>
+          <a:lin ang="16200000" scaled="0"/>
+        </a:gradFill>
+      </a:fillStyleLst>
+      <a:lnStyleLst>
+        <a:ln w="9525" cap="flat" cmpd="sng" algn="ctr">
+          <a:solidFill>
+            <a:schemeClr val="phClr">
+              <a:shade val="95000"/>
+              <a:satMod val="105000"/>
+            </a:schemeClr>
+          </a:solidFill>
+          <a:prstDash val="solid"/>
+        </a:ln>
+        <a:ln w="25400" cap="flat" cmpd="sng" algn="ctr">
+          <a:solidFill>
+            <a:schemeClr val="phClr"/>
+          </a:solidFill>
+          <a:prstDash val="solid"/>
+        </a:ln>
+        <a:ln w="38100" cap="flat" cmpd="sng" algn="ctr">
+          <a:solidFill>
+            <a:schemeClr val="phClr"/>
+          </a:solidFill>
+          <a:prstDash val="solid"/>
+        </a:ln>
+      </a:lnStyleLst>
+      <a:effectStyleLst>
+        <a:effectStyle>
+          <a:effectLst>
+            <a:outerShdw blurRad="40000" dist="20000" dir="5400000" rotWithShape="0">
+              <a:srgbClr val="000000">
+                <a:alpha val="38000"/>
+              </a:srgbClr>
+            </a:outerShdw>
+          </a:effectLst>
+        </a:effectStyle>
+        <a:effectStyle>
+          <a:effectLst>
+            <a:outerShdw blurRad="40000" dist="23000" dir="5400000" rotWithShape="0">
+              <a:srgbClr val="000000">
+                <a:alpha val="35000"/>
+              </a:srgbClr>
+            </a:outerShdw>
+          </a:effectLst>
+        </a:effectStyle>
+        <a:effectStyle>
+          <a:effectLst>
+            <a:outerShdw blurRad="40000" dist="23000" dir="5400000" rotWithShape="0">
+              <a:srgbClr val="000000">
+                <a:alpha val="35000"/>
+              </a:srgbClr>
+            </a:outerShdw>
+          </a:effectLst>
+          <a:scene3d>
+            <a:camera prst="orthographicFront">
+              <a:rot lat="0" lon="0" rev="0"/>
+            </a:camera>
+            <a:lightRig rig="threePt" dir="t">
+              <a:rot lat="0" lon="0" rev="1200000"/>
+            </a:lightRig>
+          </a:scene3d>
+          <a:sp3d>
+            <a:bevelT w="63500" h="25400"/>
+          </a:sp3d>
+        </a:effectStyle>
+      </a:effectStyleLst>
+      <a:bgFillStyleLst>
+        <a:solidFill>
+          <a:schemeClr val="phClr"/>
+        </a:solidFill>
+        <a:gradFill rotWithShape="1">
+          <a:gsLst>
+            <a:gs pos="0">
+              <a:schemeClr val="phClr">
+                <a:tint val="40000"/>
+                <a:satMod val="350000"/>
+              </a:schemeClr>
+            </a:gs>
+            <a:gs pos="40000">
+              <a:schemeClr val="phClr">
+                <a:tint val="45000"/>
+                <a:shade val="99000"/>
+                <a:satMod val="350000"/>
+              </a:schemeClr>
+            </a:gs>
+            <a:gs pos="100000">
+              <a:schemeClr val="phClr">
+                <a:shade val="20000"/>
+                <a:satMod val="255000"/>
+              </a:schemeClr>
+            </a:gs>
+          </a:gsLst>
+          <a:path path="circle">
+            <a:fillToRect l="50000" t="-80000" r="50000" b="180000"/>
+          </a:path>
+        </a:gradFill>
+        <a:gradFill rotWithShape="1">
+          <a:gsLst>
+            <a:gs pos="0">
+              <a:schemeClr val="phClr">
+                <a:tint val="80000"/>
+                <a:satMod val="300000"/>
+              </a:schemeClr>
+            </a:gs>
+            <a:gs pos="100000">
+              <a:schemeClr val="phClr">
+                <a:shade val="30000"/>
+                <a:satMod val="200000"/>
+              </a:schemeClr>
+            </a:gs>
+          </a:gsLst>
+          <a:path path="circle">
+            <a:fillToRect l="50000" t="50000" r="50000" b="50000"/>
+          </a:path>
+        </a:gradFill>
+      </a:bgFillStyleLst>
+    </a:fmtScheme>
+  </a:themeElements>
+  <a:objectDefaults/>
+  <a:extraClrSchemeLst/>
+</a:theme>
+</file>
+
+<file path=ppt/theme/theme2.xml><?xml version="1.0" encoding="utf-8"?>
+<a:theme xmlns:a="http://schemas.openxmlformats.org/drawingml/2006/main">
   <a:themeElements>
     <a:clrScheme name="Default">
       <a:dk1>
@@ -9541,284 +11181,7 @@
       </a:bgFillStyleLst>
     </a:fmtScheme>
   </a:themeElements>
-</a:theme>
-</file>
-
-<file path=ppt/theme/theme2.xml><?xml version="1.0" encoding="utf-8"?>
-<a:theme xmlns:a="http://schemas.openxmlformats.org/drawingml/2006/main" xmlns:r="http://schemas.openxmlformats.org/officeDocument/2006/relationships" name="Shift">
-  <a:themeElements>
-    <a:clrScheme name="Shift">
-      <a:dk1>
-        <a:srgbClr val="FFFFFF"/>
-      </a:dk1>
-      <a:lt1>
-        <a:srgbClr val="AF7B51"/>
-      </a:lt1>
-      <a:dk2>
-        <a:srgbClr val="233A44"/>
-      </a:dk2>
-      <a:lt2>
-        <a:srgbClr val="D9D9D9"/>
-      </a:lt2>
-      <a:accent1>
-        <a:srgbClr val="00796B"/>
-      </a:accent1>
-      <a:accent2>
-        <a:srgbClr val="D9563F"/>
-      </a:accent2>
-      <a:accent3>
-        <a:srgbClr val="C4A15A"/>
-      </a:accent3>
-      <a:accent4>
-        <a:srgbClr val="14F597"/>
-      </a:accent4>
-      <a:accent5>
-        <a:srgbClr val="3D4594"/>
-      </a:accent5>
-      <a:accent6>
-        <a:srgbClr val="163EF5"/>
-      </a:accent6>
-      <a:hlink>
-        <a:srgbClr val="3D4594"/>
-      </a:hlink>
-      <a:folHlink>
-        <a:srgbClr val="3D4594"/>
-      </a:folHlink>
-    </a:clrScheme>
-    <a:fontScheme name="Office">
-      <a:majorFont>
-        <a:latin typeface="Arial"/>
-        <a:ea typeface=""/>
-        <a:cs typeface=""/>
-        <a:font script="Jpan" typeface="ＭＳ Ｐゴシック"/>
-        <a:font script="Hang" typeface="맑은 고딕"/>
-        <a:font script="Hans" typeface="宋体"/>
-        <a:font script="Hant" typeface="新細明體"/>
-        <a:font script="Arab" typeface="Times New Roman"/>
-        <a:font script="Hebr" typeface="Times New Roman"/>
-        <a:font script="Thai" typeface="Angsana New"/>
-        <a:font script="Ethi" typeface="Nyala"/>
-        <a:font script="Beng" typeface="Vrinda"/>
-        <a:font script="Gujr" typeface="Shruti"/>
-        <a:font script="Khmr" typeface="MoolBoran"/>
-        <a:font script="Knda" typeface="Tunga"/>
-        <a:font script="Guru" typeface="Raavi"/>
-        <a:font script="Cans" typeface="Euphemia"/>
-        <a:font script="Cher" typeface="Plantagenet Cherokee"/>
-        <a:font script="Yiii" typeface="Microsoft Yi Baiti"/>
-        <a:font script="Tibt" typeface="Microsoft Himalaya"/>
-        <a:font script="Thaa" typeface="MV Boli"/>
-        <a:font script="Deva" typeface="Mangal"/>
-        <a:font script="Telu" typeface="Gautami"/>
-        <a:font script="Taml" typeface="Latha"/>
-        <a:font script="Syrc" typeface="Estrangelo Edessa"/>
-        <a:font script="Orya" typeface="Kalinga"/>
-        <a:font script="Mlym" typeface="Kartika"/>
-        <a:font script="Laoo" typeface="DokChampa"/>
-        <a:font script="Sinh" typeface="Iskoola Pota"/>
-        <a:font script="Mong" typeface="Mongolian Baiti"/>
-        <a:font script="Viet" typeface="Times New Roman"/>
-        <a:font script="Uigh" typeface="Microsoft Uighur"/>
-        <a:font script="Geor" typeface="Sylfaen"/>
-      </a:majorFont>
-      <a:minorFont>
-        <a:latin typeface="Arial"/>
-        <a:ea typeface=""/>
-        <a:cs typeface=""/>
-        <a:font script="Jpan" typeface="ＭＳ Ｐゴシック"/>
-        <a:font script="Hang" typeface="맑은 고딕"/>
-        <a:font script="Hans" typeface="宋体"/>
-        <a:font script="Hant" typeface="新細明體"/>
-        <a:font script="Arab" typeface="Arial"/>
-        <a:font script="Hebr" typeface="Arial"/>
-        <a:font script="Thai" typeface="Cordia New"/>
-        <a:font script="Ethi" typeface="Nyala"/>
-        <a:font script="Beng" typeface="Vrinda"/>
-        <a:font script="Gujr" typeface="Shruti"/>
-        <a:font script="Khmr" typeface="DaunPenh"/>
-        <a:font script="Knda" typeface="Tunga"/>
-        <a:font script="Guru" typeface="Raavi"/>
-        <a:font script="Cans" typeface="Euphemia"/>
-        <a:font script="Cher" typeface="Plantagenet Cherokee"/>
-        <a:font script="Yiii" typeface="Microsoft Yi Baiti"/>
-        <a:font script="Tibt" typeface="Microsoft Himalaya"/>
-        <a:font script="Thaa" typeface="MV Boli"/>
-        <a:font script="Deva" typeface="Mangal"/>
-        <a:font script="Telu" typeface="Gautami"/>
-        <a:font script="Taml" typeface="Latha"/>
-        <a:font script="Syrc" typeface="Estrangelo Edessa"/>
-        <a:font script="Orya" typeface="Kalinga"/>
-        <a:font script="Mlym" typeface="Kartika"/>
-        <a:font script="Laoo" typeface="DokChampa"/>
-        <a:font script="Sinh" typeface="Iskoola Pota"/>
-        <a:font script="Mong" typeface="Mongolian Baiti"/>
-        <a:font script="Viet" typeface="Arial"/>
-        <a:font script="Uigh" typeface="Microsoft Uighur"/>
-        <a:font script="Geor" typeface="Sylfaen"/>
-      </a:minorFont>
-    </a:fontScheme>
-    <a:fmtScheme name="Office">
-      <a:fillStyleLst>
-        <a:solidFill>
-          <a:schemeClr val="phClr"/>
-        </a:solidFill>
-        <a:gradFill rotWithShape="1">
-          <a:gsLst>
-            <a:gs pos="0">
-              <a:schemeClr val="phClr">
-                <a:tint val="50000"/>
-                <a:satMod val="300000"/>
-              </a:schemeClr>
-            </a:gs>
-            <a:gs pos="35000">
-              <a:schemeClr val="phClr">
-                <a:tint val="37000"/>
-                <a:satMod val="300000"/>
-              </a:schemeClr>
-            </a:gs>
-            <a:gs pos="100000">
-              <a:schemeClr val="phClr">
-                <a:tint val="15000"/>
-                <a:satMod val="350000"/>
-              </a:schemeClr>
-            </a:gs>
-          </a:gsLst>
-          <a:lin ang="16200000" scaled="1"/>
-        </a:gradFill>
-        <a:gradFill rotWithShape="1">
-          <a:gsLst>
-            <a:gs pos="0">
-              <a:schemeClr val="phClr">
-                <a:tint val="100000"/>
-                <a:shade val="100000"/>
-                <a:satMod val="130000"/>
-              </a:schemeClr>
-            </a:gs>
-            <a:gs pos="100000">
-              <a:schemeClr val="phClr">
-                <a:tint val="50000"/>
-                <a:shade val="100000"/>
-                <a:satMod val="350000"/>
-              </a:schemeClr>
-            </a:gs>
-          </a:gsLst>
-          <a:lin ang="16200000" scaled="0"/>
-        </a:gradFill>
-      </a:fillStyleLst>
-      <a:lnStyleLst>
-        <a:ln w="9525" cap="flat" cmpd="sng" algn="ctr">
-          <a:solidFill>
-            <a:schemeClr val="phClr">
-              <a:shade val="95000"/>
-              <a:satMod val="105000"/>
-            </a:schemeClr>
-          </a:solidFill>
-          <a:prstDash val="solid"/>
-        </a:ln>
-        <a:ln w="25400" cap="flat" cmpd="sng" algn="ctr">
-          <a:solidFill>
-            <a:schemeClr val="phClr"/>
-          </a:solidFill>
-          <a:prstDash val="solid"/>
-        </a:ln>
-        <a:ln w="38100" cap="flat" cmpd="sng" algn="ctr">
-          <a:solidFill>
-            <a:schemeClr val="phClr"/>
-          </a:solidFill>
-          <a:prstDash val="solid"/>
-        </a:ln>
-      </a:lnStyleLst>
-      <a:effectStyleLst>
-        <a:effectStyle>
-          <a:effectLst>
-            <a:outerShdw blurRad="40000" dist="20000" dir="5400000" rotWithShape="0">
-              <a:srgbClr val="000000">
-                <a:alpha val="38000"/>
-              </a:srgbClr>
-            </a:outerShdw>
-          </a:effectLst>
-        </a:effectStyle>
-        <a:effectStyle>
-          <a:effectLst>
-            <a:outerShdw blurRad="40000" dist="23000" dir="5400000" rotWithShape="0">
-              <a:srgbClr val="000000">
-                <a:alpha val="35000"/>
-              </a:srgbClr>
-            </a:outerShdw>
-          </a:effectLst>
-        </a:effectStyle>
-        <a:effectStyle>
-          <a:effectLst>
-            <a:outerShdw blurRad="40000" dist="23000" dir="5400000" rotWithShape="0">
-              <a:srgbClr val="000000">
-                <a:alpha val="35000"/>
-              </a:srgbClr>
-            </a:outerShdw>
-          </a:effectLst>
-          <a:scene3d>
-            <a:camera prst="orthographicFront">
-              <a:rot lat="0" lon="0" rev="0"/>
-            </a:camera>
-            <a:lightRig rig="threePt" dir="t">
-              <a:rot lat="0" lon="0" rev="1200000"/>
-            </a:lightRig>
-          </a:scene3d>
-          <a:sp3d>
-            <a:bevelT w="63500" h="25400"/>
-          </a:sp3d>
-        </a:effectStyle>
-      </a:effectStyleLst>
-      <a:bgFillStyleLst>
-        <a:solidFill>
-          <a:schemeClr val="phClr"/>
-        </a:solidFill>
-        <a:gradFill rotWithShape="1">
-          <a:gsLst>
-            <a:gs pos="0">
-              <a:schemeClr val="phClr">
-                <a:tint val="40000"/>
-                <a:satMod val="350000"/>
-              </a:schemeClr>
-            </a:gs>
-            <a:gs pos="40000">
-              <a:schemeClr val="phClr">
-                <a:tint val="45000"/>
-                <a:shade val="99000"/>
-                <a:satMod val="350000"/>
-              </a:schemeClr>
-            </a:gs>
-            <a:gs pos="100000">
-              <a:schemeClr val="phClr">
-                <a:shade val="20000"/>
-                <a:satMod val="255000"/>
-              </a:schemeClr>
-            </a:gs>
-          </a:gsLst>
-          <a:path path="circle">
-            <a:fillToRect l="50000" t="-80000" r="50000" b="180000"/>
-          </a:path>
-        </a:gradFill>
-        <a:gradFill rotWithShape="1">
-          <a:gsLst>
-            <a:gs pos="0">
-              <a:schemeClr val="phClr">
-                <a:tint val="80000"/>
-                <a:satMod val="300000"/>
-              </a:schemeClr>
-            </a:gs>
-            <a:gs pos="100000">
-              <a:schemeClr val="phClr">
-                <a:shade val="30000"/>
-                <a:satMod val="200000"/>
-              </a:schemeClr>
-            </a:gs>
-          </a:gsLst>
-          <a:path path="circle">
-            <a:fillToRect l="50000" t="50000" r="50000" b="50000"/>
-          </a:path>
-        </a:gradFill>
-      </a:bgFillStyleLst>
-    </a:fmtScheme>
-  </a:themeElements>
+  <a:objectDefaults/>
+  <a:extraClrSchemeLst/>
 </a:theme>
 </file>
--- a/THE KC HOUSE PROJECT.pptx
+++ b/THE KC HOUSE PROJECT.pptx
@@ -5,7 +5,7 @@
     <p:sldMasterId id="2147483659" r:id="rId1"/>
   </p:sldMasterIdLst>
   <p:notesMasterIdLst>
-    <p:notesMasterId r:id="rId9"/>
+    <p:notesMasterId r:id="rId15"/>
   </p:notesMasterIdLst>
   <p:sldIdLst>
     <p:sldId id="256" r:id="rId2"/>
@@ -15,30 +15,36 @@
     <p:sldId id="261" r:id="rId6"/>
     <p:sldId id="262" r:id="rId7"/>
     <p:sldId id="263" r:id="rId8"/>
+    <p:sldId id="264" r:id="rId9"/>
+    <p:sldId id="265" r:id="rId10"/>
+    <p:sldId id="266" r:id="rId11"/>
+    <p:sldId id="269" r:id="rId12"/>
+    <p:sldId id="267" r:id="rId13"/>
+    <p:sldId id="268" r:id="rId14"/>
   </p:sldIdLst>
   <p:sldSz cx="9144000" cy="5143500" type="screen16x9"/>
   <p:notesSz cx="6858000" cy="9144000"/>
   <p:embeddedFontLst>
     <p:embeddedFont>
       <p:font typeface="Calibri" panose="020F0502020204030204" pitchFamily="34" charset="0"/>
-      <p:regular r:id="rId10"/>
-      <p:bold r:id="rId11"/>
-      <p:italic r:id="rId12"/>
-      <p:boldItalic r:id="rId13"/>
+      <p:regular r:id="rId16"/>
+      <p:bold r:id="rId17"/>
+      <p:italic r:id="rId18"/>
+      <p:boldItalic r:id="rId19"/>
     </p:embeddedFont>
     <p:embeddedFont>
       <p:font typeface="Nunito" pitchFamily="2" charset="0"/>
-      <p:regular r:id="rId14"/>
-      <p:bold r:id="rId15"/>
-      <p:italic r:id="rId16"/>
-      <p:boldItalic r:id="rId17"/>
+      <p:regular r:id="rId20"/>
+      <p:bold r:id="rId21"/>
+      <p:italic r:id="rId22"/>
+      <p:boldItalic r:id="rId23"/>
     </p:embeddedFont>
     <p:embeddedFont>
       <p:font typeface="Trebuchet MS" panose="020B0603020202020204" pitchFamily="34" charset="0"/>
-      <p:regular r:id="rId18"/>
-      <p:bold r:id="rId19"/>
-      <p:italic r:id="rId20"/>
-      <p:boldItalic r:id="rId21"/>
+      <p:regular r:id="rId24"/>
+      <p:bold r:id="rId25"/>
+      <p:italic r:id="rId26"/>
+      <p:boldItalic r:id="rId27"/>
     </p:embeddedFont>
   </p:embeddedFontLst>
   <p:defaultTextStyle>
@@ -9000,6 +9006,746 @@
 </p:sld>
 </file>
 
+<file path=ppt/slides/slide10.xml><?xml version="1.0" encoding="utf-8"?>
+<p:sld xmlns:a="http://schemas.openxmlformats.org/drawingml/2006/main" xmlns:r="http://schemas.openxmlformats.org/officeDocument/2006/relationships" xmlns:p="http://schemas.openxmlformats.org/presentationml/2006/main">
+  <p:cSld>
+    <p:spTree>
+      <p:nvGrpSpPr>
+        <p:cNvPr id="1" name=""/>
+        <p:cNvGrpSpPr/>
+        <p:nvPr/>
+      </p:nvGrpSpPr>
+      <p:grpSpPr>
+        <a:xfrm>
+          <a:off x="0" y="0"/>
+          <a:ext cx="0" cy="0"/>
+          <a:chOff x="0" y="0"/>
+          <a:chExt cx="0" cy="0"/>
+        </a:xfrm>
+      </p:grpSpPr>
+      <p:sp>
+        <p:nvSpPr>
+          <p:cNvPr id="2" name="Title 1">
+            <a:extLst>
+              <a:ext uri="{FF2B5EF4-FFF2-40B4-BE49-F238E27FC236}">
+                <a16:creationId xmlns:a16="http://schemas.microsoft.com/office/drawing/2014/main" id="{7F92D25F-0169-9995-6BE0-19B702130B82}"/>
+              </a:ext>
+            </a:extLst>
+          </p:cNvPr>
+          <p:cNvSpPr>
+            <a:spLocks noGrp="1"/>
+          </p:cNvSpPr>
+          <p:nvPr>
+            <p:ph type="title"/>
+          </p:nvPr>
+        </p:nvSpPr>
+        <p:spPr>
+          <a:xfrm>
+            <a:off x="819150" y="845600"/>
+            <a:ext cx="7505700" cy="712267"/>
+          </a:xfrm>
+        </p:spPr>
+        <p:txBody>
+          <a:bodyPr/>
+          <a:lstStyle/>
+          <a:p>
+            <a:r>
+              <a:rPr lang="en-KE" sz="3200" kern="0" dirty="0">
+                <a:solidFill>
+                  <a:srgbClr val="000000"/>
+                </a:solidFill>
+                <a:effectLst/>
+                <a:latin typeface="Trebuchet MS" panose="020B0603020202020204" pitchFamily="34" charset="0"/>
+                <a:ea typeface="Times New Roman" panose="02020603050405020304" pitchFamily="18" charset="0"/>
+                <a:cs typeface="Times New Roman" panose="02020603050405020304" pitchFamily="18" charset="0"/>
+              </a:rPr>
+              <a:t>Multiple Linear Regression Model</a:t>
+            </a:r>
+            <a:endParaRPr lang="en-KE" dirty="0"/>
+          </a:p>
+        </p:txBody>
+      </p:sp>
+      <p:sp>
+        <p:nvSpPr>
+          <p:cNvPr id="3" name="Text Placeholder 2">
+            <a:extLst>
+              <a:ext uri="{FF2B5EF4-FFF2-40B4-BE49-F238E27FC236}">
+                <a16:creationId xmlns:a16="http://schemas.microsoft.com/office/drawing/2014/main" id="{3D8D056D-A492-BF88-D607-75328D2909EA}"/>
+              </a:ext>
+            </a:extLst>
+          </p:cNvPr>
+          <p:cNvSpPr>
+            <a:spLocks noGrp="1"/>
+          </p:cNvSpPr>
+          <p:nvPr>
+            <p:ph type="body" idx="1"/>
+          </p:nvPr>
+        </p:nvSpPr>
+        <p:spPr>
+          <a:xfrm>
+            <a:off x="819150" y="1439333"/>
+            <a:ext cx="7505700" cy="2999392"/>
+          </a:xfrm>
+        </p:spPr>
+        <p:txBody>
+          <a:bodyPr>
+            <a:normAutofit/>
+          </a:bodyPr>
+          <a:lstStyle/>
+          <a:p>
+            <a:r>
+              <a:rPr lang="en-KE" sz="2000" kern="0" dirty="0">
+                <a:solidFill>
+                  <a:srgbClr val="000000"/>
+                </a:solidFill>
+                <a:effectLst/>
+                <a:latin typeface="Trebuchet MS" panose="020B0603020202020204" pitchFamily="34" charset="0"/>
+                <a:ea typeface="Times New Roman" panose="02020603050405020304" pitchFamily="18" charset="0"/>
+                <a:cs typeface="Times New Roman" panose="02020603050405020304" pitchFamily="18" charset="0"/>
+              </a:rPr>
+              <a:t>To predict the price, we employed a multiple linear regression model considering various variables, including bathrooms, bedrooms, </a:t>
+            </a:r>
+            <a:r>
+              <a:rPr lang="en-KE" sz="2000" kern="0" dirty="0" err="1">
+                <a:solidFill>
+                  <a:srgbClr val="000000"/>
+                </a:solidFill>
+                <a:effectLst/>
+                <a:latin typeface="Trebuchet MS" panose="020B0603020202020204" pitchFamily="34" charset="0"/>
+                <a:ea typeface="Times New Roman" panose="02020603050405020304" pitchFamily="18" charset="0"/>
+                <a:cs typeface="Times New Roman" panose="02020603050405020304" pitchFamily="18" charset="0"/>
+              </a:rPr>
+              <a:t>sqft_lot</a:t>
+            </a:r>
+            <a:r>
+              <a:rPr lang="en-KE" sz="2000" kern="0" dirty="0">
+                <a:solidFill>
+                  <a:srgbClr val="000000"/>
+                </a:solidFill>
+                <a:effectLst/>
+                <a:latin typeface="Trebuchet MS" panose="020B0603020202020204" pitchFamily="34" charset="0"/>
+                <a:ea typeface="Times New Roman" panose="02020603050405020304" pitchFamily="18" charset="0"/>
+                <a:cs typeface="Times New Roman" panose="02020603050405020304" pitchFamily="18" charset="0"/>
+              </a:rPr>
+              <a:t>, </a:t>
+            </a:r>
+            <a:r>
+              <a:rPr lang="en-KE" sz="2000" kern="0" dirty="0" err="1">
+                <a:solidFill>
+                  <a:srgbClr val="000000"/>
+                </a:solidFill>
+                <a:effectLst/>
+                <a:latin typeface="Trebuchet MS" panose="020B0603020202020204" pitchFamily="34" charset="0"/>
+                <a:ea typeface="Times New Roman" panose="02020603050405020304" pitchFamily="18" charset="0"/>
+                <a:cs typeface="Times New Roman" panose="02020603050405020304" pitchFamily="18" charset="0"/>
+              </a:rPr>
+              <a:t>sqft_living</a:t>
+            </a:r>
+            <a:r>
+              <a:rPr lang="en-KE" sz="2000" kern="0" dirty="0">
+                <a:solidFill>
+                  <a:srgbClr val="000000"/>
+                </a:solidFill>
+                <a:effectLst/>
+                <a:latin typeface="Trebuchet MS" panose="020B0603020202020204" pitchFamily="34" charset="0"/>
+                <a:ea typeface="Times New Roman" panose="02020603050405020304" pitchFamily="18" charset="0"/>
+                <a:cs typeface="Times New Roman" panose="02020603050405020304" pitchFamily="18" charset="0"/>
+              </a:rPr>
+              <a:t>, floors, and more. The coefficients and performance metrics (MSE, R-squared) for both training and testing sets were presented</a:t>
+            </a:r>
+            <a:endParaRPr lang="en-US" sz="2000" kern="0" dirty="0">
+              <a:solidFill>
+                <a:srgbClr val="000000"/>
+              </a:solidFill>
+              <a:effectLst/>
+              <a:latin typeface="Trebuchet MS" panose="020B0603020202020204" pitchFamily="34" charset="0"/>
+              <a:ea typeface="Times New Roman" panose="02020603050405020304" pitchFamily="18" charset="0"/>
+              <a:cs typeface="Times New Roman" panose="02020603050405020304" pitchFamily="18" charset="0"/>
+            </a:endParaRPr>
+          </a:p>
+          <a:p>
+            <a:r>
+              <a:rPr lang="en-KE" sz="2000" kern="0" dirty="0">
+                <a:solidFill>
+                  <a:srgbClr val="000000"/>
+                </a:solidFill>
+                <a:effectLst/>
+                <a:latin typeface="Trebuchet MS" panose="020B0603020202020204" pitchFamily="34" charset="0"/>
+                <a:ea typeface="Times New Roman" panose="02020603050405020304" pitchFamily="18" charset="0"/>
+                <a:cs typeface="Times New Roman" panose="02020603050405020304" pitchFamily="18" charset="0"/>
+              </a:rPr>
+              <a:t>Homeowners can benefit from this analysis by understanding how these variables collectively influence the estimated value of their properties.</a:t>
+            </a:r>
+            <a:endParaRPr lang="en-KE" sz="2000" kern="100" dirty="0">
+              <a:effectLst/>
+              <a:latin typeface="Calibri" panose="020F0502020204030204" pitchFamily="34" charset="0"/>
+              <a:ea typeface="PMingLiU" panose="02020500000000000000" pitchFamily="18" charset="-120"/>
+              <a:cs typeface="Times New Roman" panose="02020603050405020304" pitchFamily="18" charset="0"/>
+            </a:endParaRPr>
+          </a:p>
+          <a:p>
+            <a:endParaRPr lang="en-KE" dirty="0"/>
+          </a:p>
+        </p:txBody>
+      </p:sp>
+    </p:spTree>
+    <p:extLst>
+      <p:ext uri="{BB962C8B-B14F-4D97-AF65-F5344CB8AC3E}">
+        <p14:creationId xmlns:p14="http://schemas.microsoft.com/office/powerpoint/2010/main" val="1246433598"/>
+      </p:ext>
+    </p:extLst>
+  </p:cSld>
+  <p:clrMapOvr>
+    <a:masterClrMapping/>
+  </p:clrMapOvr>
+</p:sld>
+</file>
+
+<file path=ppt/slides/slide11.xml><?xml version="1.0" encoding="utf-8"?>
+<p:sld xmlns:a="http://schemas.openxmlformats.org/drawingml/2006/main" xmlns:r="http://schemas.openxmlformats.org/officeDocument/2006/relationships" xmlns:p="http://schemas.openxmlformats.org/presentationml/2006/main">
+  <p:cSld>
+    <p:spTree>
+      <p:nvGrpSpPr>
+        <p:cNvPr id="1" name=""/>
+        <p:cNvGrpSpPr/>
+        <p:nvPr/>
+      </p:nvGrpSpPr>
+      <p:grpSpPr>
+        <a:xfrm>
+          <a:off x="0" y="0"/>
+          <a:ext cx="0" cy="0"/>
+          <a:chOff x="0" y="0"/>
+          <a:chExt cx="0" cy="0"/>
+        </a:xfrm>
+      </p:grpSpPr>
+      <p:sp>
+        <p:nvSpPr>
+          <p:cNvPr id="2" name="Text Placeholder 1">
+            <a:extLst>
+              <a:ext uri="{FF2B5EF4-FFF2-40B4-BE49-F238E27FC236}">
+                <a16:creationId xmlns:a16="http://schemas.microsoft.com/office/drawing/2014/main" id="{A0E24D85-0F2A-0963-86EF-2488B28C9590}"/>
+              </a:ext>
+            </a:extLst>
+          </p:cNvPr>
+          <p:cNvSpPr>
+            <a:spLocks noGrp="1"/>
+          </p:cNvSpPr>
+          <p:nvPr>
+            <p:ph type="body" idx="1"/>
+          </p:nvPr>
+        </p:nvSpPr>
+        <p:spPr>
+          <a:xfrm>
+            <a:off x="328024" y="362607"/>
+            <a:ext cx="8626789" cy="4405993"/>
+          </a:xfrm>
+        </p:spPr>
+        <p:txBody>
+          <a:bodyPr/>
+          <a:lstStyle/>
+          <a:p>
+            <a:endParaRPr lang="en-KE" dirty="0"/>
+          </a:p>
+        </p:txBody>
+      </p:sp>
+      <p:pic>
+        <p:nvPicPr>
+          <p:cNvPr id="4" name="Picture 3">
+            <a:extLst>
+              <a:ext uri="{FF2B5EF4-FFF2-40B4-BE49-F238E27FC236}">
+                <a16:creationId xmlns:a16="http://schemas.microsoft.com/office/drawing/2014/main" id="{94D68D05-6661-0E90-851A-7D071AC7D605}"/>
+              </a:ext>
+            </a:extLst>
+          </p:cNvPr>
+          <p:cNvPicPr>
+            <a:picLocks noChangeAspect="1"/>
+          </p:cNvPicPr>
+          <p:nvPr/>
+        </p:nvPicPr>
+        <p:blipFill>
+          <a:blip r:embed="rId2"/>
+          <a:stretch>
+            <a:fillRect/>
+          </a:stretch>
+        </p:blipFill>
+        <p:spPr>
+          <a:xfrm>
+            <a:off x="655605" y="504497"/>
+            <a:ext cx="8160371" cy="4130566"/>
+          </a:xfrm>
+          <a:prstGeom prst="rect">
+            <a:avLst/>
+          </a:prstGeom>
+        </p:spPr>
+      </p:pic>
+    </p:spTree>
+    <p:extLst>
+      <p:ext uri="{BB962C8B-B14F-4D97-AF65-F5344CB8AC3E}">
+        <p14:creationId xmlns:p14="http://schemas.microsoft.com/office/powerpoint/2010/main" val="2035269571"/>
+      </p:ext>
+    </p:extLst>
+  </p:cSld>
+  <p:clrMapOvr>
+    <a:masterClrMapping/>
+  </p:clrMapOvr>
+</p:sld>
+</file>
+
+<file path=ppt/slides/slide12.xml><?xml version="1.0" encoding="utf-8"?>
+<p:sld xmlns:a="http://schemas.openxmlformats.org/drawingml/2006/main" xmlns:r="http://schemas.openxmlformats.org/officeDocument/2006/relationships" xmlns:p="http://schemas.openxmlformats.org/presentationml/2006/main">
+  <p:cSld>
+    <p:spTree>
+      <p:nvGrpSpPr>
+        <p:cNvPr id="1" name=""/>
+        <p:cNvGrpSpPr/>
+        <p:nvPr/>
+      </p:nvGrpSpPr>
+      <p:grpSpPr>
+        <a:xfrm>
+          <a:off x="0" y="0"/>
+          <a:ext cx="0" cy="0"/>
+          <a:chOff x="0" y="0"/>
+          <a:chExt cx="0" cy="0"/>
+        </a:xfrm>
+      </p:grpSpPr>
+      <p:sp>
+        <p:nvSpPr>
+          <p:cNvPr id="2" name="Title 1">
+            <a:extLst>
+              <a:ext uri="{FF2B5EF4-FFF2-40B4-BE49-F238E27FC236}">
+                <a16:creationId xmlns:a16="http://schemas.microsoft.com/office/drawing/2014/main" id="{C42331DE-F2C4-5BAB-E92A-23CC51D50955}"/>
+              </a:ext>
+            </a:extLst>
+          </p:cNvPr>
+          <p:cNvSpPr>
+            <a:spLocks noGrp="1"/>
+          </p:cNvSpPr>
+          <p:nvPr>
+            <p:ph type="title"/>
+          </p:nvPr>
+        </p:nvSpPr>
+        <p:spPr>
+          <a:xfrm>
+            <a:off x="819150" y="845600"/>
+            <a:ext cx="7505700" cy="627600"/>
+          </a:xfrm>
+        </p:spPr>
+        <p:txBody>
+          <a:bodyPr>
+            <a:normAutofit fontScale="90000"/>
+          </a:bodyPr>
+          <a:lstStyle/>
+          <a:p>
+            <a:r>
+              <a:rPr lang="en-US" sz="3200" kern="0" dirty="0">
+                <a:solidFill>
+                  <a:srgbClr val="000000"/>
+                </a:solidFill>
+                <a:effectLst/>
+                <a:latin typeface="Trebuchet MS" panose="020B0603020202020204" pitchFamily="34" charset="0"/>
+                <a:ea typeface="Times New Roman" panose="02020603050405020304" pitchFamily="18" charset="0"/>
+                <a:cs typeface="Times New Roman" panose="02020603050405020304" pitchFamily="18" charset="0"/>
+              </a:rPr>
+              <a:t>               </a:t>
+            </a:r>
+            <a:r>
+              <a:rPr lang="en-KE" sz="3200" kern="0" dirty="0">
+                <a:solidFill>
+                  <a:srgbClr val="000000"/>
+                </a:solidFill>
+                <a:effectLst/>
+                <a:latin typeface="Trebuchet MS" panose="020B0603020202020204" pitchFamily="34" charset="0"/>
+                <a:ea typeface="Times New Roman" panose="02020603050405020304" pitchFamily="18" charset="0"/>
+                <a:cs typeface="Times New Roman" panose="02020603050405020304" pitchFamily="18" charset="0"/>
+              </a:rPr>
+              <a:t>Polynomial Regression</a:t>
+            </a:r>
+            <a:endParaRPr lang="en-KE" dirty="0"/>
+          </a:p>
+        </p:txBody>
+      </p:sp>
+      <p:sp>
+        <p:nvSpPr>
+          <p:cNvPr id="3" name="Text Placeholder 2">
+            <a:extLst>
+              <a:ext uri="{FF2B5EF4-FFF2-40B4-BE49-F238E27FC236}">
+                <a16:creationId xmlns:a16="http://schemas.microsoft.com/office/drawing/2014/main" id="{685AD4E7-CCFE-6CA2-EE1F-76A8D2C19416}"/>
+              </a:ext>
+            </a:extLst>
+          </p:cNvPr>
+          <p:cNvSpPr>
+            <a:spLocks noGrp="1"/>
+          </p:cNvSpPr>
+          <p:nvPr>
+            <p:ph type="body" idx="1"/>
+          </p:nvPr>
+        </p:nvSpPr>
+        <p:spPr>
+          <a:xfrm>
+            <a:off x="819150" y="1473200"/>
+            <a:ext cx="7505700" cy="2965525"/>
+          </a:xfrm>
+        </p:spPr>
+        <p:txBody>
+          <a:bodyPr/>
+          <a:lstStyle/>
+          <a:p>
+            <a:r>
+              <a:rPr lang="en-KE" sz="2000" kern="0" dirty="0">
+                <a:solidFill>
+                  <a:srgbClr val="000000"/>
+                </a:solidFill>
+                <a:effectLst/>
+                <a:latin typeface="Trebuchet MS" panose="020B0603020202020204" pitchFamily="34" charset="0"/>
+                <a:ea typeface="Times New Roman" panose="02020603050405020304" pitchFamily="18" charset="0"/>
+                <a:cs typeface="Times New Roman" panose="02020603050405020304" pitchFamily="18" charset="0"/>
+              </a:rPr>
+              <a:t>We applied polynomial regression to predict price based on variables like bathrooms, bedrooms, </a:t>
+            </a:r>
+            <a:r>
+              <a:rPr lang="en-KE" sz="2000" kern="0" dirty="0" err="1">
+                <a:solidFill>
+                  <a:srgbClr val="000000"/>
+                </a:solidFill>
+                <a:effectLst/>
+                <a:latin typeface="Trebuchet MS" panose="020B0603020202020204" pitchFamily="34" charset="0"/>
+                <a:ea typeface="Times New Roman" panose="02020603050405020304" pitchFamily="18" charset="0"/>
+                <a:cs typeface="Times New Roman" panose="02020603050405020304" pitchFamily="18" charset="0"/>
+              </a:rPr>
+              <a:t>sqft_lot</a:t>
+            </a:r>
+            <a:r>
+              <a:rPr lang="en-KE" sz="2000" kern="0" dirty="0">
+                <a:solidFill>
+                  <a:srgbClr val="000000"/>
+                </a:solidFill>
+                <a:effectLst/>
+                <a:latin typeface="Trebuchet MS" panose="020B0603020202020204" pitchFamily="34" charset="0"/>
+                <a:ea typeface="Times New Roman" panose="02020603050405020304" pitchFamily="18" charset="0"/>
+                <a:cs typeface="Times New Roman" panose="02020603050405020304" pitchFamily="18" charset="0"/>
+              </a:rPr>
+              <a:t>, </a:t>
+            </a:r>
+            <a:r>
+              <a:rPr lang="en-KE" sz="2000" kern="0" dirty="0" err="1">
+                <a:solidFill>
+                  <a:srgbClr val="000000"/>
+                </a:solidFill>
+                <a:effectLst/>
+                <a:latin typeface="Trebuchet MS" panose="020B0603020202020204" pitchFamily="34" charset="0"/>
+                <a:ea typeface="Times New Roman" panose="02020603050405020304" pitchFamily="18" charset="0"/>
+                <a:cs typeface="Times New Roman" panose="02020603050405020304" pitchFamily="18" charset="0"/>
+              </a:rPr>
+              <a:t>sqft_living</a:t>
+            </a:r>
+            <a:r>
+              <a:rPr lang="en-KE" sz="2000" kern="0" dirty="0">
+                <a:solidFill>
+                  <a:srgbClr val="000000"/>
+                </a:solidFill>
+                <a:effectLst/>
+                <a:latin typeface="Trebuchet MS" panose="020B0603020202020204" pitchFamily="34" charset="0"/>
+                <a:ea typeface="Times New Roman" panose="02020603050405020304" pitchFamily="18" charset="0"/>
+                <a:cs typeface="Times New Roman" panose="02020603050405020304" pitchFamily="18" charset="0"/>
+              </a:rPr>
+              <a:t>, floors, and more. Polynomial features were used to capture non-linear relationships. Performance metrics (MSE, R-squared) for both training and testing sets were shared. </a:t>
+            </a:r>
+            <a:endParaRPr lang="en-US" sz="2000" kern="0" dirty="0">
+              <a:solidFill>
+                <a:srgbClr val="000000"/>
+              </a:solidFill>
+              <a:effectLst/>
+              <a:latin typeface="Trebuchet MS" panose="020B0603020202020204" pitchFamily="34" charset="0"/>
+              <a:ea typeface="Times New Roman" panose="02020603050405020304" pitchFamily="18" charset="0"/>
+              <a:cs typeface="Times New Roman" panose="02020603050405020304" pitchFamily="18" charset="0"/>
+            </a:endParaRPr>
+          </a:p>
+          <a:p>
+            <a:r>
+              <a:rPr lang="en-US" sz="2000" dirty="0">
+                <a:solidFill>
+                  <a:srgbClr val="000000"/>
+                </a:solidFill>
+                <a:latin typeface="Trebuchet MS" panose="020B0603020202020204" pitchFamily="34" charset="0"/>
+                <a:ea typeface="Times New Roman" panose="02020603050405020304" pitchFamily="18" charset="0"/>
+                <a:cs typeface="Times New Roman" panose="02020603050405020304" pitchFamily="18" charset="0"/>
+              </a:rPr>
+              <a:t>To</a:t>
+            </a:r>
+            <a:r>
+              <a:rPr lang="en-KE" sz="2000" kern="0" dirty="0">
+                <a:solidFill>
+                  <a:srgbClr val="000000"/>
+                </a:solidFill>
+                <a:effectLst/>
+                <a:latin typeface="Trebuchet MS" panose="020B0603020202020204" pitchFamily="34" charset="0"/>
+                <a:ea typeface="Times New Roman" panose="02020603050405020304" pitchFamily="18" charset="0"/>
+                <a:cs typeface="Times New Roman" panose="02020603050405020304" pitchFamily="18" charset="0"/>
+              </a:rPr>
+              <a:t> gain insights into the non-linear impact of these variables on property value.</a:t>
+            </a:r>
+            <a:endParaRPr lang="en-KE" sz="2000" kern="100" dirty="0">
+              <a:effectLst/>
+              <a:latin typeface="Calibri" panose="020F0502020204030204" pitchFamily="34" charset="0"/>
+              <a:ea typeface="PMingLiU" panose="02020500000000000000" pitchFamily="18" charset="-120"/>
+              <a:cs typeface="Times New Roman" panose="02020603050405020304" pitchFamily="18" charset="0"/>
+            </a:endParaRPr>
+          </a:p>
+          <a:p>
+            <a:endParaRPr lang="en-KE" dirty="0"/>
+          </a:p>
+        </p:txBody>
+      </p:sp>
+    </p:spTree>
+    <p:extLst>
+      <p:ext uri="{BB962C8B-B14F-4D97-AF65-F5344CB8AC3E}">
+        <p14:creationId xmlns:p14="http://schemas.microsoft.com/office/powerpoint/2010/main" val="4068668983"/>
+      </p:ext>
+    </p:extLst>
+  </p:cSld>
+  <p:clrMapOvr>
+    <a:masterClrMapping/>
+  </p:clrMapOvr>
+</p:sld>
+</file>
+
+<file path=ppt/slides/slide13.xml><?xml version="1.0" encoding="utf-8"?>
+<p:sld xmlns:a="http://schemas.openxmlformats.org/drawingml/2006/main" xmlns:r="http://schemas.openxmlformats.org/officeDocument/2006/relationships" xmlns:p="http://schemas.openxmlformats.org/presentationml/2006/main">
+  <p:cSld>
+    <p:spTree>
+      <p:nvGrpSpPr>
+        <p:cNvPr id="1" name=""/>
+        <p:cNvGrpSpPr/>
+        <p:nvPr/>
+      </p:nvGrpSpPr>
+      <p:grpSpPr>
+        <a:xfrm>
+          <a:off x="0" y="0"/>
+          <a:ext cx="0" cy="0"/>
+          <a:chOff x="0" y="0"/>
+          <a:chExt cx="0" cy="0"/>
+        </a:xfrm>
+      </p:grpSpPr>
+      <p:sp>
+        <p:nvSpPr>
+          <p:cNvPr id="2" name="Title 1">
+            <a:extLst>
+              <a:ext uri="{FF2B5EF4-FFF2-40B4-BE49-F238E27FC236}">
+                <a16:creationId xmlns:a16="http://schemas.microsoft.com/office/drawing/2014/main" id="{E4A508BC-1218-050C-D903-BF3D8C145437}"/>
+              </a:ext>
+            </a:extLst>
+          </p:cNvPr>
+          <p:cNvSpPr>
+            <a:spLocks noGrp="1"/>
+          </p:cNvSpPr>
+          <p:nvPr>
+            <p:ph type="title"/>
+          </p:nvPr>
+        </p:nvSpPr>
+        <p:spPr/>
+        <p:txBody>
+          <a:bodyPr>
+            <a:normAutofit fontScale="90000"/>
+          </a:bodyPr>
+          <a:lstStyle/>
+          <a:p>
+            <a:r>
+              <a:rPr lang="en-KE" sz="3200" kern="0" dirty="0">
+                <a:solidFill>
+                  <a:srgbClr val="000000"/>
+                </a:solidFill>
+                <a:effectLst/>
+                <a:latin typeface="Trebuchet MS" panose="020B0603020202020204" pitchFamily="34" charset="0"/>
+                <a:ea typeface="Times New Roman" panose="02020603050405020304" pitchFamily="18" charset="0"/>
+                <a:cs typeface="Times New Roman" panose="02020603050405020304" pitchFamily="18" charset="0"/>
+              </a:rPr>
+              <a:t>Recommendations Based on our analysis,</a:t>
+            </a:r>
+            <a:endParaRPr lang="en-KE" dirty="0"/>
+          </a:p>
+        </p:txBody>
+      </p:sp>
+      <p:sp>
+        <p:nvSpPr>
+          <p:cNvPr id="3" name="Text Placeholder 2">
+            <a:extLst>
+              <a:ext uri="{FF2B5EF4-FFF2-40B4-BE49-F238E27FC236}">
+                <a16:creationId xmlns:a16="http://schemas.microsoft.com/office/drawing/2014/main" id="{D49F4225-2132-F2E3-4BB0-976C02035ED9}"/>
+              </a:ext>
+            </a:extLst>
+          </p:cNvPr>
+          <p:cNvSpPr>
+            <a:spLocks noGrp="1"/>
+          </p:cNvSpPr>
+          <p:nvPr>
+            <p:ph type="body" idx="1"/>
+          </p:nvPr>
+        </p:nvSpPr>
+        <p:spPr>
+          <a:xfrm>
+            <a:off x="819150" y="1388533"/>
+            <a:ext cx="7505700" cy="3050192"/>
+          </a:xfrm>
+        </p:spPr>
+        <p:txBody>
+          <a:bodyPr>
+            <a:normAutofit fontScale="25000" lnSpcReduction="20000"/>
+          </a:bodyPr>
+          <a:lstStyle/>
+          <a:p>
+            <a:pPr marL="342900" lvl="0" indent="-342900">
+              <a:lnSpc>
+                <a:spcPct val="150000"/>
+              </a:lnSpc>
+              <a:spcAft>
+                <a:spcPts val="800"/>
+              </a:spcAft>
+              <a:buSzPts val="1000"/>
+              <a:buFont typeface="Symbol" panose="05050102010706020507" pitchFamily="18" charset="2"/>
+              <a:buChar char=""/>
+              <a:tabLst>
+                <a:tab pos="457200" algn="l"/>
+              </a:tabLst>
+            </a:pPr>
+            <a:r>
+              <a:rPr lang="en-KE" sz="6400" kern="0" dirty="0">
+                <a:solidFill>
+                  <a:srgbClr val="000000"/>
+                </a:solidFill>
+                <a:effectLst/>
+                <a:latin typeface="Trebuchet MS" panose="020B0603020202020204" pitchFamily="34" charset="0"/>
+                <a:ea typeface="Times New Roman" panose="02020603050405020304" pitchFamily="18" charset="0"/>
+                <a:cs typeface="Times New Roman" panose="02020603050405020304" pitchFamily="18" charset="0"/>
+              </a:rPr>
+              <a:t>Focus on improving the grade of your property as it has a significant positive impact on the estimated value.</a:t>
+            </a:r>
+            <a:endParaRPr lang="en-KE" sz="6400" kern="100" dirty="0">
+              <a:effectLst/>
+              <a:latin typeface="Calibri" panose="020F0502020204030204" pitchFamily="34" charset="0"/>
+              <a:ea typeface="PMingLiU" panose="02020500000000000000" pitchFamily="18" charset="-120"/>
+              <a:cs typeface="Times New Roman" panose="02020603050405020304" pitchFamily="18" charset="0"/>
+            </a:endParaRPr>
+          </a:p>
+          <a:p>
+            <a:pPr marL="342900" lvl="0" indent="-342900">
+              <a:lnSpc>
+                <a:spcPct val="150000"/>
+              </a:lnSpc>
+              <a:spcAft>
+                <a:spcPts val="800"/>
+              </a:spcAft>
+              <a:buSzPts val="1000"/>
+              <a:buFont typeface="Symbol" panose="05050102010706020507" pitchFamily="18" charset="2"/>
+              <a:buChar char=""/>
+              <a:tabLst>
+                <a:tab pos="457200" algn="l"/>
+              </a:tabLst>
+            </a:pPr>
+            <a:r>
+              <a:rPr lang="en-KE" sz="6400" kern="0" dirty="0">
+                <a:solidFill>
+                  <a:srgbClr val="000000"/>
+                </a:solidFill>
+                <a:effectLst/>
+                <a:latin typeface="Trebuchet MS" panose="020B0603020202020204" pitchFamily="34" charset="0"/>
+                <a:ea typeface="Times New Roman" panose="02020603050405020304" pitchFamily="18" charset="0"/>
+                <a:cs typeface="Times New Roman" panose="02020603050405020304" pitchFamily="18" charset="0"/>
+              </a:rPr>
+              <a:t>Consider expanding the square footage of the living space to potentially increase the property's price.</a:t>
+            </a:r>
+            <a:endParaRPr lang="en-KE" sz="6400" kern="100" dirty="0">
+              <a:effectLst/>
+              <a:latin typeface="Calibri" panose="020F0502020204030204" pitchFamily="34" charset="0"/>
+              <a:ea typeface="PMingLiU" panose="02020500000000000000" pitchFamily="18" charset="-120"/>
+              <a:cs typeface="Times New Roman" panose="02020603050405020304" pitchFamily="18" charset="0"/>
+            </a:endParaRPr>
+          </a:p>
+          <a:p>
+            <a:pPr marL="342900" lvl="0" indent="-342900">
+              <a:lnSpc>
+                <a:spcPct val="150000"/>
+              </a:lnSpc>
+              <a:spcAft>
+                <a:spcPts val="800"/>
+              </a:spcAft>
+              <a:buSzPts val="1000"/>
+              <a:buFont typeface="Symbol" panose="05050102010706020507" pitchFamily="18" charset="2"/>
+              <a:buChar char=""/>
+              <a:tabLst>
+                <a:tab pos="457200" algn="l"/>
+              </a:tabLst>
+            </a:pPr>
+            <a:r>
+              <a:rPr lang="en-KE" sz="6400" kern="0" dirty="0">
+                <a:solidFill>
+                  <a:srgbClr val="000000"/>
+                </a:solidFill>
+                <a:effectLst/>
+                <a:latin typeface="Trebuchet MS" panose="020B0603020202020204" pitchFamily="34" charset="0"/>
+                <a:ea typeface="Times New Roman" panose="02020603050405020304" pitchFamily="18" charset="0"/>
+                <a:cs typeface="Times New Roman" panose="02020603050405020304" pitchFamily="18" charset="0"/>
+              </a:rPr>
+              <a:t>Take into account the number of bathrooms, bedrooms, and other features that contribute to the property's value.</a:t>
+            </a:r>
+            <a:endParaRPr lang="en-KE" sz="6400" kern="100" dirty="0">
+              <a:effectLst/>
+              <a:latin typeface="Calibri" panose="020F0502020204030204" pitchFamily="34" charset="0"/>
+              <a:ea typeface="PMingLiU" panose="02020500000000000000" pitchFamily="18" charset="-120"/>
+              <a:cs typeface="Times New Roman" panose="02020603050405020304" pitchFamily="18" charset="0"/>
+            </a:endParaRPr>
+          </a:p>
+          <a:p>
+            <a:pPr marL="342900" lvl="0" indent="-342900">
+              <a:lnSpc>
+                <a:spcPct val="150000"/>
+              </a:lnSpc>
+              <a:spcAft>
+                <a:spcPts val="800"/>
+              </a:spcAft>
+              <a:buSzPts val="1000"/>
+              <a:buFont typeface="Symbol" panose="05050102010706020507" pitchFamily="18" charset="2"/>
+              <a:buChar char=""/>
+              <a:tabLst>
+                <a:tab pos="457200" algn="l"/>
+              </a:tabLst>
+            </a:pPr>
+            <a:r>
+              <a:rPr lang="en-KE" sz="6400" kern="0" dirty="0">
+                <a:solidFill>
+                  <a:srgbClr val="000000"/>
+                </a:solidFill>
+                <a:effectLst/>
+                <a:latin typeface="Trebuchet MS" panose="020B0603020202020204" pitchFamily="34" charset="0"/>
+                <a:ea typeface="Times New Roman" panose="02020603050405020304" pitchFamily="18" charset="0"/>
+                <a:cs typeface="Times New Roman" panose="02020603050405020304" pitchFamily="18" charset="0"/>
+              </a:rPr>
+              <a:t>Prioritize renovations that align with the preferences and demands of potential buyers in the market.</a:t>
+            </a:r>
+            <a:endParaRPr lang="en-KE" sz="6400" kern="100" dirty="0">
+              <a:effectLst/>
+              <a:latin typeface="Calibri" panose="020F0502020204030204" pitchFamily="34" charset="0"/>
+              <a:ea typeface="PMingLiU" panose="02020500000000000000" pitchFamily="18" charset="-120"/>
+              <a:cs typeface="Times New Roman" panose="02020603050405020304" pitchFamily="18" charset="0"/>
+            </a:endParaRPr>
+          </a:p>
+          <a:p>
+            <a:endParaRPr lang="en-KE" dirty="0"/>
+          </a:p>
+        </p:txBody>
+      </p:sp>
+    </p:spTree>
+    <p:extLst>
+      <p:ext uri="{BB962C8B-B14F-4D97-AF65-F5344CB8AC3E}">
+        <p14:creationId xmlns:p14="http://schemas.microsoft.com/office/powerpoint/2010/main" val="3459323079"/>
+      </p:ext>
+    </p:extLst>
+  </p:cSld>
+  <p:clrMapOvr>
+    <a:masterClrMapping/>
+  </p:clrMapOvr>
+</p:sld>
+</file>
+
 <file path=ppt/slides/slide2.xml><?xml version="1.0" encoding="utf-8"?>
 <p:sld xmlns:a="http://schemas.openxmlformats.org/drawingml/2006/main" xmlns:r="http://schemas.openxmlformats.org/officeDocument/2006/relationships" xmlns:p="http://schemas.openxmlformats.org/presentationml/2006/main">
   <p:cSld>
@@ -10615,6 +11361,358 @@
     <p:extLst>
       <p:ext uri="{BB962C8B-B14F-4D97-AF65-F5344CB8AC3E}">
         <p14:creationId xmlns:p14="http://schemas.microsoft.com/office/powerpoint/2010/main" val="3213154201"/>
+      </p:ext>
+    </p:extLst>
+  </p:cSld>
+  <p:clrMapOvr>
+    <a:masterClrMapping/>
+  </p:clrMapOvr>
+</p:sld>
+</file>
+
+<file path=ppt/slides/slide8.xml><?xml version="1.0" encoding="utf-8"?>
+<p:sld xmlns:a="http://schemas.openxmlformats.org/drawingml/2006/main" xmlns:r="http://schemas.openxmlformats.org/officeDocument/2006/relationships" xmlns:p="http://schemas.openxmlformats.org/presentationml/2006/main">
+  <p:cSld>
+    <p:spTree>
+      <p:nvGrpSpPr>
+        <p:cNvPr id="1" name=""/>
+        <p:cNvGrpSpPr/>
+        <p:nvPr/>
+      </p:nvGrpSpPr>
+      <p:grpSpPr>
+        <a:xfrm>
+          <a:off x="0" y="0"/>
+          <a:ext cx="0" cy="0"/>
+          <a:chOff x="0" y="0"/>
+          <a:chExt cx="0" cy="0"/>
+        </a:xfrm>
+      </p:grpSpPr>
+      <p:sp>
+        <p:nvSpPr>
+          <p:cNvPr id="2" name="Title 1">
+            <a:extLst>
+              <a:ext uri="{FF2B5EF4-FFF2-40B4-BE49-F238E27FC236}">
+                <a16:creationId xmlns:a16="http://schemas.microsoft.com/office/drawing/2014/main" id="{BC95E336-B35F-AF8C-2988-0CD6A9E69EDC}"/>
+              </a:ext>
+            </a:extLst>
+          </p:cNvPr>
+          <p:cNvSpPr>
+            <a:spLocks noGrp="1"/>
+          </p:cNvSpPr>
+          <p:nvPr>
+            <p:ph type="title"/>
+          </p:nvPr>
+        </p:nvSpPr>
+        <p:spPr/>
+        <p:txBody>
+          <a:bodyPr/>
+          <a:lstStyle/>
+          <a:p>
+            <a:r>
+              <a:rPr lang="en-KE" sz="3200" kern="0" dirty="0">
+                <a:solidFill>
+                  <a:srgbClr val="000000"/>
+                </a:solidFill>
+                <a:effectLst/>
+                <a:latin typeface="Trebuchet MS" panose="020B0603020202020204" pitchFamily="34" charset="0"/>
+                <a:ea typeface="Times New Roman" panose="02020603050405020304" pitchFamily="18" charset="0"/>
+                <a:cs typeface="Times New Roman" panose="02020603050405020304" pitchFamily="18" charset="0"/>
+              </a:rPr>
+              <a:t>Linear Regression - Price vs. Grade</a:t>
+            </a:r>
+            <a:endParaRPr lang="en-KE" dirty="0"/>
+          </a:p>
+        </p:txBody>
+      </p:sp>
+      <p:sp>
+        <p:nvSpPr>
+          <p:cNvPr id="3" name="Text Placeholder 2">
+            <a:extLst>
+              <a:ext uri="{FF2B5EF4-FFF2-40B4-BE49-F238E27FC236}">
+                <a16:creationId xmlns:a16="http://schemas.microsoft.com/office/drawing/2014/main" id="{8B04BD7D-25EB-FDB3-EEF5-849B815B3C00}"/>
+              </a:ext>
+            </a:extLst>
+          </p:cNvPr>
+          <p:cNvSpPr>
+            <a:spLocks noGrp="1"/>
+          </p:cNvSpPr>
+          <p:nvPr>
+            <p:ph type="body" idx="1"/>
+          </p:nvPr>
+        </p:nvSpPr>
+        <p:spPr>
+          <a:xfrm>
+            <a:off x="819150" y="1405467"/>
+            <a:ext cx="7505700" cy="3033258"/>
+          </a:xfrm>
+        </p:spPr>
+        <p:txBody>
+          <a:bodyPr>
+            <a:normAutofit/>
+          </a:bodyPr>
+          <a:lstStyle/>
+          <a:p>
+            <a:r>
+              <a:rPr lang="en-KE" sz="1800" kern="0" dirty="0">
+                <a:solidFill>
+                  <a:srgbClr val="000000"/>
+                </a:solidFill>
+                <a:effectLst/>
+                <a:latin typeface="Trebuchet MS" panose="020B0603020202020204" pitchFamily="34" charset="0"/>
+                <a:ea typeface="Times New Roman" panose="02020603050405020304" pitchFamily="18" charset="0"/>
+                <a:cs typeface="Times New Roman" panose="02020603050405020304" pitchFamily="18" charset="0"/>
+              </a:rPr>
+              <a:t>We analyzed the relationship between the price of a house and its grade. </a:t>
+            </a:r>
+            <a:endParaRPr lang="en-US" sz="1800" kern="0" dirty="0">
+              <a:solidFill>
+                <a:srgbClr val="000000"/>
+              </a:solidFill>
+              <a:effectLst/>
+              <a:latin typeface="Trebuchet MS" panose="020B0603020202020204" pitchFamily="34" charset="0"/>
+              <a:ea typeface="Times New Roman" panose="02020603050405020304" pitchFamily="18" charset="0"/>
+              <a:cs typeface="Times New Roman" panose="02020603050405020304" pitchFamily="18" charset="0"/>
+            </a:endParaRPr>
+          </a:p>
+          <a:p>
+            <a:r>
+              <a:rPr lang="en-KE" sz="1800" kern="0" dirty="0">
+                <a:solidFill>
+                  <a:srgbClr val="000000"/>
+                </a:solidFill>
+                <a:effectLst/>
+                <a:latin typeface="Trebuchet MS" panose="020B0603020202020204" pitchFamily="34" charset="0"/>
+                <a:ea typeface="Times New Roman" panose="02020603050405020304" pitchFamily="18" charset="0"/>
+                <a:cs typeface="Times New Roman" panose="02020603050405020304" pitchFamily="18" charset="0"/>
+              </a:rPr>
+              <a:t>A scatter plot revealed a positive correlation between the two variables. We built a linear regression model to predict the impact of grade on price. The model's coefficients, intercept, and performance metrics (RMSE, R2 score) were presented.</a:t>
+            </a:r>
+            <a:endParaRPr lang="en-US" sz="1800" kern="0" dirty="0">
+              <a:solidFill>
+                <a:srgbClr val="000000"/>
+              </a:solidFill>
+              <a:effectLst/>
+              <a:latin typeface="Trebuchet MS" panose="020B0603020202020204" pitchFamily="34" charset="0"/>
+              <a:ea typeface="Times New Roman" panose="02020603050405020304" pitchFamily="18" charset="0"/>
+              <a:cs typeface="Times New Roman" panose="02020603050405020304" pitchFamily="18" charset="0"/>
+            </a:endParaRPr>
+          </a:p>
+          <a:p>
+            <a:endParaRPr lang="en-US" sz="1800" dirty="0">
+              <a:solidFill>
+                <a:srgbClr val="000000"/>
+              </a:solidFill>
+              <a:latin typeface="Trebuchet MS" panose="020B0603020202020204" pitchFamily="34" charset="0"/>
+              <a:ea typeface="Times New Roman" panose="02020603050405020304" pitchFamily="18" charset="0"/>
+              <a:cs typeface="Times New Roman" panose="02020603050405020304" pitchFamily="18" charset="0"/>
+            </a:endParaRPr>
+          </a:p>
+          <a:p>
+            <a:r>
+              <a:rPr lang="en-US" sz="1800" dirty="0">
+                <a:solidFill>
+                  <a:srgbClr val="000000"/>
+                </a:solidFill>
+                <a:latin typeface="Trebuchet MS" panose="020B0603020202020204" pitchFamily="34" charset="0"/>
+                <a:ea typeface="Times New Roman" panose="02020603050405020304" pitchFamily="18" charset="0"/>
+                <a:cs typeface="Times New Roman" panose="02020603050405020304" pitchFamily="18" charset="0"/>
+              </a:rPr>
+              <a:t>To </a:t>
+            </a:r>
+            <a:r>
+              <a:rPr lang="en-KE" sz="1800" kern="0" dirty="0">
+                <a:solidFill>
+                  <a:srgbClr val="000000"/>
+                </a:solidFill>
+                <a:effectLst/>
+                <a:latin typeface="Trebuchet MS" panose="020B0603020202020204" pitchFamily="34" charset="0"/>
+                <a:ea typeface="Times New Roman" panose="02020603050405020304" pitchFamily="18" charset="0"/>
+                <a:cs typeface="Times New Roman" panose="02020603050405020304" pitchFamily="18" charset="0"/>
+              </a:rPr>
+              <a:t>use this analysis to understand the influence of grade on the estimated value of their properties.</a:t>
+            </a:r>
+            <a:endParaRPr lang="en-KE" sz="1800" kern="100" dirty="0">
+              <a:effectLst/>
+              <a:latin typeface="Calibri" panose="020F0502020204030204" pitchFamily="34" charset="0"/>
+              <a:ea typeface="PMingLiU" panose="02020500000000000000" pitchFamily="18" charset="-120"/>
+              <a:cs typeface="Times New Roman" panose="02020603050405020304" pitchFamily="18" charset="0"/>
+            </a:endParaRPr>
+          </a:p>
+          <a:p>
+            <a:endParaRPr lang="en-KE" dirty="0"/>
+          </a:p>
+        </p:txBody>
+      </p:sp>
+    </p:spTree>
+    <p:extLst>
+      <p:ext uri="{BB962C8B-B14F-4D97-AF65-F5344CB8AC3E}">
+        <p14:creationId xmlns:p14="http://schemas.microsoft.com/office/powerpoint/2010/main" val="2376418561"/>
+      </p:ext>
+    </p:extLst>
+  </p:cSld>
+  <p:clrMapOvr>
+    <a:masterClrMapping/>
+  </p:clrMapOvr>
+</p:sld>
+</file>
+
+<file path=ppt/slides/slide9.xml><?xml version="1.0" encoding="utf-8"?>
+<p:sld xmlns:a="http://schemas.openxmlformats.org/drawingml/2006/main" xmlns:r="http://schemas.openxmlformats.org/officeDocument/2006/relationships" xmlns:p="http://schemas.openxmlformats.org/presentationml/2006/main">
+  <p:cSld>
+    <p:spTree>
+      <p:nvGrpSpPr>
+        <p:cNvPr id="1" name=""/>
+        <p:cNvGrpSpPr/>
+        <p:nvPr/>
+      </p:nvGrpSpPr>
+      <p:grpSpPr>
+        <a:xfrm>
+          <a:off x="0" y="0"/>
+          <a:ext cx="0" cy="0"/>
+          <a:chOff x="0" y="0"/>
+          <a:chExt cx="0" cy="0"/>
+        </a:xfrm>
+      </p:grpSpPr>
+      <p:sp>
+        <p:nvSpPr>
+          <p:cNvPr id="2" name="Title 1">
+            <a:extLst>
+              <a:ext uri="{FF2B5EF4-FFF2-40B4-BE49-F238E27FC236}">
+                <a16:creationId xmlns:a16="http://schemas.microsoft.com/office/drawing/2014/main" id="{24237D26-2E61-9964-F664-BAB8E4B9B3BC}"/>
+              </a:ext>
+            </a:extLst>
+          </p:cNvPr>
+          <p:cNvSpPr>
+            <a:spLocks noGrp="1"/>
+          </p:cNvSpPr>
+          <p:nvPr>
+            <p:ph type="title"/>
+          </p:nvPr>
+        </p:nvSpPr>
+        <p:spPr/>
+        <p:txBody>
+          <a:bodyPr/>
+          <a:lstStyle/>
+          <a:p>
+            <a:r>
+              <a:rPr lang="en-KE" sz="3200" kern="0" dirty="0">
+                <a:solidFill>
+                  <a:srgbClr val="000000"/>
+                </a:solidFill>
+                <a:effectLst/>
+                <a:latin typeface="Trebuchet MS" panose="020B0603020202020204" pitchFamily="34" charset="0"/>
+                <a:ea typeface="Times New Roman" panose="02020603050405020304" pitchFamily="18" charset="0"/>
+                <a:cs typeface="Times New Roman" panose="02020603050405020304" pitchFamily="18" charset="0"/>
+              </a:rPr>
+              <a:t>Linear Regression - Price vs. </a:t>
+            </a:r>
+            <a:r>
+              <a:rPr lang="en-KE" sz="3200" kern="0" dirty="0" err="1">
+                <a:solidFill>
+                  <a:srgbClr val="000000"/>
+                </a:solidFill>
+                <a:effectLst/>
+                <a:latin typeface="Trebuchet MS" panose="020B0603020202020204" pitchFamily="34" charset="0"/>
+                <a:ea typeface="Times New Roman" panose="02020603050405020304" pitchFamily="18" charset="0"/>
+                <a:cs typeface="Times New Roman" panose="02020603050405020304" pitchFamily="18" charset="0"/>
+              </a:rPr>
+              <a:t>Sqft_living</a:t>
+            </a:r>
+            <a:endParaRPr lang="en-KE" dirty="0"/>
+          </a:p>
+        </p:txBody>
+      </p:sp>
+      <p:sp>
+        <p:nvSpPr>
+          <p:cNvPr id="3" name="Text Placeholder 2">
+            <a:extLst>
+              <a:ext uri="{FF2B5EF4-FFF2-40B4-BE49-F238E27FC236}">
+                <a16:creationId xmlns:a16="http://schemas.microsoft.com/office/drawing/2014/main" id="{54302896-1811-FA19-CA5D-D917B6C39669}"/>
+              </a:ext>
+            </a:extLst>
+          </p:cNvPr>
+          <p:cNvSpPr>
+            <a:spLocks noGrp="1"/>
+          </p:cNvSpPr>
+          <p:nvPr>
+            <p:ph type="body" idx="1"/>
+          </p:nvPr>
+        </p:nvSpPr>
+        <p:spPr>
+          <a:xfrm>
+            <a:off x="819150" y="1490132"/>
+            <a:ext cx="7505700" cy="3132667"/>
+          </a:xfrm>
+        </p:spPr>
+        <p:txBody>
+          <a:bodyPr>
+            <a:normAutofit/>
+          </a:bodyPr>
+          <a:lstStyle/>
+          <a:p>
+            <a:r>
+              <a:rPr lang="en-KE" sz="2000" kern="0" dirty="0">
+                <a:solidFill>
+                  <a:srgbClr val="000000"/>
+                </a:solidFill>
+                <a:effectLst/>
+                <a:latin typeface="Trebuchet MS" panose="020B0603020202020204" pitchFamily="34" charset="0"/>
+                <a:ea typeface="Times New Roman" panose="02020603050405020304" pitchFamily="18" charset="0"/>
+                <a:cs typeface="Times New Roman" panose="02020603050405020304" pitchFamily="18" charset="0"/>
+              </a:rPr>
+              <a:t>We examined the relationship between the price of a house and its square footage of living space. A scatter plot demonstrated a positive correlation. We constructed a linear regression model to predict the price based on the square footage. The model's coefficients, intercept, and performance metrics (RMSE, R2 score) were shared. </a:t>
+            </a:r>
+            <a:endParaRPr lang="en-US" sz="2000" kern="0" dirty="0">
+              <a:solidFill>
+                <a:srgbClr val="000000"/>
+              </a:solidFill>
+              <a:effectLst/>
+              <a:latin typeface="Trebuchet MS" panose="020B0603020202020204" pitchFamily="34" charset="0"/>
+              <a:ea typeface="Times New Roman" panose="02020603050405020304" pitchFamily="18" charset="0"/>
+              <a:cs typeface="Times New Roman" panose="02020603050405020304" pitchFamily="18" charset="0"/>
+            </a:endParaRPr>
+          </a:p>
+          <a:p>
+            <a:r>
+              <a:rPr lang="en-US" sz="2000" kern="0" dirty="0">
+                <a:solidFill>
+                  <a:srgbClr val="000000"/>
+                </a:solidFill>
+                <a:effectLst/>
+                <a:latin typeface="Trebuchet MS" panose="020B0603020202020204" pitchFamily="34" charset="0"/>
+                <a:ea typeface="Times New Roman" panose="02020603050405020304" pitchFamily="18" charset="0"/>
+                <a:cs typeface="Times New Roman" panose="02020603050405020304" pitchFamily="18" charset="0"/>
+              </a:rPr>
+              <a:t>to</a:t>
+            </a:r>
+            <a:r>
+              <a:rPr lang="en-KE" sz="2000" kern="0" dirty="0">
+                <a:solidFill>
+                  <a:srgbClr val="000000"/>
+                </a:solidFill>
+                <a:effectLst/>
+                <a:latin typeface="Trebuchet MS" panose="020B0603020202020204" pitchFamily="34" charset="0"/>
+                <a:ea typeface="Times New Roman" panose="02020603050405020304" pitchFamily="18" charset="0"/>
+                <a:cs typeface="Times New Roman" panose="02020603050405020304" pitchFamily="18" charset="0"/>
+              </a:rPr>
+              <a:t> leverage this analysis to gauge the effect of square footage on their property's estimated value.</a:t>
+            </a:r>
+            <a:endParaRPr lang="en-KE" sz="2000" kern="100" dirty="0">
+              <a:effectLst/>
+              <a:latin typeface="Calibri" panose="020F0502020204030204" pitchFamily="34" charset="0"/>
+              <a:ea typeface="PMingLiU" panose="02020500000000000000" pitchFamily="18" charset="-120"/>
+              <a:cs typeface="Times New Roman" panose="02020603050405020304" pitchFamily="18" charset="0"/>
+            </a:endParaRPr>
+          </a:p>
+          <a:p>
+            <a:endParaRPr lang="en-KE" dirty="0"/>
+          </a:p>
+        </p:txBody>
+      </p:sp>
+    </p:spTree>
+    <p:extLst>
+      <p:ext uri="{BB962C8B-B14F-4D97-AF65-F5344CB8AC3E}">
+        <p14:creationId xmlns:p14="http://schemas.microsoft.com/office/powerpoint/2010/main" val="2170884941"/>
       </p:ext>
     </p:extLst>
   </p:cSld>
